--- a/slides/итоги грамматика мотива.pptx
+++ b/slides/итоги грамматика мотива.pptx
@@ -4,6 +4,9 @@
   <p:sldMasterIdLst>
     <p:sldMasterId id="2147483725" r:id="rId1"/>
   </p:sldMasterIdLst>
+  <p:notesMasterIdLst>
+    <p:notesMasterId r:id="rId20"/>
+  </p:notesMasterIdLst>
   <p:sldIdLst>
     <p:sldId id="256" r:id="rId2"/>
     <p:sldId id="257" r:id="rId3"/>
@@ -16,7 +19,13 @@
     <p:sldId id="266" r:id="rId10"/>
     <p:sldId id="267" r:id="rId11"/>
     <p:sldId id="265" r:id="rId12"/>
-    <p:sldId id="268" r:id="rId13"/>
+    <p:sldId id="273" r:id="rId13"/>
+    <p:sldId id="274" r:id="rId14"/>
+    <p:sldId id="275" r:id="rId15"/>
+    <p:sldId id="271" r:id="rId16"/>
+    <p:sldId id="270" r:id="rId17"/>
+    <p:sldId id="272" r:id="rId18"/>
+    <p:sldId id="268" r:id="rId19"/>
   </p:sldIdLst>
   <p:sldSz cx="12192000" cy="6858000"/>
   <p:notesSz cx="6858000" cy="9144000"/>
@@ -127,6 +136,1762 @@
 <p1510:revInfo xmlns:a="http://schemas.openxmlformats.org/drawingml/2006/main" xmlns:r="http://schemas.openxmlformats.org/officeDocument/2006/relationships" xmlns:p1510="http://schemas.microsoft.com/office/powerpoint/2015/10/main"/>
 </file>
 
+<file path=ppt/charts/chart1.xml><?xml version="1.0" encoding="utf-8"?>
+<c:chartSpace xmlns:c="http://schemas.openxmlformats.org/drawingml/2006/chart" xmlns:a="http://schemas.openxmlformats.org/drawingml/2006/main" xmlns:r="http://schemas.openxmlformats.org/officeDocument/2006/relationships">
+  <c:date1904 val="0"/>
+  <c:lang val="ru-RU"/>
+  <c:roundedCorners val="0"/>
+  <mc:AlternateContent xmlns:mc="http://schemas.openxmlformats.org/markup-compatibility/2006">
+    <mc:Choice xmlns:c14="http://schemas.microsoft.com/office/drawing/2007/8/2/chart" Requires="c14">
+      <c14:style val="102"/>
+    </mc:Choice>
+    <mc:Fallback>
+      <c:style val="2"/>
+    </mc:Fallback>
+  </mc:AlternateContent>
+  <c:chart>
+    <c:title>
+      <c:tx>
+        <c:rich>
+          <a:bodyPr rot="0" spcFirstLastPara="1" vertOverflow="ellipsis" vert="horz" wrap="square" anchor="ctr" anchorCtr="1"/>
+          <a:lstStyle/>
+          <a:p>
+            <a:pPr>
+              <a:defRPr sz="3600" b="0" i="0" u="none" strike="noStrike" kern="1200" spc="0" baseline="0">
+                <a:solidFill>
+                  <a:schemeClr val="tx1">
+                    <a:lumMod val="65000"/>
+                    <a:lumOff val="35000"/>
+                  </a:schemeClr>
+                </a:solidFill>
+                <a:latin typeface="Helvetica" charset="0"/>
+                <a:ea typeface="Helvetica" charset="0"/>
+                <a:cs typeface="Helvetica" charset="0"/>
+              </a:defRPr>
+            </a:pPr>
+            <a:r>
+              <a:rPr lang="ru-RU" sz="3600"/>
+              <a:t>Самые пьющие герои</a:t>
+            </a:r>
+            <a:endParaRPr lang="en-US" sz="3600"/>
+          </a:p>
+        </c:rich>
+      </c:tx>
+      <c:layout/>
+      <c:overlay val="0"/>
+      <c:spPr>
+        <a:noFill/>
+        <a:ln>
+          <a:noFill/>
+        </a:ln>
+        <a:effectLst/>
+      </c:spPr>
+      <c:txPr>
+        <a:bodyPr rot="0" spcFirstLastPara="1" vertOverflow="ellipsis" vert="horz" wrap="square" anchor="ctr" anchorCtr="1"/>
+        <a:lstStyle/>
+        <a:p>
+          <a:pPr>
+            <a:defRPr sz="3600" b="0" i="0" u="none" strike="noStrike" kern="1200" spc="0" baseline="0">
+              <a:solidFill>
+                <a:schemeClr val="tx1">
+                  <a:lumMod val="65000"/>
+                  <a:lumOff val="35000"/>
+                </a:schemeClr>
+              </a:solidFill>
+              <a:latin typeface="Helvetica" charset="0"/>
+              <a:ea typeface="Helvetica" charset="0"/>
+              <a:cs typeface="Helvetica" charset="0"/>
+            </a:defRPr>
+          </a:pPr>
+          <a:endParaRPr lang="ru-RU"/>
+        </a:p>
+      </c:txPr>
+    </c:title>
+    <c:autoTitleDeleted val="0"/>
+    <c:plotArea>
+      <c:layout/>
+      <c:barChart>
+        <c:barDir val="col"/>
+        <c:grouping val="clustered"/>
+        <c:varyColors val="0"/>
+        <c:ser>
+          <c:idx val="0"/>
+          <c:order val="0"/>
+          <c:tx>
+            <c:strRef>
+              <c:f>Sheet1!$N$1</c:f>
+              <c:strCache>
+                <c:ptCount val="1"/>
+                <c:pt idx="0">
+                  <c:v>вино</c:v>
+                </c:pt>
+              </c:strCache>
+            </c:strRef>
+          </c:tx>
+          <c:spPr>
+            <a:solidFill>
+              <a:srgbClr val="C00000"/>
+            </a:solidFill>
+            <a:ln w="0">
+              <a:solidFill>
+                <a:schemeClr val="accent1"/>
+              </a:solidFill>
+            </a:ln>
+            <a:effectLst/>
+          </c:spPr>
+          <c:invertIfNegative val="0"/>
+          <c:cat>
+            <c:strRef>
+              <c:f>Sheet1!$M$2:$M$13</c:f>
+              <c:strCache>
+                <c:ptCount val="12"/>
+                <c:pt idx="0">
+                  <c:v>Воланд</c:v>
+                </c:pt>
+                <c:pt idx="1">
+                  <c:v>Лиходеев</c:v>
+                </c:pt>
+                <c:pt idx="2">
+                  <c:v>Бегемот</c:v>
+                </c:pt>
+                <c:pt idx="3">
+                  <c:v>Мастер </c:v>
+                </c:pt>
+                <c:pt idx="4">
+                  <c:v>Маргарита</c:v>
+                </c:pt>
+                <c:pt idx="5">
+                  <c:v>Безличное</c:v>
+                </c:pt>
+                <c:pt idx="6">
+                  <c:v>Коровьев</c:v>
+                </c:pt>
+                <c:pt idx="7">
+                  <c:v>Понтий Пилат</c:v>
+                </c:pt>
+                <c:pt idx="8">
+                  <c:v>Гость Пилата</c:v>
+                </c:pt>
+                <c:pt idx="9">
+                  <c:v>Рюхин</c:v>
+                </c:pt>
+                <c:pt idx="10">
+                  <c:v>Буфетчик</c:v>
+                </c:pt>
+                <c:pt idx="11">
+                  <c:v>Азазелло</c:v>
+                </c:pt>
+              </c:strCache>
+            </c:strRef>
+          </c:cat>
+          <c:val>
+            <c:numRef>
+              <c:f>Sheet1!$N$2:$N$13</c:f>
+              <c:numCache>
+                <c:formatCode>General</c:formatCode>
+                <c:ptCount val="12"/>
+                <c:pt idx="0">
+                  <c:v>3.0</c:v>
+                </c:pt>
+                <c:pt idx="3">
+                  <c:v>6.0</c:v>
+                </c:pt>
+                <c:pt idx="4">
+                  <c:v>3.0</c:v>
+                </c:pt>
+                <c:pt idx="5">
+                  <c:v>3.0</c:v>
+                </c:pt>
+                <c:pt idx="6">
+                  <c:v>1.0</c:v>
+                </c:pt>
+                <c:pt idx="7">
+                  <c:v>5.0</c:v>
+                </c:pt>
+                <c:pt idx="8">
+                  <c:v>3.0</c:v>
+                </c:pt>
+                <c:pt idx="10">
+                  <c:v>1.0</c:v>
+                </c:pt>
+                <c:pt idx="11">
+                  <c:v>1.0</c:v>
+                </c:pt>
+              </c:numCache>
+            </c:numRef>
+          </c:val>
+          <c:extLst xmlns:c16r2="http://schemas.microsoft.com/office/drawing/2015/06/chart">
+            <c:ext xmlns:c16="http://schemas.microsoft.com/office/drawing/2014/chart" uri="{C3380CC4-5D6E-409C-BE32-E72D297353CC}">
+              <c16:uniqueId val="{00000000-3AE0-4F30-AF03-5A0CA305ACA4}"/>
+            </c:ext>
+          </c:extLst>
+        </c:ser>
+        <c:ser>
+          <c:idx val="1"/>
+          <c:order val="1"/>
+          <c:tx>
+            <c:strRef>
+              <c:f>Sheet1!$O$1</c:f>
+              <c:strCache>
+                <c:ptCount val="1"/>
+                <c:pt idx="0">
+                  <c:v>кровь</c:v>
+                </c:pt>
+              </c:strCache>
+            </c:strRef>
+          </c:tx>
+          <c:spPr>
+            <a:solidFill>
+              <a:srgbClr val="FF0000"/>
+            </a:solidFill>
+            <a:ln>
+              <a:noFill/>
+            </a:ln>
+            <a:effectLst/>
+          </c:spPr>
+          <c:invertIfNegative val="0"/>
+          <c:cat>
+            <c:strRef>
+              <c:f>Sheet1!$M$2:$M$13</c:f>
+              <c:strCache>
+                <c:ptCount val="12"/>
+                <c:pt idx="0">
+                  <c:v>Воланд</c:v>
+                </c:pt>
+                <c:pt idx="1">
+                  <c:v>Лиходеев</c:v>
+                </c:pt>
+                <c:pt idx="2">
+                  <c:v>Бегемот</c:v>
+                </c:pt>
+                <c:pt idx="3">
+                  <c:v>Мастер </c:v>
+                </c:pt>
+                <c:pt idx="4">
+                  <c:v>Маргарита</c:v>
+                </c:pt>
+                <c:pt idx="5">
+                  <c:v>Безличное</c:v>
+                </c:pt>
+                <c:pt idx="6">
+                  <c:v>Коровьев</c:v>
+                </c:pt>
+                <c:pt idx="7">
+                  <c:v>Понтий Пилат</c:v>
+                </c:pt>
+                <c:pt idx="8">
+                  <c:v>Гость Пилата</c:v>
+                </c:pt>
+                <c:pt idx="9">
+                  <c:v>Рюхин</c:v>
+                </c:pt>
+                <c:pt idx="10">
+                  <c:v>Буфетчик</c:v>
+                </c:pt>
+                <c:pt idx="11">
+                  <c:v>Азазелло</c:v>
+                </c:pt>
+              </c:strCache>
+            </c:strRef>
+          </c:cat>
+          <c:val>
+            <c:numRef>
+              <c:f>Sheet1!$O$2:$O$13</c:f>
+              <c:numCache>
+                <c:formatCode>General</c:formatCode>
+                <c:ptCount val="12"/>
+                <c:pt idx="0">
+                  <c:v>1.0</c:v>
+                </c:pt>
+                <c:pt idx="4">
+                  <c:v>1.0</c:v>
+                </c:pt>
+              </c:numCache>
+            </c:numRef>
+          </c:val>
+          <c:extLst xmlns:c16r2="http://schemas.microsoft.com/office/drawing/2015/06/chart">
+            <c:ext xmlns:c16="http://schemas.microsoft.com/office/drawing/2014/chart" uri="{C3380CC4-5D6E-409C-BE32-E72D297353CC}">
+              <c16:uniqueId val="{00000001-3AE0-4F30-AF03-5A0CA305ACA4}"/>
+            </c:ext>
+          </c:extLst>
+        </c:ser>
+        <c:ser>
+          <c:idx val="2"/>
+          <c:order val="2"/>
+          <c:tx>
+            <c:strRef>
+              <c:f>Sheet1!$P$1</c:f>
+              <c:strCache>
+                <c:ptCount val="1"/>
+                <c:pt idx="0">
+                  <c:v>водка</c:v>
+                </c:pt>
+              </c:strCache>
+            </c:strRef>
+          </c:tx>
+          <c:spPr>
+            <a:solidFill>
+              <a:srgbClr val="0070C0"/>
+            </a:solidFill>
+            <a:ln>
+              <a:noFill/>
+            </a:ln>
+            <a:effectLst/>
+          </c:spPr>
+          <c:invertIfNegative val="0"/>
+          <c:cat>
+            <c:strRef>
+              <c:f>Sheet1!$M$2:$M$13</c:f>
+              <c:strCache>
+                <c:ptCount val="12"/>
+                <c:pt idx="0">
+                  <c:v>Воланд</c:v>
+                </c:pt>
+                <c:pt idx="1">
+                  <c:v>Лиходеев</c:v>
+                </c:pt>
+                <c:pt idx="2">
+                  <c:v>Бегемот</c:v>
+                </c:pt>
+                <c:pt idx="3">
+                  <c:v>Мастер </c:v>
+                </c:pt>
+                <c:pt idx="4">
+                  <c:v>Маргарита</c:v>
+                </c:pt>
+                <c:pt idx="5">
+                  <c:v>Безличное</c:v>
+                </c:pt>
+                <c:pt idx="6">
+                  <c:v>Коровьев</c:v>
+                </c:pt>
+                <c:pt idx="7">
+                  <c:v>Понтий Пилат</c:v>
+                </c:pt>
+                <c:pt idx="8">
+                  <c:v>Гость Пилата</c:v>
+                </c:pt>
+                <c:pt idx="9">
+                  <c:v>Рюхин</c:v>
+                </c:pt>
+                <c:pt idx="10">
+                  <c:v>Буфетчик</c:v>
+                </c:pt>
+                <c:pt idx="11">
+                  <c:v>Азазелло</c:v>
+                </c:pt>
+              </c:strCache>
+            </c:strRef>
+          </c:cat>
+          <c:val>
+            <c:numRef>
+              <c:f>Sheet1!$P$2:$P$13</c:f>
+              <c:numCache>
+                <c:formatCode>General</c:formatCode>
+                <c:ptCount val="12"/>
+                <c:pt idx="0">
+                  <c:v>2.0</c:v>
+                </c:pt>
+                <c:pt idx="1">
+                  <c:v>2.0</c:v>
+                </c:pt>
+                <c:pt idx="2">
+                  <c:v>2.0</c:v>
+                </c:pt>
+                <c:pt idx="6">
+                  <c:v>1.0</c:v>
+                </c:pt>
+                <c:pt idx="9">
+                  <c:v>1.0</c:v>
+                </c:pt>
+              </c:numCache>
+            </c:numRef>
+          </c:val>
+          <c:extLst xmlns:c16r2="http://schemas.microsoft.com/office/drawing/2015/06/chart">
+            <c:ext xmlns:c16="http://schemas.microsoft.com/office/drawing/2014/chart" uri="{C3380CC4-5D6E-409C-BE32-E72D297353CC}">
+              <c16:uniqueId val="{00000002-3AE0-4F30-AF03-5A0CA305ACA4}"/>
+            </c:ext>
+          </c:extLst>
+        </c:ser>
+        <c:ser>
+          <c:idx val="3"/>
+          <c:order val="3"/>
+          <c:tx>
+            <c:strRef>
+              <c:f>Sheet1!$Q$1</c:f>
+              <c:strCache>
+                <c:ptCount val="1"/>
+                <c:pt idx="0">
+                  <c:v>спирт</c:v>
+                </c:pt>
+              </c:strCache>
+            </c:strRef>
+          </c:tx>
+          <c:spPr>
+            <a:solidFill>
+              <a:schemeClr val="accent5">
+                <a:lumMod val="60000"/>
+                <a:lumOff val="40000"/>
+              </a:schemeClr>
+            </a:solidFill>
+            <a:ln>
+              <a:noFill/>
+            </a:ln>
+            <a:effectLst/>
+          </c:spPr>
+          <c:invertIfNegative val="0"/>
+          <c:cat>
+            <c:strRef>
+              <c:f>Sheet1!$M$2:$M$13</c:f>
+              <c:strCache>
+                <c:ptCount val="12"/>
+                <c:pt idx="0">
+                  <c:v>Воланд</c:v>
+                </c:pt>
+                <c:pt idx="1">
+                  <c:v>Лиходеев</c:v>
+                </c:pt>
+                <c:pt idx="2">
+                  <c:v>Бегемот</c:v>
+                </c:pt>
+                <c:pt idx="3">
+                  <c:v>Мастер </c:v>
+                </c:pt>
+                <c:pt idx="4">
+                  <c:v>Маргарита</c:v>
+                </c:pt>
+                <c:pt idx="5">
+                  <c:v>Безличное</c:v>
+                </c:pt>
+                <c:pt idx="6">
+                  <c:v>Коровьев</c:v>
+                </c:pt>
+                <c:pt idx="7">
+                  <c:v>Понтий Пилат</c:v>
+                </c:pt>
+                <c:pt idx="8">
+                  <c:v>Гость Пилата</c:v>
+                </c:pt>
+                <c:pt idx="9">
+                  <c:v>Рюхин</c:v>
+                </c:pt>
+                <c:pt idx="10">
+                  <c:v>Буфетчик</c:v>
+                </c:pt>
+                <c:pt idx="11">
+                  <c:v>Азазелло</c:v>
+                </c:pt>
+              </c:strCache>
+            </c:strRef>
+          </c:cat>
+          <c:val>
+            <c:numRef>
+              <c:f>Sheet1!$Q$2:$Q$13</c:f>
+              <c:numCache>
+                <c:formatCode>General</c:formatCode>
+                <c:ptCount val="12"/>
+                <c:pt idx="2">
+                  <c:v>2.0</c:v>
+                </c:pt>
+                <c:pt idx="4">
+                  <c:v>1.0</c:v>
+                </c:pt>
+              </c:numCache>
+            </c:numRef>
+          </c:val>
+          <c:extLst xmlns:c16r2="http://schemas.microsoft.com/office/drawing/2015/06/chart">
+            <c:ext xmlns:c16="http://schemas.microsoft.com/office/drawing/2014/chart" uri="{C3380CC4-5D6E-409C-BE32-E72D297353CC}">
+              <c16:uniqueId val="{00000003-3AE0-4F30-AF03-5A0CA305ACA4}"/>
+            </c:ext>
+          </c:extLst>
+        </c:ser>
+        <c:ser>
+          <c:idx val="4"/>
+          <c:order val="4"/>
+          <c:tx>
+            <c:strRef>
+              <c:f>Sheet1!$R$1</c:f>
+              <c:strCache>
+                <c:ptCount val="1"/>
+                <c:pt idx="0">
+                  <c:v>бензин</c:v>
+                </c:pt>
+              </c:strCache>
+            </c:strRef>
+          </c:tx>
+          <c:spPr>
+            <a:gradFill flip="none" rotWithShape="1">
+              <a:gsLst>
+                <a:gs pos="0">
+                  <a:schemeClr val="accent4">
+                    <a:lumMod val="60000"/>
+                    <a:lumOff val="40000"/>
+                  </a:schemeClr>
+                </a:gs>
+                <a:gs pos="100000">
+                  <a:srgbClr val="FF0000"/>
+                </a:gs>
+                <a:gs pos="42000">
+                  <a:srgbClr val="00B050"/>
+                </a:gs>
+              </a:gsLst>
+              <a:path path="circle">
+                <a:fillToRect l="50000" t="-80000" r="50000" b="180000"/>
+              </a:path>
+              <a:tileRect/>
+            </a:gradFill>
+            <a:ln>
+              <a:noFill/>
+            </a:ln>
+            <a:effectLst/>
+          </c:spPr>
+          <c:invertIfNegative val="0"/>
+          <c:cat>
+            <c:strRef>
+              <c:f>Sheet1!$M$2:$M$13</c:f>
+              <c:strCache>
+                <c:ptCount val="12"/>
+                <c:pt idx="0">
+                  <c:v>Воланд</c:v>
+                </c:pt>
+                <c:pt idx="1">
+                  <c:v>Лиходеев</c:v>
+                </c:pt>
+                <c:pt idx="2">
+                  <c:v>Бегемот</c:v>
+                </c:pt>
+                <c:pt idx="3">
+                  <c:v>Мастер </c:v>
+                </c:pt>
+                <c:pt idx="4">
+                  <c:v>Маргарита</c:v>
+                </c:pt>
+                <c:pt idx="5">
+                  <c:v>Безличное</c:v>
+                </c:pt>
+                <c:pt idx="6">
+                  <c:v>Коровьев</c:v>
+                </c:pt>
+                <c:pt idx="7">
+                  <c:v>Понтий Пилат</c:v>
+                </c:pt>
+                <c:pt idx="8">
+                  <c:v>Гость Пилата</c:v>
+                </c:pt>
+                <c:pt idx="9">
+                  <c:v>Рюхин</c:v>
+                </c:pt>
+                <c:pt idx="10">
+                  <c:v>Буфетчик</c:v>
+                </c:pt>
+                <c:pt idx="11">
+                  <c:v>Азазелло</c:v>
+                </c:pt>
+              </c:strCache>
+            </c:strRef>
+          </c:cat>
+          <c:val>
+            <c:numRef>
+              <c:f>Sheet1!$R$2:$R$13</c:f>
+              <c:numCache>
+                <c:formatCode>General</c:formatCode>
+                <c:ptCount val="12"/>
+                <c:pt idx="2">
+                  <c:v>1.0</c:v>
+                </c:pt>
+              </c:numCache>
+            </c:numRef>
+          </c:val>
+          <c:extLst xmlns:c16r2="http://schemas.microsoft.com/office/drawing/2015/06/chart">
+            <c:ext xmlns:c16="http://schemas.microsoft.com/office/drawing/2014/chart" uri="{C3380CC4-5D6E-409C-BE32-E72D297353CC}">
+              <c16:uniqueId val="{00000004-3AE0-4F30-AF03-5A0CA305ACA4}"/>
+            </c:ext>
+          </c:extLst>
+        </c:ser>
+        <c:dLbls>
+          <c:showLegendKey val="0"/>
+          <c:showVal val="0"/>
+          <c:showCatName val="0"/>
+          <c:showSerName val="0"/>
+          <c:showPercent val="0"/>
+          <c:showBubbleSize val="0"/>
+        </c:dLbls>
+        <c:gapWidth val="46"/>
+        <c:overlap val="-27"/>
+        <c:axId val="-1978651360"/>
+        <c:axId val="-1978649584"/>
+      </c:barChart>
+      <c:catAx>
+        <c:axId val="-1978651360"/>
+        <c:scaling>
+          <c:orientation val="minMax"/>
+        </c:scaling>
+        <c:delete val="0"/>
+        <c:axPos val="b"/>
+        <c:numFmt formatCode="General" sourceLinked="1"/>
+        <c:majorTickMark val="none"/>
+        <c:minorTickMark val="none"/>
+        <c:tickLblPos val="nextTo"/>
+        <c:spPr>
+          <a:noFill/>
+          <a:ln w="9525" cap="flat" cmpd="sng" algn="ctr">
+            <a:solidFill>
+              <a:schemeClr val="tx1">
+                <a:lumMod val="15000"/>
+                <a:lumOff val="85000"/>
+              </a:schemeClr>
+            </a:solidFill>
+            <a:round/>
+          </a:ln>
+          <a:effectLst/>
+        </c:spPr>
+        <c:txPr>
+          <a:bodyPr rot="-60000000" spcFirstLastPara="1" vertOverflow="ellipsis" vert="horz" wrap="square" anchor="ctr" anchorCtr="1"/>
+          <a:lstStyle/>
+          <a:p>
+            <a:pPr>
+              <a:defRPr sz="1400" b="0" i="0" u="none" strike="noStrike" kern="1200" baseline="0">
+                <a:solidFill>
+                  <a:schemeClr val="tx1">
+                    <a:lumMod val="65000"/>
+                    <a:lumOff val="35000"/>
+                  </a:schemeClr>
+                </a:solidFill>
+                <a:latin typeface="Helvetica" charset="0"/>
+                <a:ea typeface="Helvetica" charset="0"/>
+                <a:cs typeface="Helvetica" charset="0"/>
+              </a:defRPr>
+            </a:pPr>
+            <a:endParaRPr lang="ru-RU"/>
+          </a:p>
+        </c:txPr>
+        <c:crossAx val="-1978649584"/>
+        <c:crosses val="autoZero"/>
+        <c:auto val="1"/>
+        <c:lblAlgn val="ctr"/>
+        <c:lblOffset val="100"/>
+        <c:noMultiLvlLbl val="0"/>
+      </c:catAx>
+      <c:valAx>
+        <c:axId val="-1978649584"/>
+        <c:scaling>
+          <c:orientation val="minMax"/>
+        </c:scaling>
+        <c:delete val="0"/>
+        <c:axPos val="l"/>
+        <c:majorGridlines>
+          <c:spPr>
+            <a:ln w="9525" cap="flat" cmpd="sng" algn="ctr">
+              <a:solidFill>
+                <a:schemeClr val="tx1">
+                  <a:lumMod val="15000"/>
+                  <a:lumOff val="85000"/>
+                </a:schemeClr>
+              </a:solidFill>
+              <a:round/>
+            </a:ln>
+            <a:effectLst>
+              <a:outerShdw blurRad="50800" dist="50800" dir="5400000" sx="11000" sy="11000" algn="ctr" rotWithShape="0">
+                <a:srgbClr val="000000">
+                  <a:alpha val="43137"/>
+                </a:srgbClr>
+              </a:outerShdw>
+            </a:effectLst>
+          </c:spPr>
+        </c:majorGridlines>
+        <c:numFmt formatCode="General" sourceLinked="1"/>
+        <c:majorTickMark val="none"/>
+        <c:minorTickMark val="none"/>
+        <c:tickLblPos val="nextTo"/>
+        <c:spPr>
+          <a:noFill/>
+          <a:ln>
+            <a:noFill/>
+          </a:ln>
+          <a:effectLst/>
+        </c:spPr>
+        <c:txPr>
+          <a:bodyPr rot="-60000000" spcFirstLastPara="1" vertOverflow="ellipsis" vert="horz" wrap="square" anchor="ctr" anchorCtr="1"/>
+          <a:lstStyle/>
+          <a:p>
+            <a:pPr>
+              <a:defRPr sz="900" b="0" i="0" u="none" strike="noStrike" kern="1200" baseline="0">
+                <a:solidFill>
+                  <a:schemeClr val="tx1">
+                    <a:lumMod val="65000"/>
+                    <a:lumOff val="35000"/>
+                  </a:schemeClr>
+                </a:solidFill>
+                <a:latin typeface="Helvetica" charset="0"/>
+                <a:ea typeface="Helvetica" charset="0"/>
+                <a:cs typeface="Helvetica" charset="0"/>
+              </a:defRPr>
+            </a:pPr>
+            <a:endParaRPr lang="ru-RU"/>
+          </a:p>
+        </c:txPr>
+        <c:crossAx val="-1978651360"/>
+        <c:crosses val="autoZero"/>
+        <c:crossBetween val="between"/>
+      </c:valAx>
+      <c:spPr>
+        <a:noFill/>
+        <a:ln>
+          <a:noFill/>
+        </a:ln>
+        <a:effectLst>
+          <a:outerShdw blurRad="533400" dist="25400" dir="5400000" sx="9000" sy="9000" algn="ctr" rotWithShape="0">
+            <a:srgbClr val="000000">
+              <a:alpha val="43137"/>
+            </a:srgbClr>
+          </a:outerShdw>
+        </a:effectLst>
+      </c:spPr>
+    </c:plotArea>
+    <c:legend>
+      <c:legendPos val="b"/>
+      <c:layout/>
+      <c:overlay val="0"/>
+      <c:spPr>
+        <a:noFill/>
+        <a:ln>
+          <a:noFill/>
+        </a:ln>
+        <a:effectLst/>
+      </c:spPr>
+      <c:txPr>
+        <a:bodyPr rot="0" spcFirstLastPara="1" vertOverflow="ellipsis" vert="horz" wrap="square" anchor="ctr" anchorCtr="1"/>
+        <a:lstStyle/>
+        <a:p>
+          <a:pPr>
+            <a:defRPr sz="1400" b="0" i="0" u="none" strike="noStrike" kern="1200" baseline="0">
+              <a:solidFill>
+                <a:schemeClr val="tx1">
+                  <a:lumMod val="65000"/>
+                  <a:lumOff val="35000"/>
+                </a:schemeClr>
+              </a:solidFill>
+              <a:latin typeface="Helvetica" charset="0"/>
+              <a:ea typeface="Helvetica" charset="0"/>
+              <a:cs typeface="Helvetica" charset="0"/>
+            </a:defRPr>
+          </a:pPr>
+          <a:endParaRPr lang="ru-RU"/>
+        </a:p>
+      </c:txPr>
+    </c:legend>
+    <c:plotVisOnly val="1"/>
+    <c:dispBlanksAs val="gap"/>
+    <c:showDLblsOverMax val="0"/>
+  </c:chart>
+  <c:spPr>
+    <a:noFill/>
+    <a:ln>
+      <a:noFill/>
+    </a:ln>
+    <a:effectLst/>
+  </c:spPr>
+  <c:txPr>
+    <a:bodyPr/>
+    <a:lstStyle/>
+    <a:p>
+      <a:pPr>
+        <a:defRPr>
+          <a:latin typeface="Helvetica" charset="0"/>
+          <a:ea typeface="Helvetica" charset="0"/>
+          <a:cs typeface="Helvetica" charset="0"/>
+        </a:defRPr>
+      </a:pPr>
+      <a:endParaRPr lang="ru-RU"/>
+    </a:p>
+  </c:txPr>
+  <c:externalData r:id="rId3">
+    <c:autoUpdate val="0"/>
+  </c:externalData>
+</c:chartSpace>
+</file>
+
+<file path=ppt/charts/colors1.xml><?xml version="1.0" encoding="utf-8"?>
+<cs:colorStyle xmlns:cs="http://schemas.microsoft.com/office/drawing/2012/chartStyle" xmlns:a="http://schemas.openxmlformats.org/drawingml/2006/main" meth="cycle" id="10">
+  <a:schemeClr val="accent1"/>
+  <a:schemeClr val="accent2"/>
+  <a:schemeClr val="accent3"/>
+  <a:schemeClr val="accent4"/>
+  <a:schemeClr val="accent5"/>
+  <a:schemeClr val="accent6"/>
+  <cs:variation/>
+  <cs:variation>
+    <a:lumMod val="60000"/>
+  </cs:variation>
+  <cs:variation>
+    <a:lumMod val="80000"/>
+    <a:lumOff val="20000"/>
+  </cs:variation>
+  <cs:variation>
+    <a:lumMod val="80000"/>
+  </cs:variation>
+  <cs:variation>
+    <a:lumMod val="60000"/>
+    <a:lumOff val="40000"/>
+  </cs:variation>
+  <cs:variation>
+    <a:lumMod val="50000"/>
+  </cs:variation>
+  <cs:variation>
+    <a:lumMod val="70000"/>
+    <a:lumOff val="30000"/>
+  </cs:variation>
+  <cs:variation>
+    <a:lumMod val="70000"/>
+  </cs:variation>
+  <cs:variation>
+    <a:lumMod val="50000"/>
+    <a:lumOff val="50000"/>
+  </cs:variation>
+</cs:colorStyle>
+</file>
+
+<file path=ppt/charts/style1.xml><?xml version="1.0" encoding="utf-8"?>
+<cs:chartStyle xmlns:cs="http://schemas.microsoft.com/office/drawing/2012/chartStyle" xmlns:a="http://schemas.openxmlformats.org/drawingml/2006/main" id="201">
+  <cs:axisTitle>
+    <cs:lnRef idx="0"/>
+    <cs:fillRef idx="0"/>
+    <cs:effectRef idx="0"/>
+    <cs:fontRef idx="minor">
+      <a:schemeClr val="tx1">
+        <a:lumMod val="65000"/>
+        <a:lumOff val="35000"/>
+      </a:schemeClr>
+    </cs:fontRef>
+    <cs:defRPr sz="1000" kern="1200"/>
+  </cs:axisTitle>
+  <cs:categoryAxis>
+    <cs:lnRef idx="0"/>
+    <cs:fillRef idx="0"/>
+    <cs:effectRef idx="0"/>
+    <cs:fontRef idx="minor">
+      <a:schemeClr val="tx1">
+        <a:lumMod val="65000"/>
+        <a:lumOff val="35000"/>
+      </a:schemeClr>
+    </cs:fontRef>
+    <cs:spPr>
+      <a:ln w="9525" cap="flat" cmpd="sng" algn="ctr">
+        <a:solidFill>
+          <a:schemeClr val="tx1">
+            <a:lumMod val="15000"/>
+            <a:lumOff val="85000"/>
+          </a:schemeClr>
+        </a:solidFill>
+        <a:round/>
+      </a:ln>
+    </cs:spPr>
+    <cs:defRPr sz="900" kern="1200"/>
+  </cs:categoryAxis>
+  <cs:chartArea mods="allowNoFillOverride allowNoLineOverride">
+    <cs:lnRef idx="0"/>
+    <cs:fillRef idx="0"/>
+    <cs:effectRef idx="0"/>
+    <cs:fontRef idx="minor">
+      <a:schemeClr val="tx1"/>
+    </cs:fontRef>
+    <cs:spPr>
+      <a:solidFill>
+        <a:schemeClr val="bg1"/>
+      </a:solidFill>
+      <a:ln w="9525" cap="flat" cmpd="sng" algn="ctr">
+        <a:solidFill>
+          <a:schemeClr val="tx1">
+            <a:lumMod val="15000"/>
+            <a:lumOff val="85000"/>
+          </a:schemeClr>
+        </a:solidFill>
+        <a:round/>
+      </a:ln>
+    </cs:spPr>
+    <cs:defRPr sz="1000" kern="1200"/>
+  </cs:chartArea>
+  <cs:dataLabel>
+    <cs:lnRef idx="0"/>
+    <cs:fillRef idx="0"/>
+    <cs:effectRef idx="0"/>
+    <cs:fontRef idx="minor">
+      <a:schemeClr val="tx1">
+        <a:lumMod val="75000"/>
+        <a:lumOff val="25000"/>
+      </a:schemeClr>
+    </cs:fontRef>
+    <cs:defRPr sz="900" kern="1200"/>
+  </cs:dataLabel>
+  <cs:dataLabelCallout>
+    <cs:lnRef idx="0"/>
+    <cs:fillRef idx="0"/>
+    <cs:effectRef idx="0"/>
+    <cs:fontRef idx="minor">
+      <a:schemeClr val="dk1">
+        <a:lumMod val="65000"/>
+        <a:lumOff val="35000"/>
+      </a:schemeClr>
+    </cs:fontRef>
+    <cs:spPr>
+      <a:solidFill>
+        <a:schemeClr val="lt1"/>
+      </a:solidFill>
+      <a:ln>
+        <a:solidFill>
+          <a:schemeClr val="dk1">
+            <a:lumMod val="25000"/>
+            <a:lumOff val="75000"/>
+          </a:schemeClr>
+        </a:solidFill>
+      </a:ln>
+    </cs:spPr>
+    <cs:defRPr sz="900" kern="1200"/>
+    <cs:bodyPr rot="0" spcFirstLastPara="1" vertOverflow="clip" horzOverflow="clip" vert="horz" wrap="square" lIns="36576" tIns="18288" rIns="36576" bIns="18288" anchor="ctr" anchorCtr="1">
+      <a:spAutoFit/>
+    </cs:bodyPr>
+  </cs:dataLabelCallout>
+  <cs:dataPoint>
+    <cs:lnRef idx="0"/>
+    <cs:fillRef idx="1">
+      <cs:styleClr val="auto"/>
+    </cs:fillRef>
+    <cs:effectRef idx="0"/>
+    <cs:fontRef idx="minor">
+      <a:schemeClr val="tx1"/>
+    </cs:fontRef>
+  </cs:dataPoint>
+  <cs:dataPoint3D>
+    <cs:lnRef idx="0"/>
+    <cs:fillRef idx="1">
+      <cs:styleClr val="auto"/>
+    </cs:fillRef>
+    <cs:effectRef idx="0"/>
+    <cs:fontRef idx="minor">
+      <a:schemeClr val="tx1"/>
+    </cs:fontRef>
+  </cs:dataPoint3D>
+  <cs:dataPointLine>
+    <cs:lnRef idx="0">
+      <cs:styleClr val="auto"/>
+    </cs:lnRef>
+    <cs:fillRef idx="1"/>
+    <cs:effectRef idx="0"/>
+    <cs:fontRef idx="minor">
+      <a:schemeClr val="tx1"/>
+    </cs:fontRef>
+    <cs:spPr>
+      <a:ln w="28575" cap="rnd">
+        <a:solidFill>
+          <a:schemeClr val="phClr"/>
+        </a:solidFill>
+        <a:round/>
+      </a:ln>
+    </cs:spPr>
+  </cs:dataPointLine>
+  <cs:dataPointMarker>
+    <cs:lnRef idx="0">
+      <cs:styleClr val="auto"/>
+    </cs:lnRef>
+    <cs:fillRef idx="1">
+      <cs:styleClr val="auto"/>
+    </cs:fillRef>
+    <cs:effectRef idx="0"/>
+    <cs:fontRef idx="minor">
+      <a:schemeClr val="tx1"/>
+    </cs:fontRef>
+    <cs:spPr>
+      <a:ln w="9525">
+        <a:solidFill>
+          <a:schemeClr val="phClr"/>
+        </a:solidFill>
+      </a:ln>
+    </cs:spPr>
+  </cs:dataPointMarker>
+  <cs:dataPointMarkerLayout symbol="circle" size="5"/>
+  <cs:dataPointWireframe>
+    <cs:lnRef idx="0">
+      <cs:styleClr val="auto"/>
+    </cs:lnRef>
+    <cs:fillRef idx="1"/>
+    <cs:effectRef idx="0"/>
+    <cs:fontRef idx="minor">
+      <a:schemeClr val="tx1"/>
+    </cs:fontRef>
+    <cs:spPr>
+      <a:ln w="9525" cap="rnd">
+        <a:solidFill>
+          <a:schemeClr val="phClr"/>
+        </a:solidFill>
+        <a:round/>
+      </a:ln>
+    </cs:spPr>
+  </cs:dataPointWireframe>
+  <cs:dataTable>
+    <cs:lnRef idx="0"/>
+    <cs:fillRef idx="0"/>
+    <cs:effectRef idx="0"/>
+    <cs:fontRef idx="minor">
+      <a:schemeClr val="tx1">
+        <a:lumMod val="65000"/>
+        <a:lumOff val="35000"/>
+      </a:schemeClr>
+    </cs:fontRef>
+    <cs:spPr>
+      <a:noFill/>
+      <a:ln w="9525" cap="flat" cmpd="sng" algn="ctr">
+        <a:solidFill>
+          <a:schemeClr val="tx1">
+            <a:lumMod val="15000"/>
+            <a:lumOff val="85000"/>
+          </a:schemeClr>
+        </a:solidFill>
+        <a:round/>
+      </a:ln>
+    </cs:spPr>
+    <cs:defRPr sz="900" kern="1200"/>
+  </cs:dataTable>
+  <cs:downBar>
+    <cs:lnRef idx="0"/>
+    <cs:fillRef idx="0"/>
+    <cs:effectRef idx="0"/>
+    <cs:fontRef idx="minor">
+      <a:schemeClr val="dk1"/>
+    </cs:fontRef>
+    <cs:spPr>
+      <a:solidFill>
+        <a:schemeClr val="dk1">
+          <a:lumMod val="65000"/>
+          <a:lumOff val="35000"/>
+        </a:schemeClr>
+      </a:solidFill>
+      <a:ln w="9525">
+        <a:solidFill>
+          <a:schemeClr val="tx1">
+            <a:lumMod val="65000"/>
+            <a:lumOff val="35000"/>
+          </a:schemeClr>
+        </a:solidFill>
+      </a:ln>
+    </cs:spPr>
+  </cs:downBar>
+  <cs:dropLine>
+    <cs:lnRef idx="0"/>
+    <cs:fillRef idx="0"/>
+    <cs:effectRef idx="0"/>
+    <cs:fontRef idx="minor">
+      <a:schemeClr val="tx1"/>
+    </cs:fontRef>
+    <cs:spPr>
+      <a:ln w="9525" cap="flat" cmpd="sng" algn="ctr">
+        <a:solidFill>
+          <a:schemeClr val="tx1">
+            <a:lumMod val="35000"/>
+            <a:lumOff val="65000"/>
+          </a:schemeClr>
+        </a:solidFill>
+        <a:round/>
+      </a:ln>
+    </cs:spPr>
+  </cs:dropLine>
+  <cs:errorBar>
+    <cs:lnRef idx="0"/>
+    <cs:fillRef idx="0"/>
+    <cs:effectRef idx="0"/>
+    <cs:fontRef idx="minor">
+      <a:schemeClr val="tx1"/>
+    </cs:fontRef>
+    <cs:spPr>
+      <a:ln w="9525" cap="flat" cmpd="sng" algn="ctr">
+        <a:solidFill>
+          <a:schemeClr val="tx1">
+            <a:lumMod val="65000"/>
+            <a:lumOff val="35000"/>
+          </a:schemeClr>
+        </a:solidFill>
+        <a:round/>
+      </a:ln>
+    </cs:spPr>
+  </cs:errorBar>
+  <cs:floor>
+    <cs:lnRef idx="0"/>
+    <cs:fillRef idx="0"/>
+    <cs:effectRef idx="0"/>
+    <cs:fontRef idx="minor">
+      <a:schemeClr val="tx1"/>
+    </cs:fontRef>
+    <cs:spPr>
+      <a:noFill/>
+      <a:ln>
+        <a:noFill/>
+      </a:ln>
+    </cs:spPr>
+  </cs:floor>
+  <cs:gridlineMajor>
+    <cs:lnRef idx="0"/>
+    <cs:fillRef idx="0"/>
+    <cs:effectRef idx="0"/>
+    <cs:fontRef idx="minor">
+      <a:schemeClr val="tx1"/>
+    </cs:fontRef>
+    <cs:spPr>
+      <a:ln w="9525" cap="flat" cmpd="sng" algn="ctr">
+        <a:solidFill>
+          <a:schemeClr val="tx1">
+            <a:lumMod val="15000"/>
+            <a:lumOff val="85000"/>
+          </a:schemeClr>
+        </a:solidFill>
+        <a:round/>
+      </a:ln>
+    </cs:spPr>
+  </cs:gridlineMajor>
+  <cs:gridlineMinor>
+    <cs:lnRef idx="0"/>
+    <cs:fillRef idx="0"/>
+    <cs:effectRef idx="0"/>
+    <cs:fontRef idx="minor">
+      <a:schemeClr val="tx1"/>
+    </cs:fontRef>
+    <cs:spPr>
+      <a:ln w="9525" cap="flat" cmpd="sng" algn="ctr">
+        <a:solidFill>
+          <a:schemeClr val="tx1">
+            <a:lumMod val="5000"/>
+            <a:lumOff val="95000"/>
+          </a:schemeClr>
+        </a:solidFill>
+        <a:round/>
+      </a:ln>
+    </cs:spPr>
+  </cs:gridlineMinor>
+  <cs:hiLoLine>
+    <cs:lnRef idx="0"/>
+    <cs:fillRef idx="0"/>
+    <cs:effectRef idx="0"/>
+    <cs:fontRef idx="minor">
+      <a:schemeClr val="tx1"/>
+    </cs:fontRef>
+    <cs:spPr>
+      <a:ln w="9525" cap="flat" cmpd="sng" algn="ctr">
+        <a:solidFill>
+          <a:schemeClr val="tx1">
+            <a:lumMod val="75000"/>
+            <a:lumOff val="25000"/>
+          </a:schemeClr>
+        </a:solidFill>
+        <a:round/>
+      </a:ln>
+    </cs:spPr>
+  </cs:hiLoLine>
+  <cs:leaderLine>
+    <cs:lnRef idx="0"/>
+    <cs:fillRef idx="0"/>
+    <cs:effectRef idx="0"/>
+    <cs:fontRef idx="minor">
+      <a:schemeClr val="tx1"/>
+    </cs:fontRef>
+    <cs:spPr>
+      <a:ln w="9525" cap="flat" cmpd="sng" algn="ctr">
+        <a:solidFill>
+          <a:schemeClr val="tx1">
+            <a:lumMod val="35000"/>
+            <a:lumOff val="65000"/>
+          </a:schemeClr>
+        </a:solidFill>
+        <a:round/>
+      </a:ln>
+    </cs:spPr>
+  </cs:leaderLine>
+  <cs:legend>
+    <cs:lnRef idx="0"/>
+    <cs:fillRef idx="0"/>
+    <cs:effectRef idx="0"/>
+    <cs:fontRef idx="minor">
+      <a:schemeClr val="tx1">
+        <a:lumMod val="65000"/>
+        <a:lumOff val="35000"/>
+      </a:schemeClr>
+    </cs:fontRef>
+    <cs:defRPr sz="900" kern="1200"/>
+  </cs:legend>
+  <cs:plotArea mods="allowNoFillOverride allowNoLineOverride">
+    <cs:lnRef idx="0"/>
+    <cs:fillRef idx="0"/>
+    <cs:effectRef idx="0"/>
+    <cs:fontRef idx="minor">
+      <a:schemeClr val="tx1"/>
+    </cs:fontRef>
+  </cs:plotArea>
+  <cs:plotArea3D mods="allowNoFillOverride allowNoLineOverride">
+    <cs:lnRef idx="0"/>
+    <cs:fillRef idx="0"/>
+    <cs:effectRef idx="0"/>
+    <cs:fontRef idx="minor">
+      <a:schemeClr val="tx1"/>
+    </cs:fontRef>
+  </cs:plotArea3D>
+  <cs:seriesAxis>
+    <cs:lnRef idx="0"/>
+    <cs:fillRef idx="0"/>
+    <cs:effectRef idx="0"/>
+    <cs:fontRef idx="minor">
+      <a:schemeClr val="tx1">
+        <a:lumMod val="65000"/>
+        <a:lumOff val="35000"/>
+      </a:schemeClr>
+    </cs:fontRef>
+    <cs:defRPr sz="900" kern="1200"/>
+  </cs:seriesAxis>
+  <cs:seriesLine>
+    <cs:lnRef idx="0"/>
+    <cs:fillRef idx="0"/>
+    <cs:effectRef idx="0"/>
+    <cs:fontRef idx="minor">
+      <a:schemeClr val="tx1"/>
+    </cs:fontRef>
+    <cs:spPr>
+      <a:ln w="9525" cap="flat" cmpd="sng" algn="ctr">
+        <a:solidFill>
+          <a:schemeClr val="tx1">
+            <a:lumMod val="35000"/>
+            <a:lumOff val="65000"/>
+          </a:schemeClr>
+        </a:solidFill>
+        <a:round/>
+      </a:ln>
+    </cs:spPr>
+  </cs:seriesLine>
+  <cs:title>
+    <cs:lnRef idx="0"/>
+    <cs:fillRef idx="0"/>
+    <cs:effectRef idx="0"/>
+    <cs:fontRef idx="minor">
+      <a:schemeClr val="tx1">
+        <a:lumMod val="65000"/>
+        <a:lumOff val="35000"/>
+      </a:schemeClr>
+    </cs:fontRef>
+    <cs:defRPr sz="1400" b="0" kern="1200" spc="0" baseline="0"/>
+  </cs:title>
+  <cs:trendline>
+    <cs:lnRef idx="0">
+      <cs:styleClr val="auto"/>
+    </cs:lnRef>
+    <cs:fillRef idx="0"/>
+    <cs:effectRef idx="0"/>
+    <cs:fontRef idx="minor">
+      <a:schemeClr val="tx1"/>
+    </cs:fontRef>
+    <cs:spPr>
+      <a:ln w="19050" cap="rnd">
+        <a:solidFill>
+          <a:schemeClr val="phClr"/>
+        </a:solidFill>
+        <a:prstDash val="sysDot"/>
+      </a:ln>
+    </cs:spPr>
+  </cs:trendline>
+  <cs:trendlineLabel>
+    <cs:lnRef idx="0"/>
+    <cs:fillRef idx="0"/>
+    <cs:effectRef idx="0"/>
+    <cs:fontRef idx="minor">
+      <a:schemeClr val="tx1">
+        <a:lumMod val="65000"/>
+        <a:lumOff val="35000"/>
+      </a:schemeClr>
+    </cs:fontRef>
+    <cs:defRPr sz="900" kern="1200"/>
+  </cs:trendlineLabel>
+  <cs:upBar>
+    <cs:lnRef idx="0"/>
+    <cs:fillRef idx="0"/>
+    <cs:effectRef idx="0"/>
+    <cs:fontRef idx="minor">
+      <a:schemeClr val="dk1"/>
+    </cs:fontRef>
+    <cs:spPr>
+      <a:solidFill>
+        <a:schemeClr val="lt1"/>
+      </a:solidFill>
+      <a:ln w="9525">
+        <a:solidFill>
+          <a:schemeClr val="tx1">
+            <a:lumMod val="15000"/>
+            <a:lumOff val="85000"/>
+          </a:schemeClr>
+        </a:solidFill>
+      </a:ln>
+    </cs:spPr>
+  </cs:upBar>
+  <cs:valueAxis>
+    <cs:lnRef idx="0"/>
+    <cs:fillRef idx="0"/>
+    <cs:effectRef idx="0"/>
+    <cs:fontRef idx="minor">
+      <a:schemeClr val="tx1">
+        <a:lumMod val="65000"/>
+        <a:lumOff val="35000"/>
+      </a:schemeClr>
+    </cs:fontRef>
+    <cs:defRPr sz="900" kern="1200"/>
+  </cs:valueAxis>
+  <cs:wall>
+    <cs:lnRef idx="0"/>
+    <cs:fillRef idx="0"/>
+    <cs:effectRef idx="0"/>
+    <cs:fontRef idx="minor">
+      <a:schemeClr val="tx1"/>
+    </cs:fontRef>
+    <cs:spPr>
+      <a:noFill/>
+      <a:ln>
+        <a:noFill/>
+      </a:ln>
+    </cs:spPr>
+  </cs:wall>
+</cs:chartStyle>
+</file>
+
+<file path=ppt/notesMasters/notesMaster1.xml><?xml version="1.0" encoding="utf-8"?>
+<p:notesMaster xmlns:a="http://schemas.openxmlformats.org/drawingml/2006/main" xmlns:r="http://schemas.openxmlformats.org/officeDocument/2006/relationships" xmlns:p="http://schemas.openxmlformats.org/presentationml/2006/main">
+  <p:cSld>
+    <p:bg>
+      <p:bgRef idx="1001">
+        <a:schemeClr val="bg1"/>
+      </p:bgRef>
+    </p:bg>
+    <p:spTree>
+      <p:nvGrpSpPr>
+        <p:cNvPr id="1" name=""/>
+        <p:cNvGrpSpPr/>
+        <p:nvPr/>
+      </p:nvGrpSpPr>
+      <p:grpSpPr>
+        <a:xfrm>
+          <a:off x="0" y="0"/>
+          <a:ext cx="0" cy="0"/>
+          <a:chOff x="0" y="0"/>
+          <a:chExt cx="0" cy="0"/>
+        </a:xfrm>
+      </p:grpSpPr>
+      <p:sp>
+        <p:nvSpPr>
+          <p:cNvPr id="2" name="Верхний колонтитул 1"/>
+          <p:cNvSpPr>
+            <a:spLocks noGrp="1"/>
+          </p:cNvSpPr>
+          <p:nvPr>
+            <p:ph type="hdr" sz="quarter"/>
+          </p:nvPr>
+        </p:nvSpPr>
+        <p:spPr>
+          <a:xfrm>
+            <a:off x="0" y="0"/>
+            <a:ext cx="2971800" cy="458788"/>
+          </a:xfrm>
+          <a:prstGeom prst="rect">
+            <a:avLst/>
+          </a:prstGeom>
+        </p:spPr>
+        <p:txBody>
+          <a:bodyPr vert="horz" lIns="91440" tIns="45720" rIns="91440" bIns="45720" rtlCol="0"/>
+          <a:lstStyle>
+            <a:lvl1pPr algn="l">
+              <a:defRPr sz="1200"/>
+            </a:lvl1pPr>
+          </a:lstStyle>
+          <a:p>
+            <a:endParaRPr lang="ru-RU"/>
+          </a:p>
+        </p:txBody>
+      </p:sp>
+      <p:sp>
+        <p:nvSpPr>
+          <p:cNvPr id="3" name="Дата 2"/>
+          <p:cNvSpPr>
+            <a:spLocks noGrp="1"/>
+          </p:cNvSpPr>
+          <p:nvPr>
+            <p:ph type="dt" idx="1"/>
+          </p:nvPr>
+        </p:nvSpPr>
+        <p:spPr>
+          <a:xfrm>
+            <a:off x="3884613" y="0"/>
+            <a:ext cx="2971800" cy="458788"/>
+          </a:xfrm>
+          <a:prstGeom prst="rect">
+            <a:avLst/>
+          </a:prstGeom>
+        </p:spPr>
+        <p:txBody>
+          <a:bodyPr vert="horz" lIns="91440" tIns="45720" rIns="91440" bIns="45720" rtlCol="0"/>
+          <a:lstStyle>
+            <a:lvl1pPr algn="r">
+              <a:defRPr sz="1200"/>
+            </a:lvl1pPr>
+          </a:lstStyle>
+          <a:p>
+            <a:fld id="{6FCF28E0-C356-2F4D-BF3E-E8E62269D5C1}" type="datetimeFigureOut">
+              <a:rPr lang="ru-RU" smtClean="0"/>
+              <a:t>12.10.2017</a:t>
+            </a:fld>
+            <a:endParaRPr lang="ru-RU"/>
+          </a:p>
+        </p:txBody>
+      </p:sp>
+      <p:sp>
+        <p:nvSpPr>
+          <p:cNvPr id="4" name="Образ слайда 3"/>
+          <p:cNvSpPr>
+            <a:spLocks noGrp="1" noRot="1" noChangeAspect="1"/>
+          </p:cNvSpPr>
+          <p:nvPr>
+            <p:ph type="sldImg" idx="2"/>
+          </p:nvPr>
+        </p:nvSpPr>
+        <p:spPr>
+          <a:xfrm>
+            <a:off x="685800" y="1143000"/>
+            <a:ext cx="5486400" cy="3086100"/>
+          </a:xfrm>
+          <a:prstGeom prst="rect">
+            <a:avLst/>
+          </a:prstGeom>
+          <a:noFill/>
+          <a:ln w="12700">
+            <a:solidFill>
+              <a:prstClr val="black"/>
+            </a:solidFill>
+          </a:ln>
+        </p:spPr>
+        <p:txBody>
+          <a:bodyPr vert="horz" lIns="91440" tIns="45720" rIns="91440" bIns="45720" rtlCol="0" anchor="ctr"/>
+          <a:lstStyle/>
+          <a:p>
+            <a:endParaRPr lang="ru-RU"/>
+          </a:p>
+        </p:txBody>
+      </p:sp>
+      <p:sp>
+        <p:nvSpPr>
+          <p:cNvPr id="5" name="Заметки 4"/>
+          <p:cNvSpPr>
+            <a:spLocks noGrp="1"/>
+          </p:cNvSpPr>
+          <p:nvPr>
+            <p:ph type="body" sz="quarter" idx="3"/>
+          </p:nvPr>
+        </p:nvSpPr>
+        <p:spPr>
+          <a:xfrm>
+            <a:off x="685800" y="4400550"/>
+            <a:ext cx="5486400" cy="3600450"/>
+          </a:xfrm>
+          <a:prstGeom prst="rect">
+            <a:avLst/>
+          </a:prstGeom>
+        </p:spPr>
+        <p:txBody>
+          <a:bodyPr vert="horz" lIns="91440" tIns="45720" rIns="91440" bIns="45720" rtlCol="0"/>
+          <a:lstStyle/>
+          <a:p>
+            <a:pPr lvl="0"/>
+            <a:r>
+              <a:rPr lang="ru-RU" smtClean="0"/>
+              <a:t>Образец текста</a:t>
+            </a:r>
+          </a:p>
+          <a:p>
+            <a:pPr lvl="1"/>
+            <a:r>
+              <a:rPr lang="ru-RU" smtClean="0"/>
+              <a:t>Второй уровень</a:t>
+            </a:r>
+          </a:p>
+          <a:p>
+            <a:pPr lvl="2"/>
+            <a:r>
+              <a:rPr lang="ru-RU" smtClean="0"/>
+              <a:t>Третий уровень</a:t>
+            </a:r>
+          </a:p>
+          <a:p>
+            <a:pPr lvl="3"/>
+            <a:r>
+              <a:rPr lang="ru-RU" smtClean="0"/>
+              <a:t>Четвертый уровень</a:t>
+            </a:r>
+          </a:p>
+          <a:p>
+            <a:pPr lvl="4"/>
+            <a:r>
+              <a:rPr lang="ru-RU" smtClean="0"/>
+              <a:t>Пятый уровень</a:t>
+            </a:r>
+            <a:endParaRPr lang="ru-RU"/>
+          </a:p>
+        </p:txBody>
+      </p:sp>
+      <p:sp>
+        <p:nvSpPr>
+          <p:cNvPr id="6" name="Нижний колонтитул 5"/>
+          <p:cNvSpPr>
+            <a:spLocks noGrp="1"/>
+          </p:cNvSpPr>
+          <p:nvPr>
+            <p:ph type="ftr" sz="quarter" idx="4"/>
+          </p:nvPr>
+        </p:nvSpPr>
+        <p:spPr>
+          <a:xfrm>
+            <a:off x="0" y="8685213"/>
+            <a:ext cx="2971800" cy="458787"/>
+          </a:xfrm>
+          <a:prstGeom prst="rect">
+            <a:avLst/>
+          </a:prstGeom>
+        </p:spPr>
+        <p:txBody>
+          <a:bodyPr vert="horz" lIns="91440" tIns="45720" rIns="91440" bIns="45720" rtlCol="0" anchor="b"/>
+          <a:lstStyle>
+            <a:lvl1pPr algn="l">
+              <a:defRPr sz="1200"/>
+            </a:lvl1pPr>
+          </a:lstStyle>
+          <a:p>
+            <a:endParaRPr lang="ru-RU"/>
+          </a:p>
+        </p:txBody>
+      </p:sp>
+      <p:sp>
+        <p:nvSpPr>
+          <p:cNvPr id="7" name="Номер слайда 6"/>
+          <p:cNvSpPr>
+            <a:spLocks noGrp="1"/>
+          </p:cNvSpPr>
+          <p:nvPr>
+            <p:ph type="sldNum" sz="quarter" idx="5"/>
+          </p:nvPr>
+        </p:nvSpPr>
+        <p:spPr>
+          <a:xfrm>
+            <a:off x="3884613" y="8685213"/>
+            <a:ext cx="2971800" cy="458787"/>
+          </a:xfrm>
+          <a:prstGeom prst="rect">
+            <a:avLst/>
+          </a:prstGeom>
+        </p:spPr>
+        <p:txBody>
+          <a:bodyPr vert="horz" lIns="91440" tIns="45720" rIns="91440" bIns="45720" rtlCol="0" anchor="b"/>
+          <a:lstStyle>
+            <a:lvl1pPr algn="r">
+              <a:defRPr sz="1200"/>
+            </a:lvl1pPr>
+          </a:lstStyle>
+          <a:p>
+            <a:fld id="{4D2935FD-6C8C-C04D-9B79-5A538869D0F1}" type="slidenum">
+              <a:rPr lang="ru-RU" smtClean="0"/>
+              <a:t>‹#›</a:t>
+            </a:fld>
+            <a:endParaRPr lang="ru-RU"/>
+          </a:p>
+        </p:txBody>
+      </p:sp>
+    </p:spTree>
+    <p:extLst>
+      <p:ext uri="{BB962C8B-B14F-4D97-AF65-F5344CB8AC3E}">
+        <p14:creationId xmlns:p14="http://schemas.microsoft.com/office/powerpoint/2010/main" val="96328602"/>
+      </p:ext>
+    </p:extLst>
+  </p:cSld>
+  <p:clrMap bg1="lt1" tx1="dk1" bg2="lt2" tx2="dk2" accent1="accent1" accent2="accent2" accent3="accent3" accent4="accent4" accent5="accent5" accent6="accent6" hlink="hlink" folHlink="folHlink"/>
+  <p:notesStyle>
+    <a:lvl1pPr marL="0" algn="l" defTabSz="914400" rtl="0" eaLnBrk="1" latinLnBrk="0" hangingPunct="1">
+      <a:defRPr sz="1200" kern="1200">
+        <a:solidFill>
+          <a:schemeClr val="tx1"/>
+        </a:solidFill>
+        <a:latin typeface="+mn-lt"/>
+        <a:ea typeface="+mn-ea"/>
+        <a:cs typeface="+mn-cs"/>
+      </a:defRPr>
+    </a:lvl1pPr>
+    <a:lvl2pPr marL="457200" algn="l" defTabSz="914400" rtl="0" eaLnBrk="1" latinLnBrk="0" hangingPunct="1">
+      <a:defRPr sz="1200" kern="1200">
+        <a:solidFill>
+          <a:schemeClr val="tx1"/>
+        </a:solidFill>
+        <a:latin typeface="+mn-lt"/>
+        <a:ea typeface="+mn-ea"/>
+        <a:cs typeface="+mn-cs"/>
+      </a:defRPr>
+    </a:lvl2pPr>
+    <a:lvl3pPr marL="914400" algn="l" defTabSz="914400" rtl="0" eaLnBrk="1" latinLnBrk="0" hangingPunct="1">
+      <a:defRPr sz="1200" kern="1200">
+        <a:solidFill>
+          <a:schemeClr val="tx1"/>
+        </a:solidFill>
+        <a:latin typeface="+mn-lt"/>
+        <a:ea typeface="+mn-ea"/>
+        <a:cs typeface="+mn-cs"/>
+      </a:defRPr>
+    </a:lvl3pPr>
+    <a:lvl4pPr marL="1371600" algn="l" defTabSz="914400" rtl="0" eaLnBrk="1" latinLnBrk="0" hangingPunct="1">
+      <a:defRPr sz="1200" kern="1200">
+        <a:solidFill>
+          <a:schemeClr val="tx1"/>
+        </a:solidFill>
+        <a:latin typeface="+mn-lt"/>
+        <a:ea typeface="+mn-ea"/>
+        <a:cs typeface="+mn-cs"/>
+      </a:defRPr>
+    </a:lvl4pPr>
+    <a:lvl5pPr marL="1828800" algn="l" defTabSz="914400" rtl="0" eaLnBrk="1" latinLnBrk="0" hangingPunct="1">
+      <a:defRPr sz="1200" kern="1200">
+        <a:solidFill>
+          <a:schemeClr val="tx1"/>
+        </a:solidFill>
+        <a:latin typeface="+mn-lt"/>
+        <a:ea typeface="+mn-ea"/>
+        <a:cs typeface="+mn-cs"/>
+      </a:defRPr>
+    </a:lvl5pPr>
+    <a:lvl6pPr marL="2286000" algn="l" defTabSz="914400" rtl="0" eaLnBrk="1" latinLnBrk="0" hangingPunct="1">
+      <a:defRPr sz="1200" kern="1200">
+        <a:solidFill>
+          <a:schemeClr val="tx1"/>
+        </a:solidFill>
+        <a:latin typeface="+mn-lt"/>
+        <a:ea typeface="+mn-ea"/>
+        <a:cs typeface="+mn-cs"/>
+      </a:defRPr>
+    </a:lvl6pPr>
+    <a:lvl7pPr marL="2743200" algn="l" defTabSz="914400" rtl="0" eaLnBrk="1" latinLnBrk="0" hangingPunct="1">
+      <a:defRPr sz="1200" kern="1200">
+        <a:solidFill>
+          <a:schemeClr val="tx1"/>
+        </a:solidFill>
+        <a:latin typeface="+mn-lt"/>
+        <a:ea typeface="+mn-ea"/>
+        <a:cs typeface="+mn-cs"/>
+      </a:defRPr>
+    </a:lvl7pPr>
+    <a:lvl8pPr marL="3200400" algn="l" defTabSz="914400" rtl="0" eaLnBrk="1" latinLnBrk="0" hangingPunct="1">
+      <a:defRPr sz="1200" kern="1200">
+        <a:solidFill>
+          <a:schemeClr val="tx1"/>
+        </a:solidFill>
+        <a:latin typeface="+mn-lt"/>
+        <a:ea typeface="+mn-ea"/>
+        <a:cs typeface="+mn-cs"/>
+      </a:defRPr>
+    </a:lvl8pPr>
+    <a:lvl9pPr marL="3657600" algn="l" defTabSz="914400" rtl="0" eaLnBrk="1" latinLnBrk="0" hangingPunct="1">
+      <a:defRPr sz="1200" kern="1200">
+        <a:solidFill>
+          <a:schemeClr val="tx1"/>
+        </a:solidFill>
+        <a:latin typeface="+mn-lt"/>
+        <a:ea typeface="+mn-ea"/>
+        <a:cs typeface="+mn-cs"/>
+      </a:defRPr>
+    </a:lvl9pPr>
+  </p:notesStyle>
+</p:notesMaster>
+</file>
+
+<file path=ppt/notesSlides/notesSlide1.xml><?xml version="1.0" encoding="utf-8"?>
+<p:notes xmlns:a="http://schemas.openxmlformats.org/drawingml/2006/main" xmlns:r="http://schemas.openxmlformats.org/officeDocument/2006/relationships" xmlns:p="http://schemas.openxmlformats.org/presentationml/2006/main">
+  <p:cSld>
+    <p:spTree>
+      <p:nvGrpSpPr>
+        <p:cNvPr id="1" name=""/>
+        <p:cNvGrpSpPr/>
+        <p:nvPr/>
+      </p:nvGrpSpPr>
+      <p:grpSpPr>
+        <a:xfrm>
+          <a:off x="0" y="0"/>
+          <a:ext cx="0" cy="0"/>
+          <a:chOff x="0" y="0"/>
+          <a:chExt cx="0" cy="0"/>
+        </a:xfrm>
+      </p:grpSpPr>
+      <p:sp>
+        <p:nvSpPr>
+          <p:cNvPr id="2" name="Образ слайда 1"/>
+          <p:cNvSpPr>
+            <a:spLocks noGrp="1" noRot="1" noChangeAspect="1"/>
+          </p:cNvSpPr>
+          <p:nvPr>
+            <p:ph type="sldImg"/>
+          </p:nvPr>
+        </p:nvSpPr>
+        <p:spPr/>
+      </p:sp>
+      <p:sp>
+        <p:nvSpPr>
+          <p:cNvPr id="3" name="Заметки 2"/>
+          <p:cNvSpPr>
+            <a:spLocks noGrp="1"/>
+          </p:cNvSpPr>
+          <p:nvPr>
+            <p:ph type="body" idx="1"/>
+          </p:nvPr>
+        </p:nvSpPr>
+        <p:spPr/>
+        <p:txBody>
+          <a:bodyPr/>
+          <a:lstStyle/>
+          <a:p>
+            <a:r>
+              <a:rPr lang="ru-RU" dirty="0" smtClean="0"/>
+              <a:t>Полет Маргариты</a:t>
+            </a:r>
+            <a:endParaRPr lang="ru-RU" dirty="0"/>
+          </a:p>
+        </p:txBody>
+      </p:sp>
+      <p:sp>
+        <p:nvSpPr>
+          <p:cNvPr id="4" name="Номер слайда 3"/>
+          <p:cNvSpPr>
+            <a:spLocks noGrp="1"/>
+          </p:cNvSpPr>
+          <p:nvPr>
+            <p:ph type="sldNum" sz="quarter" idx="10"/>
+          </p:nvPr>
+        </p:nvSpPr>
+        <p:spPr/>
+        <p:txBody>
+          <a:bodyPr/>
+          <a:lstStyle/>
+          <a:p>
+            <a:fld id="{4D2935FD-6C8C-C04D-9B79-5A538869D0F1}" type="slidenum">
+              <a:rPr lang="ru-RU" smtClean="0"/>
+              <a:t>12</a:t>
+            </a:fld>
+            <a:endParaRPr lang="ru-RU"/>
+          </a:p>
+        </p:txBody>
+      </p:sp>
+    </p:spTree>
+    <p:extLst>
+      <p:ext uri="{BB962C8B-B14F-4D97-AF65-F5344CB8AC3E}">
+        <p14:creationId xmlns:p14="http://schemas.microsoft.com/office/powerpoint/2010/main" val="1939627623"/>
+      </p:ext>
+    </p:extLst>
+  </p:cSld>
+  <p:clrMapOvr>
+    <a:masterClrMapping/>
+  </p:clrMapOvr>
+</p:notes>
+</file>
+
 <file path=ppt/slideLayouts/slideLayout1.xml><?xml version="1.0" encoding="utf-8"?>
 <p:sldLayout xmlns:a="http://schemas.openxmlformats.org/drawingml/2006/main" xmlns:r="http://schemas.openxmlformats.org/officeDocument/2006/relationships" xmlns:p="http://schemas.openxmlformats.org/presentationml/2006/main" type="title" preserve="1">
   <p:cSld name="Титульный слайд">
@@ -149,7 +1914,7 @@
           <p:cNvPr id="2" name="Заголовок 1">
             <a:extLst>
               <a:ext uri="{FF2B5EF4-FFF2-40B4-BE49-F238E27FC236}">
-                <a16:creationId xmlns:a16="http://schemas.microsoft.com/office/drawing/2014/main" id="{39B1E86E-3EFA-4319-B12F-676E64AFA1BC}"/>
+                <a16:creationId xmlns:a16="http://schemas.microsoft.com/office/drawing/2014/main" xmlns="" id="{39B1E86E-3EFA-4319-B12F-676E64AFA1BC}"/>
               </a:ext>
             </a:extLst>
           </p:cNvPr>
@@ -186,7 +1951,7 @@
           <p:cNvPr id="3" name="Подзаголовок 2">
             <a:extLst>
               <a:ext uri="{FF2B5EF4-FFF2-40B4-BE49-F238E27FC236}">
-                <a16:creationId xmlns:a16="http://schemas.microsoft.com/office/drawing/2014/main" id="{EF1285B7-1B28-468C-AF86-310788BD4448}"/>
+                <a16:creationId xmlns:a16="http://schemas.microsoft.com/office/drawing/2014/main" xmlns="" id="{EF1285B7-1B28-468C-AF86-310788BD4448}"/>
               </a:ext>
             </a:extLst>
           </p:cNvPr>
@@ -256,7 +2021,7 @@
           <p:cNvPr id="4" name="Дата 3">
             <a:extLst>
               <a:ext uri="{FF2B5EF4-FFF2-40B4-BE49-F238E27FC236}">
-                <a16:creationId xmlns:a16="http://schemas.microsoft.com/office/drawing/2014/main" id="{7BFD86B0-1919-4C62-8ADE-615444F48D5D}"/>
+                <a16:creationId xmlns:a16="http://schemas.microsoft.com/office/drawing/2014/main" xmlns="" id="{7BFD86B0-1919-4C62-8ADE-615444F48D5D}"/>
               </a:ext>
             </a:extLst>
           </p:cNvPr>
@@ -274,7 +2039,7 @@
           <a:p>
             <a:fld id="{1E1C6AED-57BC-40E4-8262-EEB51855D12B}" type="datetimeFigureOut">
               <a:rPr lang="ru-RU" smtClean="0"/>
-              <a:t>11.10.2017</a:t>
+              <a:t>12.10.2017</a:t>
             </a:fld>
             <a:endParaRPr lang="ru-RU"/>
           </a:p>
@@ -285,7 +2050,7 @@
           <p:cNvPr id="5" name="Нижний колонтитул 4">
             <a:extLst>
               <a:ext uri="{FF2B5EF4-FFF2-40B4-BE49-F238E27FC236}">
-                <a16:creationId xmlns:a16="http://schemas.microsoft.com/office/drawing/2014/main" id="{9A055089-4621-4417-8966-783F8D0E5B2A}"/>
+                <a16:creationId xmlns:a16="http://schemas.microsoft.com/office/drawing/2014/main" xmlns="" id="{9A055089-4621-4417-8966-783F8D0E5B2A}"/>
               </a:ext>
             </a:extLst>
           </p:cNvPr>
@@ -310,7 +2075,7 @@
           <p:cNvPr id="6" name="Номер слайда 5">
             <a:extLst>
               <a:ext uri="{FF2B5EF4-FFF2-40B4-BE49-F238E27FC236}">
-                <a16:creationId xmlns:a16="http://schemas.microsoft.com/office/drawing/2014/main" id="{88B192E3-D192-4A43-A129-E30F714DB248}"/>
+                <a16:creationId xmlns:a16="http://schemas.microsoft.com/office/drawing/2014/main" xmlns="" id="{88B192E3-D192-4A43-A129-E30F714DB248}"/>
               </a:ext>
             </a:extLst>
           </p:cNvPr>
@@ -369,7 +2134,7 @@
           <p:cNvPr id="2" name="Заголовок 1">
             <a:extLst>
               <a:ext uri="{FF2B5EF4-FFF2-40B4-BE49-F238E27FC236}">
-                <a16:creationId xmlns:a16="http://schemas.microsoft.com/office/drawing/2014/main" id="{0DCCD554-E06C-490A-9972-F26BE37C41A7}"/>
+                <a16:creationId xmlns:a16="http://schemas.microsoft.com/office/drawing/2014/main" xmlns="" id="{0DCCD554-E06C-490A-9972-F26BE37C41A7}"/>
               </a:ext>
             </a:extLst>
           </p:cNvPr>
@@ -397,7 +2162,7 @@
           <p:cNvPr id="3" name="Вертикальный текст 2">
             <a:extLst>
               <a:ext uri="{FF2B5EF4-FFF2-40B4-BE49-F238E27FC236}">
-                <a16:creationId xmlns:a16="http://schemas.microsoft.com/office/drawing/2014/main" id="{BFF46614-0064-4926-8070-F75D0CC698F1}"/>
+                <a16:creationId xmlns:a16="http://schemas.microsoft.com/office/drawing/2014/main" xmlns="" id="{BFF46614-0064-4926-8070-F75D0CC698F1}"/>
               </a:ext>
             </a:extLst>
           </p:cNvPr>
@@ -454,7 +2219,7 @@
           <p:cNvPr id="4" name="Дата 3">
             <a:extLst>
               <a:ext uri="{FF2B5EF4-FFF2-40B4-BE49-F238E27FC236}">
-                <a16:creationId xmlns:a16="http://schemas.microsoft.com/office/drawing/2014/main" id="{14D9B84A-7F1F-4D72-AA10-BF277DF1D87E}"/>
+                <a16:creationId xmlns:a16="http://schemas.microsoft.com/office/drawing/2014/main" xmlns="" id="{14D9B84A-7F1F-4D72-AA10-BF277DF1D87E}"/>
               </a:ext>
             </a:extLst>
           </p:cNvPr>
@@ -472,7 +2237,7 @@
           <a:p>
             <a:fld id="{1E1C6AED-57BC-40E4-8262-EEB51855D12B}" type="datetimeFigureOut">
               <a:rPr lang="ru-RU" smtClean="0"/>
-              <a:t>11.10.2017</a:t>
+              <a:t>12.10.2017</a:t>
             </a:fld>
             <a:endParaRPr lang="ru-RU"/>
           </a:p>
@@ -483,7 +2248,7 @@
           <p:cNvPr id="5" name="Нижний колонтитул 4">
             <a:extLst>
               <a:ext uri="{FF2B5EF4-FFF2-40B4-BE49-F238E27FC236}">
-                <a16:creationId xmlns:a16="http://schemas.microsoft.com/office/drawing/2014/main" id="{EB07F89B-13FD-41E6-AC57-8313594EFAD3}"/>
+                <a16:creationId xmlns:a16="http://schemas.microsoft.com/office/drawing/2014/main" xmlns="" id="{EB07F89B-13FD-41E6-AC57-8313594EFAD3}"/>
               </a:ext>
             </a:extLst>
           </p:cNvPr>
@@ -508,7 +2273,7 @@
           <p:cNvPr id="6" name="Номер слайда 5">
             <a:extLst>
               <a:ext uri="{FF2B5EF4-FFF2-40B4-BE49-F238E27FC236}">
-                <a16:creationId xmlns:a16="http://schemas.microsoft.com/office/drawing/2014/main" id="{4F80F7A0-FECA-4122-92B4-5F2BC42DA095}"/>
+                <a16:creationId xmlns:a16="http://schemas.microsoft.com/office/drawing/2014/main" xmlns="" id="{4F80F7A0-FECA-4122-92B4-5F2BC42DA095}"/>
               </a:ext>
             </a:extLst>
           </p:cNvPr>
@@ -567,7 +2332,7 @@
           <p:cNvPr id="2" name="Вертикальный заголовок 1">
             <a:extLst>
               <a:ext uri="{FF2B5EF4-FFF2-40B4-BE49-F238E27FC236}">
-                <a16:creationId xmlns:a16="http://schemas.microsoft.com/office/drawing/2014/main" id="{9028EB5B-F1E7-40DF-B812-4EF9FF154A4F}"/>
+                <a16:creationId xmlns:a16="http://schemas.microsoft.com/office/drawing/2014/main" xmlns="" id="{9028EB5B-F1E7-40DF-B812-4EF9FF154A4F}"/>
               </a:ext>
             </a:extLst>
           </p:cNvPr>
@@ -600,7 +2365,7 @@
           <p:cNvPr id="3" name="Вертикальный текст 2">
             <a:extLst>
               <a:ext uri="{FF2B5EF4-FFF2-40B4-BE49-F238E27FC236}">
-                <a16:creationId xmlns:a16="http://schemas.microsoft.com/office/drawing/2014/main" id="{B573C278-F290-4FE3-9E8B-DA64845FB64C}"/>
+                <a16:creationId xmlns:a16="http://schemas.microsoft.com/office/drawing/2014/main" xmlns="" id="{B573C278-F290-4FE3-9E8B-DA64845FB64C}"/>
               </a:ext>
             </a:extLst>
           </p:cNvPr>
@@ -662,7 +2427,7 @@
           <p:cNvPr id="4" name="Дата 3">
             <a:extLst>
               <a:ext uri="{FF2B5EF4-FFF2-40B4-BE49-F238E27FC236}">
-                <a16:creationId xmlns:a16="http://schemas.microsoft.com/office/drawing/2014/main" id="{A367508C-B13B-4948-8A08-E5265820859D}"/>
+                <a16:creationId xmlns:a16="http://schemas.microsoft.com/office/drawing/2014/main" xmlns="" id="{A367508C-B13B-4948-8A08-E5265820859D}"/>
               </a:ext>
             </a:extLst>
           </p:cNvPr>
@@ -680,7 +2445,7 @@
           <a:p>
             <a:fld id="{1E1C6AED-57BC-40E4-8262-EEB51855D12B}" type="datetimeFigureOut">
               <a:rPr lang="ru-RU" smtClean="0"/>
-              <a:t>11.10.2017</a:t>
+              <a:t>12.10.2017</a:t>
             </a:fld>
             <a:endParaRPr lang="ru-RU"/>
           </a:p>
@@ -691,7 +2456,7 @@
           <p:cNvPr id="5" name="Нижний колонтитул 4">
             <a:extLst>
               <a:ext uri="{FF2B5EF4-FFF2-40B4-BE49-F238E27FC236}">
-                <a16:creationId xmlns:a16="http://schemas.microsoft.com/office/drawing/2014/main" id="{0A7226C2-3487-4C91-8CA4-539A1A06E5F4}"/>
+                <a16:creationId xmlns:a16="http://schemas.microsoft.com/office/drawing/2014/main" xmlns="" id="{0A7226C2-3487-4C91-8CA4-539A1A06E5F4}"/>
               </a:ext>
             </a:extLst>
           </p:cNvPr>
@@ -716,7 +2481,7 @@
           <p:cNvPr id="6" name="Номер слайда 5">
             <a:extLst>
               <a:ext uri="{FF2B5EF4-FFF2-40B4-BE49-F238E27FC236}">
-                <a16:creationId xmlns:a16="http://schemas.microsoft.com/office/drawing/2014/main" id="{0A616899-FE0B-461A-856E-77C00B4FFDB4}"/>
+                <a16:creationId xmlns:a16="http://schemas.microsoft.com/office/drawing/2014/main" xmlns="" id="{0A616899-FE0B-461A-856E-77C00B4FFDB4}"/>
               </a:ext>
             </a:extLst>
           </p:cNvPr>
@@ -775,7 +2540,7 @@
           <p:cNvPr id="2" name="Заголовок 1">
             <a:extLst>
               <a:ext uri="{FF2B5EF4-FFF2-40B4-BE49-F238E27FC236}">
-                <a16:creationId xmlns:a16="http://schemas.microsoft.com/office/drawing/2014/main" id="{973D9CCC-D296-4608-B8B8-8A8C8E72DEDE}"/>
+                <a16:creationId xmlns:a16="http://schemas.microsoft.com/office/drawing/2014/main" xmlns="" id="{973D9CCC-D296-4608-B8B8-8A8C8E72DEDE}"/>
               </a:ext>
             </a:extLst>
           </p:cNvPr>
@@ -803,7 +2568,7 @@
           <p:cNvPr id="3" name="Объект 2">
             <a:extLst>
               <a:ext uri="{FF2B5EF4-FFF2-40B4-BE49-F238E27FC236}">
-                <a16:creationId xmlns:a16="http://schemas.microsoft.com/office/drawing/2014/main" id="{5055A155-2D2C-4115-B69F-FA7DE1FAF6D6}"/>
+                <a16:creationId xmlns:a16="http://schemas.microsoft.com/office/drawing/2014/main" xmlns="" id="{5055A155-2D2C-4115-B69F-FA7DE1FAF6D6}"/>
               </a:ext>
             </a:extLst>
           </p:cNvPr>
@@ -860,7 +2625,7 @@
           <p:cNvPr id="4" name="Дата 3">
             <a:extLst>
               <a:ext uri="{FF2B5EF4-FFF2-40B4-BE49-F238E27FC236}">
-                <a16:creationId xmlns:a16="http://schemas.microsoft.com/office/drawing/2014/main" id="{BB051582-EEBD-42E8-8975-F5B36B13DAC0}"/>
+                <a16:creationId xmlns:a16="http://schemas.microsoft.com/office/drawing/2014/main" xmlns="" id="{BB051582-EEBD-42E8-8975-F5B36B13DAC0}"/>
               </a:ext>
             </a:extLst>
           </p:cNvPr>
@@ -878,7 +2643,7 @@
           <a:p>
             <a:fld id="{1E1C6AED-57BC-40E4-8262-EEB51855D12B}" type="datetimeFigureOut">
               <a:rPr lang="ru-RU" smtClean="0"/>
-              <a:t>11.10.2017</a:t>
+              <a:t>12.10.2017</a:t>
             </a:fld>
             <a:endParaRPr lang="ru-RU"/>
           </a:p>
@@ -889,7 +2654,7 @@
           <p:cNvPr id="5" name="Нижний колонтитул 4">
             <a:extLst>
               <a:ext uri="{FF2B5EF4-FFF2-40B4-BE49-F238E27FC236}">
-                <a16:creationId xmlns:a16="http://schemas.microsoft.com/office/drawing/2014/main" id="{3402C84A-602D-489B-BAB3-9DBB1F7C11E3}"/>
+                <a16:creationId xmlns:a16="http://schemas.microsoft.com/office/drawing/2014/main" xmlns="" id="{3402C84A-602D-489B-BAB3-9DBB1F7C11E3}"/>
               </a:ext>
             </a:extLst>
           </p:cNvPr>
@@ -914,7 +2679,7 @@
           <p:cNvPr id="6" name="Номер слайда 5">
             <a:extLst>
               <a:ext uri="{FF2B5EF4-FFF2-40B4-BE49-F238E27FC236}">
-                <a16:creationId xmlns:a16="http://schemas.microsoft.com/office/drawing/2014/main" id="{D826ED1F-4ED1-4D2A-9060-4F05DC062F43}"/>
+                <a16:creationId xmlns:a16="http://schemas.microsoft.com/office/drawing/2014/main" xmlns="" id="{D826ED1F-4ED1-4D2A-9060-4F05DC062F43}"/>
               </a:ext>
             </a:extLst>
           </p:cNvPr>
@@ -973,7 +2738,7 @@
           <p:cNvPr id="2" name="Заголовок 1">
             <a:extLst>
               <a:ext uri="{FF2B5EF4-FFF2-40B4-BE49-F238E27FC236}">
-                <a16:creationId xmlns:a16="http://schemas.microsoft.com/office/drawing/2014/main" id="{2A852532-EC37-47BE-9FEE-CD7A5967874D}"/>
+                <a16:creationId xmlns:a16="http://schemas.microsoft.com/office/drawing/2014/main" xmlns="" id="{2A852532-EC37-47BE-9FEE-CD7A5967874D}"/>
               </a:ext>
             </a:extLst>
           </p:cNvPr>
@@ -1010,7 +2775,7 @@
           <p:cNvPr id="3" name="Текст 2">
             <a:extLst>
               <a:ext uri="{FF2B5EF4-FFF2-40B4-BE49-F238E27FC236}">
-                <a16:creationId xmlns:a16="http://schemas.microsoft.com/office/drawing/2014/main" id="{05592528-F21C-410D-86B5-D96451C2C98F}"/>
+                <a16:creationId xmlns:a16="http://schemas.microsoft.com/office/drawing/2014/main" xmlns="" id="{05592528-F21C-410D-86B5-D96451C2C98F}"/>
               </a:ext>
             </a:extLst>
           </p:cNvPr>
@@ -1135,7 +2900,7 @@
           <p:cNvPr id="4" name="Дата 3">
             <a:extLst>
               <a:ext uri="{FF2B5EF4-FFF2-40B4-BE49-F238E27FC236}">
-                <a16:creationId xmlns:a16="http://schemas.microsoft.com/office/drawing/2014/main" id="{52C3B689-6404-495E-AA3F-7329E2B9835F}"/>
+                <a16:creationId xmlns:a16="http://schemas.microsoft.com/office/drawing/2014/main" xmlns="" id="{52C3B689-6404-495E-AA3F-7329E2B9835F}"/>
               </a:ext>
             </a:extLst>
           </p:cNvPr>
@@ -1153,7 +2918,7 @@
           <a:p>
             <a:fld id="{1E1C6AED-57BC-40E4-8262-EEB51855D12B}" type="datetimeFigureOut">
               <a:rPr lang="ru-RU" smtClean="0"/>
-              <a:t>11.10.2017</a:t>
+              <a:t>12.10.2017</a:t>
             </a:fld>
             <a:endParaRPr lang="ru-RU"/>
           </a:p>
@@ -1164,7 +2929,7 @@
           <p:cNvPr id="5" name="Нижний колонтитул 4">
             <a:extLst>
               <a:ext uri="{FF2B5EF4-FFF2-40B4-BE49-F238E27FC236}">
-                <a16:creationId xmlns:a16="http://schemas.microsoft.com/office/drawing/2014/main" id="{1653DF90-3E51-45F7-AAEC-E08E66C73E13}"/>
+                <a16:creationId xmlns:a16="http://schemas.microsoft.com/office/drawing/2014/main" xmlns="" id="{1653DF90-3E51-45F7-AAEC-E08E66C73E13}"/>
               </a:ext>
             </a:extLst>
           </p:cNvPr>
@@ -1189,7 +2954,7 @@
           <p:cNvPr id="6" name="Номер слайда 5">
             <a:extLst>
               <a:ext uri="{FF2B5EF4-FFF2-40B4-BE49-F238E27FC236}">
-                <a16:creationId xmlns:a16="http://schemas.microsoft.com/office/drawing/2014/main" id="{2AFD0262-BBF3-4381-9E99-DBDA637A229A}"/>
+                <a16:creationId xmlns:a16="http://schemas.microsoft.com/office/drawing/2014/main" xmlns="" id="{2AFD0262-BBF3-4381-9E99-DBDA637A229A}"/>
               </a:ext>
             </a:extLst>
           </p:cNvPr>
@@ -1248,7 +3013,7 @@
           <p:cNvPr id="2" name="Заголовок 1">
             <a:extLst>
               <a:ext uri="{FF2B5EF4-FFF2-40B4-BE49-F238E27FC236}">
-                <a16:creationId xmlns:a16="http://schemas.microsoft.com/office/drawing/2014/main" id="{B1EC5F0C-25A3-4DD4-8AE9-DB8A620EF079}"/>
+                <a16:creationId xmlns:a16="http://schemas.microsoft.com/office/drawing/2014/main" xmlns="" id="{B1EC5F0C-25A3-4DD4-8AE9-DB8A620EF079}"/>
               </a:ext>
             </a:extLst>
           </p:cNvPr>
@@ -1276,7 +3041,7 @@
           <p:cNvPr id="3" name="Объект 2">
             <a:extLst>
               <a:ext uri="{FF2B5EF4-FFF2-40B4-BE49-F238E27FC236}">
-                <a16:creationId xmlns:a16="http://schemas.microsoft.com/office/drawing/2014/main" id="{E90A60C7-2CF6-492A-A6B6-9926BB95D3ED}"/>
+                <a16:creationId xmlns:a16="http://schemas.microsoft.com/office/drawing/2014/main" xmlns="" id="{E90A60C7-2CF6-492A-A6B6-9926BB95D3ED}"/>
               </a:ext>
             </a:extLst>
           </p:cNvPr>
@@ -1338,7 +3103,7 @@
           <p:cNvPr id="4" name="Объект 3">
             <a:extLst>
               <a:ext uri="{FF2B5EF4-FFF2-40B4-BE49-F238E27FC236}">
-                <a16:creationId xmlns:a16="http://schemas.microsoft.com/office/drawing/2014/main" id="{E7D49D22-E81C-4AA6-8DFF-2318D3978F77}"/>
+                <a16:creationId xmlns:a16="http://schemas.microsoft.com/office/drawing/2014/main" xmlns="" id="{E7D49D22-E81C-4AA6-8DFF-2318D3978F77}"/>
               </a:ext>
             </a:extLst>
           </p:cNvPr>
@@ -1400,7 +3165,7 @@
           <p:cNvPr id="5" name="Дата 4">
             <a:extLst>
               <a:ext uri="{FF2B5EF4-FFF2-40B4-BE49-F238E27FC236}">
-                <a16:creationId xmlns:a16="http://schemas.microsoft.com/office/drawing/2014/main" id="{9ECF81E0-6E4F-430B-BCC7-32637ABF1078}"/>
+                <a16:creationId xmlns:a16="http://schemas.microsoft.com/office/drawing/2014/main" xmlns="" id="{9ECF81E0-6E4F-430B-BCC7-32637ABF1078}"/>
               </a:ext>
             </a:extLst>
           </p:cNvPr>
@@ -1418,7 +3183,7 @@
           <a:p>
             <a:fld id="{1E1C6AED-57BC-40E4-8262-EEB51855D12B}" type="datetimeFigureOut">
               <a:rPr lang="ru-RU" smtClean="0"/>
-              <a:t>11.10.2017</a:t>
+              <a:t>12.10.2017</a:t>
             </a:fld>
             <a:endParaRPr lang="ru-RU"/>
           </a:p>
@@ -1429,7 +3194,7 @@
           <p:cNvPr id="6" name="Нижний колонтитул 5">
             <a:extLst>
               <a:ext uri="{FF2B5EF4-FFF2-40B4-BE49-F238E27FC236}">
-                <a16:creationId xmlns:a16="http://schemas.microsoft.com/office/drawing/2014/main" id="{F880E6D3-1011-4FFF-9E47-8DC74D91AB99}"/>
+                <a16:creationId xmlns:a16="http://schemas.microsoft.com/office/drawing/2014/main" xmlns="" id="{F880E6D3-1011-4FFF-9E47-8DC74D91AB99}"/>
               </a:ext>
             </a:extLst>
           </p:cNvPr>
@@ -1454,7 +3219,7 @@
           <p:cNvPr id="7" name="Номер слайда 6">
             <a:extLst>
               <a:ext uri="{FF2B5EF4-FFF2-40B4-BE49-F238E27FC236}">
-                <a16:creationId xmlns:a16="http://schemas.microsoft.com/office/drawing/2014/main" id="{195337BE-8BB7-4B72-BB5B-589526DCC6A2}"/>
+                <a16:creationId xmlns:a16="http://schemas.microsoft.com/office/drawing/2014/main" xmlns="" id="{195337BE-8BB7-4B72-BB5B-589526DCC6A2}"/>
               </a:ext>
             </a:extLst>
           </p:cNvPr>
@@ -1513,7 +3278,7 @@
           <p:cNvPr id="2" name="Заголовок 1">
             <a:extLst>
               <a:ext uri="{FF2B5EF4-FFF2-40B4-BE49-F238E27FC236}">
-                <a16:creationId xmlns:a16="http://schemas.microsoft.com/office/drawing/2014/main" id="{5B706855-4721-4771-82CB-4771375D63D1}"/>
+                <a16:creationId xmlns:a16="http://schemas.microsoft.com/office/drawing/2014/main" xmlns="" id="{5B706855-4721-4771-82CB-4771375D63D1}"/>
               </a:ext>
             </a:extLst>
           </p:cNvPr>
@@ -1546,7 +3311,7 @@
           <p:cNvPr id="3" name="Текст 2">
             <a:extLst>
               <a:ext uri="{FF2B5EF4-FFF2-40B4-BE49-F238E27FC236}">
-                <a16:creationId xmlns:a16="http://schemas.microsoft.com/office/drawing/2014/main" id="{D47D1AB1-0D5F-464A-9291-060AAFA889BC}"/>
+                <a16:creationId xmlns:a16="http://schemas.microsoft.com/office/drawing/2014/main" xmlns="" id="{D47D1AB1-0D5F-464A-9291-060AAFA889BC}"/>
               </a:ext>
             </a:extLst>
           </p:cNvPr>
@@ -1617,7 +3382,7 @@
           <p:cNvPr id="4" name="Объект 3">
             <a:extLst>
               <a:ext uri="{FF2B5EF4-FFF2-40B4-BE49-F238E27FC236}">
-                <a16:creationId xmlns:a16="http://schemas.microsoft.com/office/drawing/2014/main" id="{5E27FA2F-D9B9-4928-B10C-81A693AFCA78}"/>
+                <a16:creationId xmlns:a16="http://schemas.microsoft.com/office/drawing/2014/main" xmlns="" id="{5E27FA2F-D9B9-4928-B10C-81A693AFCA78}"/>
               </a:ext>
             </a:extLst>
           </p:cNvPr>
@@ -1679,7 +3444,7 @@
           <p:cNvPr id="5" name="Текст 4">
             <a:extLst>
               <a:ext uri="{FF2B5EF4-FFF2-40B4-BE49-F238E27FC236}">
-                <a16:creationId xmlns:a16="http://schemas.microsoft.com/office/drawing/2014/main" id="{6A0916C0-69A9-410A-9C75-E2C84F590E50}"/>
+                <a16:creationId xmlns:a16="http://schemas.microsoft.com/office/drawing/2014/main" xmlns="" id="{6A0916C0-69A9-410A-9C75-E2C84F590E50}"/>
               </a:ext>
             </a:extLst>
           </p:cNvPr>
@@ -1750,7 +3515,7 @@
           <p:cNvPr id="6" name="Объект 5">
             <a:extLst>
               <a:ext uri="{FF2B5EF4-FFF2-40B4-BE49-F238E27FC236}">
-                <a16:creationId xmlns:a16="http://schemas.microsoft.com/office/drawing/2014/main" id="{0D3E262A-AF9C-4394-B604-A81A5E9AB3D7}"/>
+                <a16:creationId xmlns:a16="http://schemas.microsoft.com/office/drawing/2014/main" xmlns="" id="{0D3E262A-AF9C-4394-B604-A81A5E9AB3D7}"/>
               </a:ext>
             </a:extLst>
           </p:cNvPr>
@@ -1812,7 +3577,7 @@
           <p:cNvPr id="7" name="Дата 6">
             <a:extLst>
               <a:ext uri="{FF2B5EF4-FFF2-40B4-BE49-F238E27FC236}">
-                <a16:creationId xmlns:a16="http://schemas.microsoft.com/office/drawing/2014/main" id="{8A83B39A-A7B0-403A-92D3-5A79FC242B82}"/>
+                <a16:creationId xmlns:a16="http://schemas.microsoft.com/office/drawing/2014/main" xmlns="" id="{8A83B39A-A7B0-403A-92D3-5A79FC242B82}"/>
               </a:ext>
             </a:extLst>
           </p:cNvPr>
@@ -1830,7 +3595,7 @@
           <a:p>
             <a:fld id="{1E1C6AED-57BC-40E4-8262-EEB51855D12B}" type="datetimeFigureOut">
               <a:rPr lang="ru-RU" smtClean="0"/>
-              <a:t>11.10.2017</a:t>
+              <a:t>12.10.2017</a:t>
             </a:fld>
             <a:endParaRPr lang="ru-RU"/>
           </a:p>
@@ -1841,7 +3606,7 @@
           <p:cNvPr id="8" name="Нижний колонтитул 7">
             <a:extLst>
               <a:ext uri="{FF2B5EF4-FFF2-40B4-BE49-F238E27FC236}">
-                <a16:creationId xmlns:a16="http://schemas.microsoft.com/office/drawing/2014/main" id="{DAD80004-5F39-4B5F-B59D-B0EEF5350767}"/>
+                <a16:creationId xmlns:a16="http://schemas.microsoft.com/office/drawing/2014/main" xmlns="" id="{DAD80004-5F39-4B5F-B59D-B0EEF5350767}"/>
               </a:ext>
             </a:extLst>
           </p:cNvPr>
@@ -1866,7 +3631,7 @@
           <p:cNvPr id="9" name="Номер слайда 8">
             <a:extLst>
               <a:ext uri="{FF2B5EF4-FFF2-40B4-BE49-F238E27FC236}">
-                <a16:creationId xmlns:a16="http://schemas.microsoft.com/office/drawing/2014/main" id="{E7885D92-53E2-4D39-AA80-F09E1DBFC674}"/>
+                <a16:creationId xmlns:a16="http://schemas.microsoft.com/office/drawing/2014/main" xmlns="" id="{E7885D92-53E2-4D39-AA80-F09E1DBFC674}"/>
               </a:ext>
             </a:extLst>
           </p:cNvPr>
@@ -1925,7 +3690,7 @@
           <p:cNvPr id="2" name="Заголовок 1">
             <a:extLst>
               <a:ext uri="{FF2B5EF4-FFF2-40B4-BE49-F238E27FC236}">
-                <a16:creationId xmlns:a16="http://schemas.microsoft.com/office/drawing/2014/main" id="{7074581F-EF87-489A-B58D-1B988CC3C1E7}"/>
+                <a16:creationId xmlns:a16="http://schemas.microsoft.com/office/drawing/2014/main" xmlns="" id="{7074581F-EF87-489A-B58D-1B988CC3C1E7}"/>
               </a:ext>
             </a:extLst>
           </p:cNvPr>
@@ -1953,7 +3718,7 @@
           <p:cNvPr id="3" name="Дата 2">
             <a:extLst>
               <a:ext uri="{FF2B5EF4-FFF2-40B4-BE49-F238E27FC236}">
-                <a16:creationId xmlns:a16="http://schemas.microsoft.com/office/drawing/2014/main" id="{7B3DE8FB-DFDB-4490-94D7-D9C25638BB3E}"/>
+                <a16:creationId xmlns:a16="http://schemas.microsoft.com/office/drawing/2014/main" xmlns="" id="{7B3DE8FB-DFDB-4490-94D7-D9C25638BB3E}"/>
               </a:ext>
             </a:extLst>
           </p:cNvPr>
@@ -1971,7 +3736,7 @@
           <a:p>
             <a:fld id="{1E1C6AED-57BC-40E4-8262-EEB51855D12B}" type="datetimeFigureOut">
               <a:rPr lang="ru-RU" smtClean="0"/>
-              <a:t>11.10.2017</a:t>
+              <a:t>12.10.2017</a:t>
             </a:fld>
             <a:endParaRPr lang="ru-RU"/>
           </a:p>
@@ -1982,7 +3747,7 @@
           <p:cNvPr id="4" name="Нижний колонтитул 3">
             <a:extLst>
               <a:ext uri="{FF2B5EF4-FFF2-40B4-BE49-F238E27FC236}">
-                <a16:creationId xmlns:a16="http://schemas.microsoft.com/office/drawing/2014/main" id="{A34EB3A9-F085-472D-BFD1-5C5B6292C1E1}"/>
+                <a16:creationId xmlns:a16="http://schemas.microsoft.com/office/drawing/2014/main" xmlns="" id="{A34EB3A9-F085-472D-BFD1-5C5B6292C1E1}"/>
               </a:ext>
             </a:extLst>
           </p:cNvPr>
@@ -2007,7 +3772,7 @@
           <p:cNvPr id="5" name="Номер слайда 4">
             <a:extLst>
               <a:ext uri="{FF2B5EF4-FFF2-40B4-BE49-F238E27FC236}">
-                <a16:creationId xmlns:a16="http://schemas.microsoft.com/office/drawing/2014/main" id="{8F3E70F5-2CAD-4E0D-A017-3F49D17938A6}"/>
+                <a16:creationId xmlns:a16="http://schemas.microsoft.com/office/drawing/2014/main" xmlns="" id="{8F3E70F5-2CAD-4E0D-A017-3F49D17938A6}"/>
               </a:ext>
             </a:extLst>
           </p:cNvPr>
@@ -2066,7 +3831,7 @@
           <p:cNvPr id="2" name="Дата 1">
             <a:extLst>
               <a:ext uri="{FF2B5EF4-FFF2-40B4-BE49-F238E27FC236}">
-                <a16:creationId xmlns:a16="http://schemas.microsoft.com/office/drawing/2014/main" id="{F5FF0D3A-99BF-4B6F-AF9F-23827DF357AC}"/>
+                <a16:creationId xmlns:a16="http://schemas.microsoft.com/office/drawing/2014/main" xmlns="" id="{F5FF0D3A-99BF-4B6F-AF9F-23827DF357AC}"/>
               </a:ext>
             </a:extLst>
           </p:cNvPr>
@@ -2084,7 +3849,7 @@
           <a:p>
             <a:fld id="{1E1C6AED-57BC-40E4-8262-EEB51855D12B}" type="datetimeFigureOut">
               <a:rPr lang="ru-RU" smtClean="0"/>
-              <a:t>11.10.2017</a:t>
+              <a:t>12.10.2017</a:t>
             </a:fld>
             <a:endParaRPr lang="ru-RU"/>
           </a:p>
@@ -2095,7 +3860,7 @@
           <p:cNvPr id="3" name="Нижний колонтитул 2">
             <a:extLst>
               <a:ext uri="{FF2B5EF4-FFF2-40B4-BE49-F238E27FC236}">
-                <a16:creationId xmlns:a16="http://schemas.microsoft.com/office/drawing/2014/main" id="{4FDD1EC1-64DB-4910-A147-042C2B305BBB}"/>
+                <a16:creationId xmlns:a16="http://schemas.microsoft.com/office/drawing/2014/main" xmlns="" id="{4FDD1EC1-64DB-4910-A147-042C2B305BBB}"/>
               </a:ext>
             </a:extLst>
           </p:cNvPr>
@@ -2120,7 +3885,7 @@
           <p:cNvPr id="4" name="Номер слайда 3">
             <a:extLst>
               <a:ext uri="{FF2B5EF4-FFF2-40B4-BE49-F238E27FC236}">
-                <a16:creationId xmlns:a16="http://schemas.microsoft.com/office/drawing/2014/main" id="{2E47387D-3BAF-431D-951A-7C294AA3053B}"/>
+                <a16:creationId xmlns:a16="http://schemas.microsoft.com/office/drawing/2014/main" xmlns="" id="{2E47387D-3BAF-431D-951A-7C294AA3053B}"/>
               </a:ext>
             </a:extLst>
           </p:cNvPr>
@@ -2179,7 +3944,7 @@
           <p:cNvPr id="2" name="Заголовок 1">
             <a:extLst>
               <a:ext uri="{FF2B5EF4-FFF2-40B4-BE49-F238E27FC236}">
-                <a16:creationId xmlns:a16="http://schemas.microsoft.com/office/drawing/2014/main" id="{9083593B-4106-4F1B-AE32-475176E2C661}"/>
+                <a16:creationId xmlns:a16="http://schemas.microsoft.com/office/drawing/2014/main" xmlns="" id="{9083593B-4106-4F1B-AE32-475176E2C661}"/>
               </a:ext>
             </a:extLst>
           </p:cNvPr>
@@ -2216,7 +3981,7 @@
           <p:cNvPr id="3" name="Объект 2">
             <a:extLst>
               <a:ext uri="{FF2B5EF4-FFF2-40B4-BE49-F238E27FC236}">
-                <a16:creationId xmlns:a16="http://schemas.microsoft.com/office/drawing/2014/main" id="{E4DC0413-EFFF-4626-88E3-3EFE9304FA4D}"/>
+                <a16:creationId xmlns:a16="http://schemas.microsoft.com/office/drawing/2014/main" xmlns="" id="{E4DC0413-EFFF-4626-88E3-3EFE9304FA4D}"/>
               </a:ext>
             </a:extLst>
           </p:cNvPr>
@@ -2306,7 +4071,7 @@
           <p:cNvPr id="4" name="Текст 3">
             <a:extLst>
               <a:ext uri="{FF2B5EF4-FFF2-40B4-BE49-F238E27FC236}">
-                <a16:creationId xmlns:a16="http://schemas.microsoft.com/office/drawing/2014/main" id="{A02187E3-F84A-46B5-8050-210442747E0F}"/>
+                <a16:creationId xmlns:a16="http://schemas.microsoft.com/office/drawing/2014/main" xmlns="" id="{A02187E3-F84A-46B5-8050-210442747E0F}"/>
               </a:ext>
             </a:extLst>
           </p:cNvPr>
@@ -2377,7 +4142,7 @@
           <p:cNvPr id="5" name="Дата 4">
             <a:extLst>
               <a:ext uri="{FF2B5EF4-FFF2-40B4-BE49-F238E27FC236}">
-                <a16:creationId xmlns:a16="http://schemas.microsoft.com/office/drawing/2014/main" id="{730B3A67-E230-4AF8-BFD9-DA2D53BC95E1}"/>
+                <a16:creationId xmlns:a16="http://schemas.microsoft.com/office/drawing/2014/main" xmlns="" id="{730B3A67-E230-4AF8-BFD9-DA2D53BC95E1}"/>
               </a:ext>
             </a:extLst>
           </p:cNvPr>
@@ -2395,7 +4160,7 @@
           <a:p>
             <a:fld id="{1E1C6AED-57BC-40E4-8262-EEB51855D12B}" type="datetimeFigureOut">
               <a:rPr lang="ru-RU" smtClean="0"/>
-              <a:t>11.10.2017</a:t>
+              <a:t>12.10.2017</a:t>
             </a:fld>
             <a:endParaRPr lang="ru-RU"/>
           </a:p>
@@ -2406,7 +4171,7 @@
           <p:cNvPr id="6" name="Нижний колонтитул 5">
             <a:extLst>
               <a:ext uri="{FF2B5EF4-FFF2-40B4-BE49-F238E27FC236}">
-                <a16:creationId xmlns:a16="http://schemas.microsoft.com/office/drawing/2014/main" id="{83D73375-EA66-448E-B044-225944D95EFB}"/>
+                <a16:creationId xmlns:a16="http://schemas.microsoft.com/office/drawing/2014/main" xmlns="" id="{83D73375-EA66-448E-B044-225944D95EFB}"/>
               </a:ext>
             </a:extLst>
           </p:cNvPr>
@@ -2431,7 +4196,7 @@
           <p:cNvPr id="7" name="Номер слайда 6">
             <a:extLst>
               <a:ext uri="{FF2B5EF4-FFF2-40B4-BE49-F238E27FC236}">
-                <a16:creationId xmlns:a16="http://schemas.microsoft.com/office/drawing/2014/main" id="{B103997E-95DA-4893-ACAC-113DBFE6E598}"/>
+                <a16:creationId xmlns:a16="http://schemas.microsoft.com/office/drawing/2014/main" xmlns="" id="{B103997E-95DA-4893-ACAC-113DBFE6E598}"/>
               </a:ext>
             </a:extLst>
           </p:cNvPr>
@@ -2490,7 +4255,7 @@
           <p:cNvPr id="2" name="Заголовок 1">
             <a:extLst>
               <a:ext uri="{FF2B5EF4-FFF2-40B4-BE49-F238E27FC236}">
-                <a16:creationId xmlns:a16="http://schemas.microsoft.com/office/drawing/2014/main" id="{288E070C-CD9D-4A01-9EAB-7C47A72EE604}"/>
+                <a16:creationId xmlns:a16="http://schemas.microsoft.com/office/drawing/2014/main" xmlns="" id="{288E070C-CD9D-4A01-9EAB-7C47A72EE604}"/>
               </a:ext>
             </a:extLst>
           </p:cNvPr>
@@ -2527,7 +4292,7 @@
           <p:cNvPr id="3" name="Рисунок 2">
             <a:extLst>
               <a:ext uri="{FF2B5EF4-FFF2-40B4-BE49-F238E27FC236}">
-                <a16:creationId xmlns:a16="http://schemas.microsoft.com/office/drawing/2014/main" id="{D7C2E05B-A5DA-466D-BAE6-56F09C0BA937}"/>
+                <a16:creationId xmlns:a16="http://schemas.microsoft.com/office/drawing/2014/main" xmlns="" id="{D7C2E05B-A5DA-466D-BAE6-56F09C0BA937}"/>
               </a:ext>
             </a:extLst>
           </p:cNvPr>
@@ -2594,7 +4359,7 @@
           <p:cNvPr id="4" name="Текст 3">
             <a:extLst>
               <a:ext uri="{FF2B5EF4-FFF2-40B4-BE49-F238E27FC236}">
-                <a16:creationId xmlns:a16="http://schemas.microsoft.com/office/drawing/2014/main" id="{C8ADC2AA-C5DE-4F15-9C18-C9F69563AC72}"/>
+                <a16:creationId xmlns:a16="http://schemas.microsoft.com/office/drawing/2014/main" xmlns="" id="{C8ADC2AA-C5DE-4F15-9C18-C9F69563AC72}"/>
               </a:ext>
             </a:extLst>
           </p:cNvPr>
@@ -2665,7 +4430,7 @@
           <p:cNvPr id="5" name="Дата 4">
             <a:extLst>
               <a:ext uri="{FF2B5EF4-FFF2-40B4-BE49-F238E27FC236}">
-                <a16:creationId xmlns:a16="http://schemas.microsoft.com/office/drawing/2014/main" id="{CFE2E688-97CE-4CBC-90B3-5E3DA7F2948A}"/>
+                <a16:creationId xmlns:a16="http://schemas.microsoft.com/office/drawing/2014/main" xmlns="" id="{CFE2E688-97CE-4CBC-90B3-5E3DA7F2948A}"/>
               </a:ext>
             </a:extLst>
           </p:cNvPr>
@@ -2683,7 +4448,7 @@
           <a:p>
             <a:fld id="{1E1C6AED-57BC-40E4-8262-EEB51855D12B}" type="datetimeFigureOut">
               <a:rPr lang="ru-RU" smtClean="0"/>
-              <a:t>11.10.2017</a:t>
+              <a:t>12.10.2017</a:t>
             </a:fld>
             <a:endParaRPr lang="ru-RU"/>
           </a:p>
@@ -2694,7 +4459,7 @@
           <p:cNvPr id="6" name="Нижний колонтитул 5">
             <a:extLst>
               <a:ext uri="{FF2B5EF4-FFF2-40B4-BE49-F238E27FC236}">
-                <a16:creationId xmlns:a16="http://schemas.microsoft.com/office/drawing/2014/main" id="{ACF5F5C3-79C7-4337-9283-F10EF1924F1B}"/>
+                <a16:creationId xmlns:a16="http://schemas.microsoft.com/office/drawing/2014/main" xmlns="" id="{ACF5F5C3-79C7-4337-9283-F10EF1924F1B}"/>
               </a:ext>
             </a:extLst>
           </p:cNvPr>
@@ -2719,7 +4484,7 @@
           <p:cNvPr id="7" name="Номер слайда 6">
             <a:extLst>
               <a:ext uri="{FF2B5EF4-FFF2-40B4-BE49-F238E27FC236}">
-                <a16:creationId xmlns:a16="http://schemas.microsoft.com/office/drawing/2014/main" id="{9C94D0B7-B3F6-414E-BBEA-A6AD6F03027D}"/>
+                <a16:creationId xmlns:a16="http://schemas.microsoft.com/office/drawing/2014/main" xmlns="" id="{9C94D0B7-B3F6-414E-BBEA-A6AD6F03027D}"/>
               </a:ext>
             </a:extLst>
           </p:cNvPr>
@@ -2786,7 +4551,7 @@
           <p:cNvPr id="2" name="Заголовок 1">
             <a:extLst>
               <a:ext uri="{FF2B5EF4-FFF2-40B4-BE49-F238E27FC236}">
-                <a16:creationId xmlns:a16="http://schemas.microsoft.com/office/drawing/2014/main" id="{53D9738B-783C-401C-B2AE-43C8310602D8}"/>
+                <a16:creationId xmlns:a16="http://schemas.microsoft.com/office/drawing/2014/main" xmlns="" id="{53D9738B-783C-401C-B2AE-43C8310602D8}"/>
               </a:ext>
             </a:extLst>
           </p:cNvPr>
@@ -2824,7 +4589,7 @@
           <p:cNvPr id="3" name="Текст 2">
             <a:extLst>
               <a:ext uri="{FF2B5EF4-FFF2-40B4-BE49-F238E27FC236}">
-                <a16:creationId xmlns:a16="http://schemas.microsoft.com/office/drawing/2014/main" id="{960DD51F-6688-45C0-BE25-46DC3741DF20}"/>
+                <a16:creationId xmlns:a16="http://schemas.microsoft.com/office/drawing/2014/main" xmlns="" id="{960DD51F-6688-45C0-BE25-46DC3741DF20}"/>
               </a:ext>
             </a:extLst>
           </p:cNvPr>
@@ -2891,7 +4656,7 @@
           <p:cNvPr id="4" name="Дата 3">
             <a:extLst>
               <a:ext uri="{FF2B5EF4-FFF2-40B4-BE49-F238E27FC236}">
-                <a16:creationId xmlns:a16="http://schemas.microsoft.com/office/drawing/2014/main" id="{291801BB-9555-44F2-B2B8-929D33E9496C}"/>
+                <a16:creationId xmlns:a16="http://schemas.microsoft.com/office/drawing/2014/main" xmlns="" id="{291801BB-9555-44F2-B2B8-929D33E9496C}"/>
               </a:ext>
             </a:extLst>
           </p:cNvPr>
@@ -2927,7 +4692,7 @@
           <a:p>
             <a:fld id="{1E1C6AED-57BC-40E4-8262-EEB51855D12B}" type="datetimeFigureOut">
               <a:rPr lang="ru-RU" smtClean="0"/>
-              <a:t>11.10.2017</a:t>
+              <a:t>12.10.2017</a:t>
             </a:fld>
             <a:endParaRPr lang="ru-RU"/>
           </a:p>
@@ -2938,7 +4703,7 @@
           <p:cNvPr id="5" name="Нижний колонтитул 4">
             <a:extLst>
               <a:ext uri="{FF2B5EF4-FFF2-40B4-BE49-F238E27FC236}">
-                <a16:creationId xmlns:a16="http://schemas.microsoft.com/office/drawing/2014/main" id="{1A35D81B-5CAF-488E-879F-3CA4B2A31E5B}"/>
+                <a16:creationId xmlns:a16="http://schemas.microsoft.com/office/drawing/2014/main" xmlns="" id="{1A35D81B-5CAF-488E-879F-3CA4B2A31E5B}"/>
               </a:ext>
             </a:extLst>
           </p:cNvPr>
@@ -2981,7 +4746,7 @@
           <p:cNvPr id="6" name="Номер слайда 5">
             <a:extLst>
               <a:ext uri="{FF2B5EF4-FFF2-40B4-BE49-F238E27FC236}">
-                <a16:creationId xmlns:a16="http://schemas.microsoft.com/office/drawing/2014/main" id="{93D6702C-BB87-4F87-81E7-3FD524360721}"/>
+                <a16:creationId xmlns:a16="http://schemas.microsoft.com/office/drawing/2014/main" xmlns="" id="{93D6702C-BB87-4F87-81E7-3FD524360721}"/>
               </a:ext>
             </a:extLst>
           </p:cNvPr>
@@ -3346,64 +5111,10 @@
       </p:grpSpPr>
       <p:sp>
         <p:nvSpPr>
-          <p:cNvPr id="2" name="Заголовок 1">
-            <a:extLst>
-              <a:ext uri="{FF2B5EF4-FFF2-40B4-BE49-F238E27FC236}">
-                <a16:creationId xmlns:a16="http://schemas.microsoft.com/office/drawing/2014/main" id="{4297F4E7-07D8-4DD4-8F99-42F82A851F89}"/>
-              </a:ext>
-            </a:extLst>
-          </p:cNvPr>
-          <p:cNvSpPr>
-            <a:spLocks noGrp="1"/>
-          </p:cNvSpPr>
-          <p:nvPr>
-            <p:ph type="ctrTitle"/>
-          </p:nvPr>
-        </p:nvSpPr>
-        <p:spPr>
-          <a:xfrm>
-            <a:off x="1242647" y="1561514"/>
-            <a:ext cx="9144000" cy="1498283"/>
-          </a:xfrm>
-        </p:spPr>
-        <p:txBody>
-          <a:bodyPr>
-            <a:noAutofit/>
-          </a:bodyPr>
-          <a:lstStyle/>
-          <a:p>
-            <a:br>
-              <a:rPr lang="ru-RU" sz="7200" b="1" dirty="0">
-                <a:effectLst>
-                  <a:outerShdw blurRad="38100" dist="38100" dir="2700000" algn="tl">
-                    <a:srgbClr val="000000">
-                      <a:alpha val="43137"/>
-                    </a:srgbClr>
-                  </a:outerShdw>
-                </a:effectLst>
-              </a:rPr>
-            </a:br>
-            <a:r>
-              <a:rPr lang="ru-RU" sz="7200" b="1" dirty="0">
-                <a:effectLst>
-                  <a:outerShdw blurRad="38100" dist="38100" dir="2700000" algn="tl">
-                    <a:srgbClr val="000000">
-                      <a:alpha val="43137"/>
-                    </a:srgbClr>
-                  </a:outerShdw>
-                </a:effectLst>
-              </a:rPr>
-              <a:t>Грамматика мотива</a:t>
-            </a:r>
-          </a:p>
-        </p:txBody>
-      </p:sp>
-      <p:sp>
-        <p:nvSpPr>
           <p:cNvPr id="3" name="Подзаголовок 2">
             <a:extLst>
               <a:ext uri="{FF2B5EF4-FFF2-40B4-BE49-F238E27FC236}">
-                <a16:creationId xmlns:a16="http://schemas.microsoft.com/office/drawing/2014/main" id="{BCA01FE3-5996-447B-8785-D69CB5FB4FAB}"/>
+                <a16:creationId xmlns:a16="http://schemas.microsoft.com/office/drawing/2014/main" xmlns="" id="{BCA01FE3-5996-447B-8785-D69CB5FB4FAB}"/>
               </a:ext>
             </a:extLst>
           </p:cNvPr>
@@ -3427,15 +5138,83 @@
           <a:lstStyle/>
           <a:p>
             <a:r>
-              <a:rPr lang="ru-RU" sz="4000" dirty="0"/>
+              <a:rPr lang="ru-RU" sz="3200" dirty="0">
+                <a:latin typeface="Helvetica" charset="0"/>
+                <a:ea typeface="Helvetica" charset="0"/>
+                <a:cs typeface="Helvetica" charset="0"/>
+              </a:rPr>
               <a:t>Вторая Московско-Тартуская летняя школа</a:t>
             </a:r>
           </a:p>
           <a:p>
             <a:r>
-              <a:rPr lang="ru-RU" sz="4000" dirty="0"/>
-              <a:t>9-12 октября 2017</a:t>
-            </a:r>
+              <a:rPr lang="ru-RU" sz="3200" dirty="0" smtClean="0">
+                <a:latin typeface="Helvetica" charset="0"/>
+                <a:ea typeface="Helvetica" charset="0"/>
+                <a:cs typeface="Helvetica" charset="0"/>
+              </a:rPr>
+              <a:t>9</a:t>
+            </a:r>
+            <a:r>
+              <a:rPr lang="en-US" sz="3200" dirty="0" smtClean="0">
+                <a:latin typeface="Helvetica" charset="0"/>
+                <a:ea typeface="Helvetica" charset="0"/>
+                <a:cs typeface="Helvetica" charset="0"/>
+              </a:rPr>
+              <a:t>–</a:t>
+            </a:r>
+            <a:r>
+              <a:rPr lang="ru-RU" sz="3200" dirty="0" smtClean="0">
+                <a:latin typeface="Helvetica" charset="0"/>
+                <a:ea typeface="Helvetica" charset="0"/>
+                <a:cs typeface="Helvetica" charset="0"/>
+              </a:rPr>
+              <a:t>12 </a:t>
+            </a:r>
+            <a:r>
+              <a:rPr lang="ru-RU" sz="3200" dirty="0">
+                <a:latin typeface="Helvetica" charset="0"/>
+                <a:ea typeface="Helvetica" charset="0"/>
+                <a:cs typeface="Helvetica" charset="0"/>
+              </a:rPr>
+              <a:t>октября 2017</a:t>
+            </a:r>
+          </a:p>
+        </p:txBody>
+      </p:sp>
+      <p:sp>
+        <p:nvSpPr>
+          <p:cNvPr id="4" name="Заголовок 3"/>
+          <p:cNvSpPr>
+            <a:spLocks noGrp="1"/>
+          </p:cNvSpPr>
+          <p:nvPr>
+            <p:ph type="ctrTitle"/>
+          </p:nvPr>
+        </p:nvSpPr>
+        <p:spPr>
+          <a:xfrm>
+            <a:off x="1498210" y="623599"/>
+            <a:ext cx="9144000" cy="2387600"/>
+          </a:xfrm>
+        </p:spPr>
+        <p:txBody>
+          <a:bodyPr/>
+          <a:lstStyle/>
+          <a:p>
+            <a:r>
+              <a:rPr lang="ru-RU" dirty="0" smtClean="0">
+                <a:latin typeface="Helvetica" charset="0"/>
+                <a:ea typeface="Helvetica" charset="0"/>
+                <a:cs typeface="Helvetica" charset="0"/>
+              </a:rPr>
+              <a:t>Грамматика мотива</a:t>
+            </a:r>
+            <a:endParaRPr lang="ru-RU" dirty="0">
+              <a:latin typeface="Helvetica" charset="0"/>
+              <a:ea typeface="Helvetica" charset="0"/>
+              <a:cs typeface="Helvetica" charset="0"/>
+            </a:endParaRPr>
           </a:p>
         </p:txBody>
       </p:sp>
@@ -3449,6 +5228,13 @@
   <p:clrMapOvr>
     <a:masterClrMapping/>
   </p:clrMapOvr>
+  <p:timing>
+    <p:tnLst>
+      <p:par>
+        <p:cTn id="1" dur="indefinite" restart="never" nodeType="tmRoot"/>
+      </p:par>
+    </p:tnLst>
+  </p:timing>
 </p:sld>
 </file>
 
@@ -3474,7 +5260,7 @@
           <p:cNvPr id="2" name="Заголовок 1">
             <a:extLst>
               <a:ext uri="{FF2B5EF4-FFF2-40B4-BE49-F238E27FC236}">
-                <a16:creationId xmlns:a16="http://schemas.microsoft.com/office/drawing/2014/main" id="{6B39BEEA-C541-48CC-BEF6-3E70E7933948}"/>
+                <a16:creationId xmlns:a16="http://schemas.microsoft.com/office/drawing/2014/main" xmlns="" id="{6B39BEEA-C541-48CC-BEF6-3E70E7933948}"/>
               </a:ext>
             </a:extLst>
           </p:cNvPr>
@@ -3492,9 +5278,26 @@
           <a:p>
             <a:pPr algn="ctr"/>
             <a:r>
-              <a:rPr lang="ru-RU" dirty="0"/>
-              <a:t>Проблемы и ограничения метода</a:t>
-            </a:r>
+              <a:rPr lang="ru-RU" dirty="0">
+                <a:latin typeface="Helvetica" charset="0"/>
+                <a:ea typeface="Helvetica" charset="0"/>
+                <a:cs typeface="Helvetica" charset="0"/>
+              </a:rPr>
+              <a:t>Проблемы и </a:t>
+            </a:r>
+            <a:r>
+              <a:rPr lang="ru-RU" dirty="0" smtClean="0">
+                <a:latin typeface="Helvetica" charset="0"/>
+                <a:ea typeface="Helvetica" charset="0"/>
+                <a:cs typeface="Helvetica" charset="0"/>
+              </a:rPr>
+              <a:t>ограничения</a:t>
+            </a:r>
+            <a:endParaRPr lang="ru-RU" dirty="0">
+              <a:latin typeface="Helvetica" charset="0"/>
+              <a:ea typeface="Helvetica" charset="0"/>
+              <a:cs typeface="Helvetica" charset="0"/>
+            </a:endParaRPr>
           </a:p>
         </p:txBody>
       </p:sp>
@@ -3503,7 +5306,7 @@
           <p:cNvPr id="3" name="Объект 2">
             <a:extLst>
               <a:ext uri="{FF2B5EF4-FFF2-40B4-BE49-F238E27FC236}">
-                <a16:creationId xmlns:a16="http://schemas.microsoft.com/office/drawing/2014/main" id="{00158481-D098-4A9D-86B7-E67841394BCD}"/>
+                <a16:creationId xmlns:a16="http://schemas.microsoft.com/office/drawing/2014/main" xmlns="" id="{00158481-D098-4A9D-86B7-E67841394BCD}"/>
               </a:ext>
             </a:extLst>
           </p:cNvPr>
@@ -3520,33 +5323,158 @@
           <a:lstStyle/>
           <a:p>
             <a:r>
-              <a:rPr lang="ru-RU" dirty="0"/>
-              <a:t>Полисемия.</a:t>
-            </a:r>
-          </a:p>
-          <a:p>
-            <a:r>
-              <a:rPr lang="ru-RU" dirty="0"/>
-              <a:t>Поиск в рамках одного предложения – проблемы с восстановлением контекста.</a:t>
-            </a:r>
-          </a:p>
-          <a:p>
-            <a:r>
-              <a:rPr lang="ru-RU" dirty="0"/>
-              <a:t>Сложность формализации естественного языка, особенно – художественного.</a:t>
-            </a:r>
-          </a:p>
-          <a:p>
-            <a:r>
-              <a:rPr lang="ru-RU" dirty="0"/>
-              <a:t>Не самообучающаяся система.</a:t>
-            </a:r>
-          </a:p>
-          <a:p>
-            <a:r>
-              <a:rPr lang="ru-RU" dirty="0"/>
-              <a:t>Высокий порог вхождения.</a:t>
-            </a:r>
+              <a:rPr lang="ru-RU" dirty="0">
+                <a:latin typeface="Helvetica" charset="0"/>
+                <a:ea typeface="Helvetica" charset="0"/>
+                <a:cs typeface="Helvetica" charset="0"/>
+              </a:rPr>
+              <a:t>Высокий порог </a:t>
+            </a:r>
+            <a:r>
+              <a:rPr lang="ru-RU" dirty="0" smtClean="0">
+                <a:latin typeface="Helvetica" charset="0"/>
+                <a:ea typeface="Helvetica" charset="0"/>
+                <a:cs typeface="Helvetica" charset="0"/>
+              </a:rPr>
+              <a:t>вхождения</a:t>
+            </a:r>
+            <a:endParaRPr lang="en-US" dirty="0" smtClean="0">
+              <a:latin typeface="Helvetica" charset="0"/>
+              <a:ea typeface="Helvetica" charset="0"/>
+              <a:cs typeface="Helvetica" charset="0"/>
+            </a:endParaRPr>
+          </a:p>
+          <a:p>
+            <a:r>
+              <a:rPr lang="ru-RU" dirty="0" smtClean="0">
+                <a:latin typeface="Helvetica" charset="0"/>
+                <a:ea typeface="Helvetica" charset="0"/>
+                <a:cs typeface="Helvetica" charset="0"/>
+              </a:rPr>
+              <a:t>Полисемия</a:t>
+            </a:r>
+            <a:endParaRPr lang="ru-RU" dirty="0">
+              <a:latin typeface="Helvetica" charset="0"/>
+              <a:ea typeface="Helvetica" charset="0"/>
+              <a:cs typeface="Helvetica" charset="0"/>
+            </a:endParaRPr>
+          </a:p>
+          <a:p>
+            <a:r>
+              <a:rPr lang="ru-RU" dirty="0">
+                <a:latin typeface="Helvetica" charset="0"/>
+                <a:ea typeface="Helvetica" charset="0"/>
+                <a:cs typeface="Helvetica" charset="0"/>
+              </a:rPr>
+              <a:t>Поиск в рамках одного предложения </a:t>
+            </a:r>
+            <a:r>
+              <a:rPr lang="en-US" dirty="0" smtClean="0">
+                <a:latin typeface="Helvetica" charset="0"/>
+                <a:ea typeface="Helvetica" charset="0"/>
+                <a:cs typeface="Helvetica" charset="0"/>
+              </a:rPr>
+              <a:t>—</a:t>
+            </a:r>
+            <a:r>
+              <a:rPr lang="ru-RU" dirty="0" smtClean="0">
+                <a:latin typeface="Helvetica" charset="0"/>
+                <a:ea typeface="Helvetica" charset="0"/>
+                <a:cs typeface="Helvetica" charset="0"/>
+              </a:rPr>
+              <a:t> </a:t>
+            </a:r>
+            <a:r>
+              <a:rPr lang="ru-RU" dirty="0">
+                <a:latin typeface="Helvetica" charset="0"/>
+                <a:ea typeface="Helvetica" charset="0"/>
+                <a:cs typeface="Helvetica" charset="0"/>
+              </a:rPr>
+              <a:t>проблемы с восстановлением </a:t>
+            </a:r>
+            <a:r>
+              <a:rPr lang="ru-RU" dirty="0" smtClean="0">
+                <a:latin typeface="Helvetica" charset="0"/>
+                <a:ea typeface="Helvetica" charset="0"/>
+                <a:cs typeface="Helvetica" charset="0"/>
+              </a:rPr>
+              <a:t>контекста</a:t>
+            </a:r>
+            <a:endParaRPr lang="ru-RU" dirty="0">
+              <a:latin typeface="Helvetica" charset="0"/>
+              <a:ea typeface="Helvetica" charset="0"/>
+              <a:cs typeface="Helvetica" charset="0"/>
+            </a:endParaRPr>
+          </a:p>
+          <a:p>
+            <a:r>
+              <a:rPr lang="ru-RU" dirty="0">
+                <a:latin typeface="Helvetica" charset="0"/>
+                <a:ea typeface="Helvetica" charset="0"/>
+                <a:cs typeface="Helvetica" charset="0"/>
+              </a:rPr>
+              <a:t>Сложность формализации естественного языка, </a:t>
+            </a:r>
+            <a:r>
+              <a:rPr lang="ru-RU" dirty="0" smtClean="0">
+                <a:latin typeface="Helvetica" charset="0"/>
+                <a:ea typeface="Helvetica" charset="0"/>
+                <a:cs typeface="Helvetica" charset="0"/>
+              </a:rPr>
+              <a:t>особенно</a:t>
+            </a:r>
+            <a:r>
+              <a:rPr lang="en-US" dirty="0">
+                <a:latin typeface="Helvetica" charset="0"/>
+                <a:ea typeface="Helvetica" charset="0"/>
+                <a:cs typeface="Helvetica" charset="0"/>
+              </a:rPr>
+              <a:t> </a:t>
+            </a:r>
+            <a:r>
+              <a:rPr lang="en-US" dirty="0" smtClean="0">
+                <a:latin typeface="Helvetica" charset="0"/>
+                <a:ea typeface="Helvetica" charset="0"/>
+                <a:cs typeface="Helvetica" charset="0"/>
+              </a:rPr>
+              <a:t>— </a:t>
+            </a:r>
+            <a:r>
+              <a:rPr lang="ru-RU" dirty="0" smtClean="0">
+                <a:latin typeface="Helvetica" charset="0"/>
+                <a:ea typeface="Helvetica" charset="0"/>
+                <a:cs typeface="Helvetica" charset="0"/>
+              </a:rPr>
+              <a:t>художественного</a:t>
+            </a:r>
+            <a:endParaRPr lang="ru-RU" dirty="0">
+              <a:latin typeface="Helvetica" charset="0"/>
+              <a:ea typeface="Helvetica" charset="0"/>
+              <a:cs typeface="Helvetica" charset="0"/>
+            </a:endParaRPr>
+          </a:p>
+          <a:p>
+            <a:r>
+              <a:rPr lang="ru-RU" dirty="0" err="1" smtClean="0">
+                <a:latin typeface="Helvetica" charset="0"/>
+                <a:ea typeface="Helvetica" charset="0"/>
+                <a:cs typeface="Helvetica" charset="0"/>
+              </a:rPr>
+              <a:t>Несамообучающаяся</a:t>
+            </a:r>
+            <a:r>
+              <a:rPr lang="ru-RU" dirty="0" smtClean="0">
+                <a:latin typeface="Helvetica" charset="0"/>
+                <a:ea typeface="Helvetica" charset="0"/>
+                <a:cs typeface="Helvetica" charset="0"/>
+              </a:rPr>
+              <a:t> система</a:t>
+            </a:r>
+            <a:endParaRPr lang="ru-RU" dirty="0">
+              <a:latin typeface="Helvetica" charset="0"/>
+              <a:ea typeface="Helvetica" charset="0"/>
+              <a:cs typeface="Helvetica" charset="0"/>
+            </a:endParaRPr>
           </a:p>
         </p:txBody>
       </p:sp>
@@ -3585,7 +5513,7 @@
           <p:cNvPr id="2" name="Заголовок 1">
             <a:extLst>
               <a:ext uri="{FF2B5EF4-FFF2-40B4-BE49-F238E27FC236}">
-                <a16:creationId xmlns:a16="http://schemas.microsoft.com/office/drawing/2014/main" id="{125A25BB-4BB1-40FD-B48C-440BA8052EFC}"/>
+                <a16:creationId xmlns:a16="http://schemas.microsoft.com/office/drawing/2014/main" xmlns="" id="{125A25BB-4BB1-40FD-B48C-440BA8052EFC}"/>
               </a:ext>
             </a:extLst>
           </p:cNvPr>
@@ -3605,37 +5533,97 @@
           <a:p>
             <a:pPr algn="ctr"/>
             <a:r>
-              <a:rPr lang="ru-RU" dirty="0"/>
-              <a:t>4. Визуализация и интерпретация результата</a:t>
-            </a:r>
+              <a:rPr lang="ru-RU" sz="3600" dirty="0">
+                <a:latin typeface="Helvetica" charset="0"/>
+                <a:ea typeface="Helvetica" charset="0"/>
+                <a:cs typeface="Helvetica" charset="0"/>
+              </a:rPr>
+              <a:t>4. Визуализация и интерпретация </a:t>
+            </a:r>
+            <a:r>
+              <a:rPr lang="ru-RU" sz="3600" dirty="0" smtClean="0">
+                <a:latin typeface="Helvetica" charset="0"/>
+                <a:ea typeface="Helvetica" charset="0"/>
+                <a:cs typeface="Helvetica" charset="0"/>
+              </a:rPr>
+              <a:t>результата</a:t>
+            </a:r>
+            <a:r>
+              <a:rPr lang="en-US" sz="3600" dirty="0" smtClean="0">
+                <a:latin typeface="Helvetica" charset="0"/>
+                <a:ea typeface="Helvetica" charset="0"/>
+                <a:cs typeface="Helvetica" charset="0"/>
+              </a:rPr>
+              <a:t/>
+            </a:r>
+            <a:br>
+              <a:rPr lang="en-US" sz="3600" dirty="0" smtClean="0">
+                <a:latin typeface="Helvetica" charset="0"/>
+                <a:ea typeface="Helvetica" charset="0"/>
+                <a:cs typeface="Helvetica" charset="0"/>
+              </a:rPr>
+            </a:br>
+            <a:r>
+              <a:rPr lang="en-US" sz="2800" dirty="0" smtClean="0">
+                <a:latin typeface="Helvetica" charset="0"/>
+                <a:ea typeface="Helvetica" charset="0"/>
+                <a:cs typeface="Helvetica" charset="0"/>
+              </a:rPr>
+              <a:t>(</a:t>
+            </a:r>
+            <a:r>
+              <a:rPr lang="ru-RU" sz="2800" dirty="0" smtClean="0">
+                <a:latin typeface="Helvetica" charset="0"/>
+                <a:ea typeface="Helvetica" charset="0"/>
+                <a:cs typeface="Helvetica" charset="0"/>
+              </a:rPr>
+              <a:t>«Мастер и Маргарита» как пилот</a:t>
+            </a:r>
+            <a:r>
+              <a:rPr lang="en-US" sz="2800" dirty="0" smtClean="0">
+                <a:latin typeface="Helvetica" charset="0"/>
+                <a:ea typeface="Helvetica" charset="0"/>
+                <a:cs typeface="Helvetica" charset="0"/>
+              </a:rPr>
+              <a:t>)</a:t>
+            </a:r>
+            <a:endParaRPr lang="ru-RU" sz="3200" dirty="0">
+              <a:latin typeface="Helvetica" charset="0"/>
+              <a:ea typeface="Helvetica" charset="0"/>
+              <a:cs typeface="Helvetica" charset="0"/>
+            </a:endParaRPr>
           </a:p>
         </p:txBody>
       </p:sp>
-      <p:sp>
-        <p:nvSpPr>
-          <p:cNvPr id="3" name="Объект 2">
+      <p:pic>
+        <p:nvPicPr>
+          <p:cNvPr id="4" name="Объект 3"/>
+          <p:cNvPicPr>
+            <a:picLocks noGrp="1" noChangeAspect="1"/>
+          </p:cNvPicPr>
+          <p:nvPr>
+            <p:ph idx="1"/>
+          </p:nvPr>
+        </p:nvPicPr>
+        <p:blipFill>
+          <a:blip r:embed="rId2">
             <a:extLst>
-              <a:ext uri="{FF2B5EF4-FFF2-40B4-BE49-F238E27FC236}">
-                <a16:creationId xmlns:a16="http://schemas.microsoft.com/office/drawing/2014/main" id="{1F29E978-FA9F-4300-A6FD-89FAA65B00C8}"/>
+              <a:ext uri="{28A0092B-C50C-407E-A947-70E740481C1C}">
+                <a14:useLocalDpi xmlns:a14="http://schemas.microsoft.com/office/drawing/2010/main" val="0"/>
               </a:ext>
             </a:extLst>
-          </p:cNvPr>
-          <p:cNvSpPr>
-            <a:spLocks noGrp="1"/>
-          </p:cNvSpPr>
-          <p:nvPr>
-            <p:ph idx="1"/>
-          </p:nvPr>
-        </p:nvSpPr>
-        <p:spPr/>
-        <p:txBody>
-          <a:bodyPr/>
-          <a:lstStyle/>
-          <a:p>
-            <a:endParaRPr lang="ru-RU"/>
-          </a:p>
-        </p:txBody>
-      </p:sp>
+          </a:blip>
+          <a:stretch>
+            <a:fillRect/>
+          </a:stretch>
+        </p:blipFill>
+        <p:spPr>
+          <a:xfrm>
+            <a:off x="2366282" y="1825625"/>
+            <a:ext cx="7459436" cy="4351338"/>
+          </a:xfrm>
+        </p:spPr>
+      </p:pic>
     </p:spTree>
     <p:extLst>
       <p:ext uri="{BB962C8B-B14F-4D97-AF65-F5344CB8AC3E}">
@@ -3668,10 +5656,1715 @@
       </p:grpSpPr>
       <p:sp>
         <p:nvSpPr>
+          <p:cNvPr id="2" name="Заголовок 1"/>
+          <p:cNvSpPr>
+            <a:spLocks noGrp="1"/>
+          </p:cNvSpPr>
+          <p:nvPr>
+            <p:ph type="title"/>
+          </p:nvPr>
+        </p:nvSpPr>
+        <p:spPr/>
+        <p:txBody>
+          <a:bodyPr/>
+          <a:lstStyle/>
+          <a:p>
+            <a:pPr algn="ctr"/>
+            <a:r>
+              <a:rPr lang="ru-RU" dirty="0" smtClean="0">
+                <a:latin typeface="Helvetica" charset="0"/>
+                <a:ea typeface="Helvetica" charset="0"/>
+                <a:cs typeface="Helvetica" charset="0"/>
+              </a:rPr>
+              <a:t>Движение и тональность</a:t>
+            </a:r>
+            <a:endParaRPr lang="ru-RU" dirty="0">
+              <a:latin typeface="Helvetica" charset="0"/>
+              <a:ea typeface="Helvetica" charset="0"/>
+              <a:cs typeface="Helvetica" charset="0"/>
+            </a:endParaRPr>
+          </a:p>
+        </p:txBody>
+      </p:sp>
+      <p:pic>
+        <p:nvPicPr>
+          <p:cNvPr id="4" name="Объект 3"/>
+          <p:cNvPicPr>
+            <a:picLocks noGrp="1" noChangeAspect="1"/>
+          </p:cNvPicPr>
+          <p:nvPr>
+            <p:ph idx="1"/>
+          </p:nvPr>
+        </p:nvPicPr>
+        <p:blipFill>
+          <a:blip r:embed="rId3">
+            <a:extLst>
+              <a:ext uri="{28A0092B-C50C-407E-A947-70E740481C1C}">
+                <a14:useLocalDpi xmlns:a14="http://schemas.microsoft.com/office/drawing/2010/main" val="0"/>
+              </a:ext>
+            </a:extLst>
+          </a:blip>
+          <a:stretch>
+            <a:fillRect/>
+          </a:stretch>
+        </p:blipFill>
+        <p:spPr>
+          <a:xfrm>
+            <a:off x="2581275" y="2120106"/>
+            <a:ext cx="7029450" cy="3762375"/>
+          </a:xfrm>
+        </p:spPr>
+      </p:pic>
+    </p:spTree>
+    <p:extLst>
+      <p:ext uri="{BB962C8B-B14F-4D97-AF65-F5344CB8AC3E}">
+        <p14:creationId xmlns:p14="http://schemas.microsoft.com/office/powerpoint/2010/main" val="1450788489"/>
+      </p:ext>
+    </p:extLst>
+  </p:cSld>
+  <p:clrMapOvr>
+    <a:masterClrMapping/>
+  </p:clrMapOvr>
+</p:sld>
+</file>
+
+<file path=ppt/slides/slide13.xml><?xml version="1.0" encoding="utf-8"?>
+<p:sld xmlns:a="http://schemas.openxmlformats.org/drawingml/2006/main" xmlns:r="http://schemas.openxmlformats.org/officeDocument/2006/relationships" xmlns:p="http://schemas.openxmlformats.org/presentationml/2006/main">
+  <p:cSld>
+    <p:spTree>
+      <p:nvGrpSpPr>
+        <p:cNvPr id="1" name=""/>
+        <p:cNvGrpSpPr/>
+        <p:nvPr/>
+      </p:nvGrpSpPr>
+      <p:grpSpPr>
+        <a:xfrm>
+          <a:off x="0" y="0"/>
+          <a:ext cx="0" cy="0"/>
+          <a:chOff x="0" y="0"/>
+          <a:chExt cx="0" cy="0"/>
+        </a:xfrm>
+      </p:grpSpPr>
+      <p:graphicFrame>
+        <p:nvGraphicFramePr>
+          <p:cNvPr id="4" name="Chart 2">
+            <a:extLst>
+              <a:ext uri="{FF2B5EF4-FFF2-40B4-BE49-F238E27FC236}">
+                <a16:creationId xmlns="" xmlns:xdr="http://schemas.openxmlformats.org/drawingml/2006/spreadsheetDrawing" xmlns:a16="http://schemas.microsoft.com/office/drawing/2014/main" xmlns:lc="http://schemas.openxmlformats.org/drawingml/2006/lockedCanvas" id="{BF60D29B-DAA0-4F69-A445-44E94912E54D}"/>
+              </a:ext>
+            </a:extLst>
+          </p:cNvPr>
+          <p:cNvGraphicFramePr>
+            <a:graphicFrameLocks/>
+          </p:cNvGraphicFramePr>
+          <p:nvPr>
+            <p:extLst>
+              <p:ext uri="{D42A27DB-BD31-4B8C-83A1-F6EECF244321}">
+                <p14:modId xmlns:p14="http://schemas.microsoft.com/office/powerpoint/2010/main" val="1973996332"/>
+              </p:ext>
+            </p:extLst>
+          </p:nvPr>
+        </p:nvGraphicFramePr>
+        <p:xfrm>
+          <a:off x="939609" y="365125"/>
+          <a:ext cx="10414191" cy="5811838"/>
+        </p:xfrm>
+        <a:graphic>
+          <a:graphicData uri="http://schemas.openxmlformats.org/drawingml/2006/chart">
+            <c:chart xmlns:c="http://schemas.openxmlformats.org/drawingml/2006/chart" xmlns:r="http://schemas.openxmlformats.org/officeDocument/2006/relationships" r:id="rId2"/>
+          </a:graphicData>
+        </a:graphic>
+      </p:graphicFrame>
+    </p:spTree>
+    <p:extLst>
+      <p:ext uri="{BB962C8B-B14F-4D97-AF65-F5344CB8AC3E}">
+        <p14:creationId xmlns:p14="http://schemas.microsoft.com/office/powerpoint/2010/main" val="1935573847"/>
+      </p:ext>
+    </p:extLst>
+  </p:cSld>
+  <p:clrMapOvr>
+    <a:masterClrMapping/>
+  </p:clrMapOvr>
+</p:sld>
+</file>
+
+<file path=ppt/slides/slide14.xml><?xml version="1.0" encoding="utf-8"?>
+<p:sld xmlns:a="http://schemas.openxmlformats.org/drawingml/2006/main" xmlns:r="http://schemas.openxmlformats.org/officeDocument/2006/relationships" xmlns:p="http://schemas.openxmlformats.org/presentationml/2006/main">
+  <p:cSld>
+    <p:spTree>
+      <p:nvGrpSpPr>
+        <p:cNvPr id="1" name=""/>
+        <p:cNvGrpSpPr/>
+        <p:nvPr/>
+      </p:nvGrpSpPr>
+      <p:grpSpPr>
+        <a:xfrm>
+          <a:off x="0" y="0"/>
+          <a:ext cx="0" cy="0"/>
+          <a:chOff x="0" y="0"/>
+          <a:chExt cx="0" cy="0"/>
+        </a:xfrm>
+      </p:grpSpPr>
+      <p:graphicFrame>
+        <p:nvGraphicFramePr>
+          <p:cNvPr id="4" name="Объект 3"/>
+          <p:cNvGraphicFramePr>
+            <a:graphicFrameLocks noGrp="1"/>
+          </p:cNvGraphicFramePr>
+          <p:nvPr>
+            <p:ph idx="1"/>
+            <p:extLst>
+              <p:ext uri="{D42A27DB-BD31-4B8C-83A1-F6EECF244321}">
+                <p14:modId xmlns:p14="http://schemas.microsoft.com/office/powerpoint/2010/main" val="2143653613"/>
+              </p:ext>
+            </p:extLst>
+          </p:nvPr>
+        </p:nvGraphicFramePr>
+        <p:xfrm>
+          <a:off x="3631622" y="401782"/>
+          <a:ext cx="4417869" cy="5616000"/>
+        </p:xfrm>
+        <a:graphic>
+          <a:graphicData uri="http://schemas.openxmlformats.org/drawingml/2006/table">
+            <a:tbl>
+              <a:tblPr>
+                <a:tableStyleId>{5C22544A-7EE6-4342-B048-85BDC9FD1C3A}</a:tableStyleId>
+              </a:tblPr>
+              <a:tblGrid>
+                <a:gridCol w="1472623"/>
+                <a:gridCol w="174337"/>
+                <a:gridCol w="1298286"/>
+                <a:gridCol w="1472623"/>
+              </a:tblGrid>
+              <a:tr h="432000">
+                <a:tc>
+                  <a:txBody>
+                    <a:bodyPr/>
+                    <a:lstStyle/>
+                    <a:p>
+                      <a:pPr algn="l" fontAlgn="b"/>
+                      <a:r>
+                        <a:rPr lang="ru-RU" sz="1800" u="none" strike="noStrike" dirty="0">
+                          <a:effectLst/>
+                          <a:latin typeface="Helvetica" charset="0"/>
+                          <a:ea typeface="Helvetica" charset="0"/>
+                          <a:cs typeface="Helvetica" charset="0"/>
+                        </a:rPr>
+                        <a:t>Персонаж</a:t>
+                      </a:r>
+                      <a:endParaRPr lang="ru-RU" sz="1800" b="1" i="0" u="none" strike="noStrike" dirty="0">
+                        <a:solidFill>
+                          <a:srgbClr val="000000"/>
+                        </a:solidFill>
+                        <a:effectLst/>
+                        <a:latin typeface="Helvetica" charset="0"/>
+                        <a:ea typeface="Helvetica" charset="0"/>
+                        <a:cs typeface="Helvetica" charset="0"/>
+                      </a:endParaRPr>
+                    </a:p>
+                  </a:txBody>
+                  <a:tcPr marL="6350" marR="6350" marT="6350" marB="0" anchor="ctr"/>
+                </a:tc>
+                <a:tc gridSpan="2">
+                  <a:txBody>
+                    <a:bodyPr/>
+                    <a:lstStyle/>
+                    <a:p>
+                      <a:pPr algn="l" fontAlgn="b"/>
+                      <a:r>
+                        <a:rPr lang="ru-RU" sz="1800" u="none" strike="noStrike" dirty="0" smtClean="0">
+                          <a:effectLst/>
+                          <a:latin typeface="Helvetica" charset="0"/>
+                          <a:ea typeface="Helvetica" charset="0"/>
+                          <a:cs typeface="Helvetica" charset="0"/>
+                        </a:rPr>
+                        <a:t>Вино</a:t>
+                      </a:r>
+                      <a:endParaRPr lang="ru-RU" sz="1800" b="1" i="0" u="none" strike="noStrike" dirty="0">
+                        <a:solidFill>
+                          <a:srgbClr val="000000"/>
+                        </a:solidFill>
+                        <a:effectLst/>
+                        <a:latin typeface="Helvetica" charset="0"/>
+                        <a:ea typeface="Helvetica" charset="0"/>
+                        <a:cs typeface="Helvetica" charset="0"/>
+                      </a:endParaRPr>
+                    </a:p>
+                  </a:txBody>
+                  <a:tcPr marL="6350" marR="6350" marT="6350" marB="0" anchor="ctr"/>
+                </a:tc>
+                <a:tc hMerge="1">
+                  <a:txBody>
+                    <a:bodyPr/>
+                    <a:lstStyle/>
+                    <a:p>
+                      <a:endParaRPr lang="ru-RU"/>
+                    </a:p>
+                  </a:txBody>
+                  <a:tcPr/>
+                </a:tc>
+                <a:tc>
+                  <a:txBody>
+                    <a:bodyPr/>
+                    <a:lstStyle/>
+                    <a:p>
+                      <a:pPr algn="l" fontAlgn="b"/>
+                      <a:r>
+                        <a:rPr lang="ru-RU" sz="1800" u="none" strike="noStrike" dirty="0" smtClean="0">
+                          <a:effectLst/>
+                          <a:latin typeface="Helvetica" charset="0"/>
+                          <a:ea typeface="Helvetica" charset="0"/>
+                          <a:cs typeface="Helvetica" charset="0"/>
+                        </a:rPr>
+                        <a:t>Водка</a:t>
+                      </a:r>
+                      <a:endParaRPr lang="ru-RU" sz="1800" b="1" i="0" u="none" strike="noStrike" dirty="0">
+                        <a:solidFill>
+                          <a:srgbClr val="000000"/>
+                        </a:solidFill>
+                        <a:effectLst/>
+                        <a:latin typeface="Helvetica" charset="0"/>
+                        <a:ea typeface="Helvetica" charset="0"/>
+                        <a:cs typeface="Helvetica" charset="0"/>
+                      </a:endParaRPr>
+                    </a:p>
+                  </a:txBody>
+                  <a:tcPr marL="6350" marR="6350" marT="6350" marB="0" anchor="ctr"/>
+                </a:tc>
+              </a:tr>
+              <a:tr h="432000">
+                <a:tc>
+                  <a:txBody>
+                    <a:bodyPr/>
+                    <a:lstStyle/>
+                    <a:p>
+                      <a:pPr algn="l" fontAlgn="b"/>
+                      <a:r>
+                        <a:rPr lang="ru-RU" sz="1800" u="none" strike="noStrike" dirty="0" err="1">
+                          <a:effectLst/>
+                          <a:latin typeface="Helvetica" charset="0"/>
+                          <a:ea typeface="Helvetica" charset="0"/>
+                          <a:cs typeface="Helvetica" charset="0"/>
+                        </a:rPr>
+                        <a:t>Воланд</a:t>
+                      </a:r>
+                      <a:endParaRPr lang="ru-RU" sz="1800" b="0" i="0" u="none" strike="noStrike" dirty="0">
+                        <a:solidFill>
+                          <a:srgbClr val="000000"/>
+                        </a:solidFill>
+                        <a:effectLst/>
+                        <a:latin typeface="Helvetica" charset="0"/>
+                        <a:ea typeface="Helvetica" charset="0"/>
+                        <a:cs typeface="Helvetica" charset="0"/>
+                      </a:endParaRPr>
+                    </a:p>
+                  </a:txBody>
+                  <a:tcPr marL="6350" marR="6350" marT="6350" marB="0" anchor="ctr"/>
+                </a:tc>
+                <a:tc gridSpan="2">
+                  <a:txBody>
+                    <a:bodyPr/>
+                    <a:lstStyle/>
+                    <a:p>
+                      <a:pPr algn="r" fontAlgn="b"/>
+                      <a:r>
+                        <a:rPr lang="ru-RU" sz="1800" u="none" strike="noStrike" dirty="0">
+                          <a:effectLst/>
+                          <a:latin typeface="Helvetica" charset="0"/>
+                          <a:ea typeface="Helvetica" charset="0"/>
+                          <a:cs typeface="Helvetica" charset="0"/>
+                        </a:rPr>
+                        <a:t>3</a:t>
+                      </a:r>
+                      <a:endParaRPr lang="ru-RU" sz="1800" b="0" i="0" u="none" strike="noStrike" dirty="0">
+                        <a:solidFill>
+                          <a:srgbClr val="000000"/>
+                        </a:solidFill>
+                        <a:effectLst/>
+                        <a:latin typeface="Helvetica" charset="0"/>
+                        <a:ea typeface="Helvetica" charset="0"/>
+                        <a:cs typeface="Helvetica" charset="0"/>
+                      </a:endParaRPr>
+                    </a:p>
+                  </a:txBody>
+                  <a:tcPr marL="6350" marR="6350" marT="6350" marB="0" anchor="ctr"/>
+                </a:tc>
+                <a:tc hMerge="1">
+                  <a:txBody>
+                    <a:bodyPr/>
+                    <a:lstStyle/>
+                    <a:p>
+                      <a:endParaRPr lang="ru-RU"/>
+                    </a:p>
+                  </a:txBody>
+                  <a:tcPr/>
+                </a:tc>
+                <a:tc>
+                  <a:txBody>
+                    <a:bodyPr/>
+                    <a:lstStyle/>
+                    <a:p>
+                      <a:pPr algn="r" fontAlgn="b"/>
+                      <a:r>
+                        <a:rPr lang="is-IS" sz="1800" u="none" strike="noStrike">
+                          <a:effectLst/>
+                          <a:latin typeface="Helvetica" charset="0"/>
+                          <a:ea typeface="Helvetica" charset="0"/>
+                          <a:cs typeface="Helvetica" charset="0"/>
+                        </a:rPr>
+                        <a:t>2</a:t>
+                      </a:r>
+                      <a:endParaRPr lang="is-IS" sz="1800" b="0" i="0" u="none" strike="noStrike">
+                        <a:solidFill>
+                          <a:srgbClr val="000000"/>
+                        </a:solidFill>
+                        <a:effectLst/>
+                        <a:latin typeface="Helvetica" charset="0"/>
+                        <a:ea typeface="Helvetica" charset="0"/>
+                        <a:cs typeface="Helvetica" charset="0"/>
+                      </a:endParaRPr>
+                    </a:p>
+                  </a:txBody>
+                  <a:tcPr marL="6350" marR="6350" marT="6350" marB="0" anchor="ctr"/>
+                </a:tc>
+              </a:tr>
+              <a:tr h="432000">
+                <a:tc gridSpan="3">
+                  <a:txBody>
+                    <a:bodyPr/>
+                    <a:lstStyle/>
+                    <a:p>
+                      <a:pPr algn="l" fontAlgn="b"/>
+                      <a:r>
+                        <a:rPr lang="ru-RU" sz="1800" u="none" strike="noStrike" dirty="0">
+                          <a:effectLst/>
+                          <a:latin typeface="Helvetica" charset="0"/>
+                          <a:ea typeface="Helvetica" charset="0"/>
+                          <a:cs typeface="Helvetica" charset="0"/>
+                        </a:rPr>
+                        <a:t>Лиходеев</a:t>
+                      </a:r>
+                      <a:endParaRPr lang="ru-RU" sz="1800" b="0" i="0" u="none" strike="noStrike" dirty="0">
+                        <a:solidFill>
+                          <a:srgbClr val="000000"/>
+                        </a:solidFill>
+                        <a:effectLst/>
+                        <a:latin typeface="Helvetica" charset="0"/>
+                        <a:ea typeface="Helvetica" charset="0"/>
+                        <a:cs typeface="Helvetica" charset="0"/>
+                      </a:endParaRPr>
+                    </a:p>
+                  </a:txBody>
+                  <a:tcPr marL="6350" marR="6350" marT="6350" marB="0" anchor="ctr"/>
+                </a:tc>
+                <a:tc hMerge="1">
+                  <a:txBody>
+                    <a:bodyPr/>
+                    <a:lstStyle/>
+                    <a:p>
+                      <a:endParaRPr lang="ru-RU"/>
+                    </a:p>
+                  </a:txBody>
+                  <a:tcPr/>
+                </a:tc>
+                <a:tc hMerge="1">
+                  <a:txBody>
+                    <a:bodyPr/>
+                    <a:lstStyle/>
+                    <a:p>
+                      <a:endParaRPr lang="ru-RU"/>
+                    </a:p>
+                  </a:txBody>
+                  <a:tcPr/>
+                </a:tc>
+                <a:tc>
+                  <a:txBody>
+                    <a:bodyPr/>
+                    <a:lstStyle/>
+                    <a:p>
+                      <a:pPr algn="r" fontAlgn="b"/>
+                      <a:r>
+                        <a:rPr lang="is-IS" sz="1800" u="none" strike="noStrike">
+                          <a:effectLst/>
+                          <a:latin typeface="Helvetica" charset="0"/>
+                          <a:ea typeface="Helvetica" charset="0"/>
+                          <a:cs typeface="Helvetica" charset="0"/>
+                        </a:rPr>
+                        <a:t>2</a:t>
+                      </a:r>
+                      <a:endParaRPr lang="is-IS" sz="1800" b="0" i="0" u="none" strike="noStrike">
+                        <a:solidFill>
+                          <a:srgbClr val="000000"/>
+                        </a:solidFill>
+                        <a:effectLst/>
+                        <a:latin typeface="Helvetica" charset="0"/>
+                        <a:ea typeface="Helvetica" charset="0"/>
+                        <a:cs typeface="Helvetica" charset="0"/>
+                      </a:endParaRPr>
+                    </a:p>
+                  </a:txBody>
+                  <a:tcPr marL="6350" marR="6350" marT="6350" marB="0" anchor="ctr"/>
+                </a:tc>
+              </a:tr>
+              <a:tr h="432000">
+                <a:tc gridSpan="3">
+                  <a:txBody>
+                    <a:bodyPr/>
+                    <a:lstStyle/>
+                    <a:p>
+                      <a:pPr algn="l" fontAlgn="b"/>
+                      <a:r>
+                        <a:rPr lang="ru-RU" sz="1800" u="none" strike="noStrike" dirty="0">
+                          <a:effectLst/>
+                          <a:latin typeface="Helvetica" charset="0"/>
+                          <a:ea typeface="Helvetica" charset="0"/>
+                          <a:cs typeface="Helvetica" charset="0"/>
+                        </a:rPr>
+                        <a:t>Бегемот</a:t>
+                      </a:r>
+                      <a:endParaRPr lang="ru-RU" sz="1800" b="0" i="0" u="none" strike="noStrike" dirty="0">
+                        <a:solidFill>
+                          <a:srgbClr val="000000"/>
+                        </a:solidFill>
+                        <a:effectLst/>
+                        <a:latin typeface="Helvetica" charset="0"/>
+                        <a:ea typeface="Helvetica" charset="0"/>
+                        <a:cs typeface="Helvetica" charset="0"/>
+                      </a:endParaRPr>
+                    </a:p>
+                  </a:txBody>
+                  <a:tcPr marL="6350" marR="6350" marT="6350" marB="0" anchor="ctr"/>
+                </a:tc>
+                <a:tc hMerge="1">
+                  <a:txBody>
+                    <a:bodyPr/>
+                    <a:lstStyle/>
+                    <a:p>
+                      <a:endParaRPr lang="ru-RU"/>
+                    </a:p>
+                  </a:txBody>
+                  <a:tcPr/>
+                </a:tc>
+                <a:tc hMerge="1">
+                  <a:txBody>
+                    <a:bodyPr/>
+                    <a:lstStyle/>
+                    <a:p>
+                      <a:endParaRPr lang="ru-RU"/>
+                    </a:p>
+                  </a:txBody>
+                  <a:tcPr/>
+                </a:tc>
+                <a:tc>
+                  <a:txBody>
+                    <a:bodyPr/>
+                    <a:lstStyle/>
+                    <a:p>
+                      <a:pPr algn="r" fontAlgn="b"/>
+                      <a:r>
+                        <a:rPr lang="is-IS" sz="1800" u="none" strike="noStrike">
+                          <a:effectLst/>
+                          <a:latin typeface="Helvetica" charset="0"/>
+                          <a:ea typeface="Helvetica" charset="0"/>
+                          <a:cs typeface="Helvetica" charset="0"/>
+                        </a:rPr>
+                        <a:t>2</a:t>
+                      </a:r>
+                      <a:endParaRPr lang="is-IS" sz="1800" b="0" i="0" u="none" strike="noStrike">
+                        <a:solidFill>
+                          <a:srgbClr val="000000"/>
+                        </a:solidFill>
+                        <a:effectLst/>
+                        <a:latin typeface="Helvetica" charset="0"/>
+                        <a:ea typeface="Helvetica" charset="0"/>
+                        <a:cs typeface="Helvetica" charset="0"/>
+                      </a:endParaRPr>
+                    </a:p>
+                  </a:txBody>
+                  <a:tcPr marL="6350" marR="6350" marT="6350" marB="0" anchor="ctr"/>
+                </a:tc>
+              </a:tr>
+              <a:tr h="432000">
+                <a:tc gridSpan="2">
+                  <a:txBody>
+                    <a:bodyPr/>
+                    <a:lstStyle/>
+                    <a:p>
+                      <a:pPr algn="l" fontAlgn="b"/>
+                      <a:r>
+                        <a:rPr lang="ru-RU" sz="1800" u="none" strike="noStrike" dirty="0">
+                          <a:effectLst/>
+                          <a:latin typeface="Helvetica" charset="0"/>
+                          <a:ea typeface="Helvetica" charset="0"/>
+                          <a:cs typeface="Helvetica" charset="0"/>
+                        </a:rPr>
+                        <a:t>Мастер </a:t>
+                      </a:r>
+                      <a:endParaRPr lang="ru-RU" sz="1800" b="0" i="0" u="none" strike="noStrike" dirty="0">
+                        <a:solidFill>
+                          <a:srgbClr val="000000"/>
+                        </a:solidFill>
+                        <a:effectLst/>
+                        <a:latin typeface="Helvetica" charset="0"/>
+                        <a:ea typeface="Helvetica" charset="0"/>
+                        <a:cs typeface="Helvetica" charset="0"/>
+                      </a:endParaRPr>
+                    </a:p>
+                  </a:txBody>
+                  <a:tcPr marL="6350" marR="6350" marT="6350" marB="0" anchor="ctr"/>
+                </a:tc>
+                <a:tc hMerge="1">
+                  <a:txBody>
+                    <a:bodyPr/>
+                    <a:lstStyle/>
+                    <a:p>
+                      <a:pPr algn="r" fontAlgn="b"/>
+                      <a:endParaRPr lang="ru-RU" sz="1800" b="0" i="0" u="none" strike="noStrike" dirty="0">
+                        <a:solidFill>
+                          <a:srgbClr val="000000"/>
+                        </a:solidFill>
+                        <a:effectLst/>
+                        <a:latin typeface="Helvetica" charset="0"/>
+                        <a:ea typeface="Helvetica" charset="0"/>
+                        <a:cs typeface="Helvetica" charset="0"/>
+                      </a:endParaRPr>
+                    </a:p>
+                  </a:txBody>
+                  <a:tcPr marL="6350" marR="6350" marT="6350" marB="0" anchor="ctr"/>
+                </a:tc>
+                <a:tc>
+                  <a:txBody>
+                    <a:bodyPr/>
+                    <a:lstStyle/>
+                    <a:p>
+                      <a:pPr algn="r" fontAlgn="b"/>
+                      <a:r>
+                        <a:rPr lang="ru-RU" sz="1800" u="none" strike="noStrike" dirty="0">
+                          <a:effectLst/>
+                          <a:latin typeface="Helvetica" charset="0"/>
+                          <a:ea typeface="Helvetica" charset="0"/>
+                          <a:cs typeface="Helvetica" charset="0"/>
+                        </a:rPr>
+                        <a:t>6</a:t>
+                      </a:r>
+                      <a:endParaRPr lang="ru-RU" sz="1800" b="0" i="0" u="none" strike="noStrike" dirty="0">
+                        <a:solidFill>
+                          <a:srgbClr val="000000"/>
+                        </a:solidFill>
+                        <a:effectLst/>
+                        <a:latin typeface="Helvetica" charset="0"/>
+                        <a:ea typeface="Helvetica" charset="0"/>
+                        <a:cs typeface="Helvetica" charset="0"/>
+                      </a:endParaRPr>
+                    </a:p>
+                  </a:txBody>
+                  <a:tcPr marL="6350" marR="6350" marT="6350" marB="0" anchor="ctr"/>
+                </a:tc>
+                <a:tc>
+                  <a:txBody>
+                    <a:bodyPr/>
+                    <a:lstStyle/>
+                    <a:p>
+                      <a:pPr algn="l" fontAlgn="b"/>
+                      <a:endParaRPr lang="ru-RU" sz="1800" b="0" i="0" u="none" strike="noStrike" dirty="0">
+                        <a:solidFill>
+                          <a:srgbClr val="000000"/>
+                        </a:solidFill>
+                        <a:effectLst/>
+                        <a:latin typeface="Helvetica" charset="0"/>
+                        <a:ea typeface="Helvetica" charset="0"/>
+                        <a:cs typeface="Helvetica" charset="0"/>
+                      </a:endParaRPr>
+                    </a:p>
+                  </a:txBody>
+                  <a:tcPr marL="6350" marR="6350" marT="6350" marB="0" anchor="ctr"/>
+                </a:tc>
+              </a:tr>
+              <a:tr h="432000">
+                <a:tc gridSpan="2">
+                  <a:txBody>
+                    <a:bodyPr/>
+                    <a:lstStyle/>
+                    <a:p>
+                      <a:pPr algn="l" fontAlgn="b"/>
+                      <a:r>
+                        <a:rPr lang="ru-RU" sz="1800" u="none" strike="noStrike">
+                          <a:effectLst/>
+                          <a:latin typeface="Helvetica" charset="0"/>
+                          <a:ea typeface="Helvetica" charset="0"/>
+                          <a:cs typeface="Helvetica" charset="0"/>
+                        </a:rPr>
+                        <a:t>Маргарита</a:t>
+                      </a:r>
+                      <a:endParaRPr lang="ru-RU" sz="1800" b="0" i="0" u="none" strike="noStrike">
+                        <a:solidFill>
+                          <a:srgbClr val="000000"/>
+                        </a:solidFill>
+                        <a:effectLst/>
+                        <a:latin typeface="Helvetica" charset="0"/>
+                        <a:ea typeface="Helvetica" charset="0"/>
+                        <a:cs typeface="Helvetica" charset="0"/>
+                      </a:endParaRPr>
+                    </a:p>
+                  </a:txBody>
+                  <a:tcPr marL="6350" marR="6350" marT="6350" marB="0" anchor="ctr"/>
+                </a:tc>
+                <a:tc hMerge="1">
+                  <a:txBody>
+                    <a:bodyPr/>
+                    <a:lstStyle/>
+                    <a:p>
+                      <a:pPr algn="r" fontAlgn="b"/>
+                      <a:endParaRPr lang="ru-RU" sz="1800" b="0" i="0" u="none" strike="noStrike">
+                        <a:solidFill>
+                          <a:srgbClr val="000000"/>
+                        </a:solidFill>
+                        <a:effectLst/>
+                        <a:latin typeface="Helvetica" charset="0"/>
+                        <a:ea typeface="Helvetica" charset="0"/>
+                        <a:cs typeface="Helvetica" charset="0"/>
+                      </a:endParaRPr>
+                    </a:p>
+                  </a:txBody>
+                  <a:tcPr marL="6350" marR="6350" marT="6350" marB="0" anchor="ctr"/>
+                </a:tc>
+                <a:tc>
+                  <a:txBody>
+                    <a:bodyPr/>
+                    <a:lstStyle/>
+                    <a:p>
+                      <a:pPr algn="r" fontAlgn="b"/>
+                      <a:r>
+                        <a:rPr lang="ru-RU" sz="1800" u="none" strike="noStrike">
+                          <a:effectLst/>
+                          <a:latin typeface="Helvetica" charset="0"/>
+                          <a:ea typeface="Helvetica" charset="0"/>
+                          <a:cs typeface="Helvetica" charset="0"/>
+                        </a:rPr>
+                        <a:t>3</a:t>
+                      </a:r>
+                      <a:endParaRPr lang="ru-RU" sz="1800" b="0" i="0" u="none" strike="noStrike">
+                        <a:solidFill>
+                          <a:srgbClr val="000000"/>
+                        </a:solidFill>
+                        <a:effectLst/>
+                        <a:latin typeface="Helvetica" charset="0"/>
+                        <a:ea typeface="Helvetica" charset="0"/>
+                        <a:cs typeface="Helvetica" charset="0"/>
+                      </a:endParaRPr>
+                    </a:p>
+                  </a:txBody>
+                  <a:tcPr marL="6350" marR="6350" marT="6350" marB="0" anchor="ctr"/>
+                </a:tc>
+                <a:tc>
+                  <a:txBody>
+                    <a:bodyPr/>
+                    <a:lstStyle/>
+                    <a:p>
+                      <a:pPr algn="l" fontAlgn="b"/>
+                      <a:r>
+                        <a:rPr lang="sk-SK" sz="1800" u="none" strike="noStrike" dirty="0">
+                          <a:effectLst/>
+                          <a:latin typeface="Helvetica" charset="0"/>
+                          <a:ea typeface="Helvetica" charset="0"/>
+                          <a:cs typeface="Helvetica" charset="0"/>
+                        </a:rPr>
+                        <a:t> </a:t>
+                      </a:r>
+                      <a:endParaRPr lang="sk-SK" sz="1800" b="0" i="0" u="none" strike="noStrike" dirty="0">
+                        <a:solidFill>
+                          <a:srgbClr val="000000"/>
+                        </a:solidFill>
+                        <a:effectLst/>
+                        <a:latin typeface="Helvetica" charset="0"/>
+                        <a:ea typeface="Helvetica" charset="0"/>
+                        <a:cs typeface="Helvetica" charset="0"/>
+                      </a:endParaRPr>
+                    </a:p>
+                  </a:txBody>
+                  <a:tcPr marL="6350" marR="6350" marT="6350" marB="0" anchor="ctr"/>
+                </a:tc>
+              </a:tr>
+              <a:tr h="432000">
+                <a:tc gridSpan="2">
+                  <a:txBody>
+                    <a:bodyPr/>
+                    <a:lstStyle/>
+                    <a:p>
+                      <a:pPr algn="l" fontAlgn="b"/>
+                      <a:r>
+                        <a:rPr lang="ru-RU" sz="1800" u="none" strike="noStrike" dirty="0">
+                          <a:effectLst/>
+                          <a:latin typeface="Helvetica" charset="0"/>
+                          <a:ea typeface="Helvetica" charset="0"/>
+                          <a:cs typeface="Helvetica" charset="0"/>
+                        </a:rPr>
+                        <a:t>Безличное</a:t>
+                      </a:r>
+                      <a:endParaRPr lang="ru-RU" sz="1800" b="0" i="0" u="none" strike="noStrike" dirty="0">
+                        <a:solidFill>
+                          <a:srgbClr val="000000"/>
+                        </a:solidFill>
+                        <a:effectLst/>
+                        <a:latin typeface="Helvetica" charset="0"/>
+                        <a:ea typeface="Helvetica" charset="0"/>
+                        <a:cs typeface="Helvetica" charset="0"/>
+                      </a:endParaRPr>
+                    </a:p>
+                  </a:txBody>
+                  <a:tcPr marL="6350" marR="6350" marT="6350" marB="0" anchor="ctr"/>
+                </a:tc>
+                <a:tc hMerge="1">
+                  <a:txBody>
+                    <a:bodyPr/>
+                    <a:lstStyle/>
+                    <a:p>
+                      <a:pPr algn="r" fontAlgn="b"/>
+                      <a:endParaRPr lang="ru-RU" sz="1800" b="0" i="0" u="none" strike="noStrike">
+                        <a:solidFill>
+                          <a:srgbClr val="000000"/>
+                        </a:solidFill>
+                        <a:effectLst/>
+                        <a:latin typeface="Helvetica" charset="0"/>
+                        <a:ea typeface="Helvetica" charset="0"/>
+                        <a:cs typeface="Helvetica" charset="0"/>
+                      </a:endParaRPr>
+                    </a:p>
+                  </a:txBody>
+                  <a:tcPr marL="6350" marR="6350" marT="6350" marB="0" anchor="ctr"/>
+                </a:tc>
+                <a:tc>
+                  <a:txBody>
+                    <a:bodyPr/>
+                    <a:lstStyle/>
+                    <a:p>
+                      <a:pPr algn="r" fontAlgn="b"/>
+                      <a:r>
+                        <a:rPr lang="ru-RU" sz="1800" u="none" strike="noStrike">
+                          <a:effectLst/>
+                          <a:latin typeface="Helvetica" charset="0"/>
+                          <a:ea typeface="Helvetica" charset="0"/>
+                          <a:cs typeface="Helvetica" charset="0"/>
+                        </a:rPr>
+                        <a:t>3</a:t>
+                      </a:r>
+                      <a:endParaRPr lang="ru-RU" sz="1800" b="0" i="0" u="none" strike="noStrike">
+                        <a:solidFill>
+                          <a:srgbClr val="000000"/>
+                        </a:solidFill>
+                        <a:effectLst/>
+                        <a:latin typeface="Helvetica" charset="0"/>
+                        <a:ea typeface="Helvetica" charset="0"/>
+                        <a:cs typeface="Helvetica" charset="0"/>
+                      </a:endParaRPr>
+                    </a:p>
+                  </a:txBody>
+                  <a:tcPr marL="6350" marR="6350" marT="6350" marB="0" anchor="ctr"/>
+                </a:tc>
+                <a:tc>
+                  <a:txBody>
+                    <a:bodyPr/>
+                    <a:lstStyle/>
+                    <a:p>
+                      <a:pPr algn="l" fontAlgn="b"/>
+                      <a:endParaRPr lang="ru-RU" sz="1800" b="0" i="0" u="none" strike="noStrike" dirty="0">
+                        <a:solidFill>
+                          <a:srgbClr val="000000"/>
+                        </a:solidFill>
+                        <a:effectLst/>
+                        <a:latin typeface="Helvetica" charset="0"/>
+                        <a:ea typeface="Helvetica" charset="0"/>
+                        <a:cs typeface="Helvetica" charset="0"/>
+                      </a:endParaRPr>
+                    </a:p>
+                  </a:txBody>
+                  <a:tcPr marL="6350" marR="6350" marT="6350" marB="0" anchor="ctr"/>
+                </a:tc>
+              </a:tr>
+              <a:tr h="432000">
+                <a:tc gridSpan="2">
+                  <a:txBody>
+                    <a:bodyPr/>
+                    <a:lstStyle/>
+                    <a:p>
+                      <a:pPr algn="l" fontAlgn="b"/>
+                      <a:r>
+                        <a:rPr lang="ru-RU" sz="1800" u="none" strike="noStrike" dirty="0" err="1">
+                          <a:effectLst/>
+                          <a:latin typeface="Helvetica" charset="0"/>
+                          <a:ea typeface="Helvetica" charset="0"/>
+                          <a:cs typeface="Helvetica" charset="0"/>
+                        </a:rPr>
+                        <a:t>Коровьев</a:t>
+                      </a:r>
+                      <a:endParaRPr lang="ru-RU" sz="1800" b="0" i="0" u="none" strike="noStrike" dirty="0">
+                        <a:solidFill>
+                          <a:srgbClr val="000000"/>
+                        </a:solidFill>
+                        <a:effectLst/>
+                        <a:latin typeface="Helvetica" charset="0"/>
+                        <a:ea typeface="Helvetica" charset="0"/>
+                        <a:cs typeface="Helvetica" charset="0"/>
+                      </a:endParaRPr>
+                    </a:p>
+                  </a:txBody>
+                  <a:tcPr marL="6350" marR="6350" marT="6350" marB="0" anchor="ctr"/>
+                </a:tc>
+                <a:tc hMerge="1">
+                  <a:txBody>
+                    <a:bodyPr/>
+                    <a:lstStyle/>
+                    <a:p>
+                      <a:pPr algn="r" fontAlgn="b"/>
+                      <a:endParaRPr lang="ru-RU" sz="1800" b="0" i="0" u="none" strike="noStrike">
+                        <a:solidFill>
+                          <a:srgbClr val="000000"/>
+                        </a:solidFill>
+                        <a:effectLst/>
+                        <a:latin typeface="Helvetica" charset="0"/>
+                        <a:ea typeface="Helvetica" charset="0"/>
+                        <a:cs typeface="Helvetica" charset="0"/>
+                      </a:endParaRPr>
+                    </a:p>
+                  </a:txBody>
+                  <a:tcPr marL="6350" marR="6350" marT="6350" marB="0" anchor="ctr"/>
+                </a:tc>
+                <a:tc>
+                  <a:txBody>
+                    <a:bodyPr/>
+                    <a:lstStyle/>
+                    <a:p>
+                      <a:pPr algn="r" fontAlgn="b"/>
+                      <a:r>
+                        <a:rPr lang="ru-RU" sz="1800" u="none" strike="noStrike">
+                          <a:effectLst/>
+                          <a:latin typeface="Helvetica" charset="0"/>
+                          <a:ea typeface="Helvetica" charset="0"/>
+                          <a:cs typeface="Helvetica" charset="0"/>
+                        </a:rPr>
+                        <a:t>1</a:t>
+                      </a:r>
+                      <a:endParaRPr lang="ru-RU" sz="1800" b="0" i="0" u="none" strike="noStrike">
+                        <a:solidFill>
+                          <a:srgbClr val="000000"/>
+                        </a:solidFill>
+                        <a:effectLst/>
+                        <a:latin typeface="Helvetica" charset="0"/>
+                        <a:ea typeface="Helvetica" charset="0"/>
+                        <a:cs typeface="Helvetica" charset="0"/>
+                      </a:endParaRPr>
+                    </a:p>
+                  </a:txBody>
+                  <a:tcPr marL="6350" marR="6350" marT="6350" marB="0" anchor="ctr"/>
+                </a:tc>
+                <a:tc>
+                  <a:txBody>
+                    <a:bodyPr/>
+                    <a:lstStyle/>
+                    <a:p>
+                      <a:pPr algn="r" fontAlgn="b"/>
+                      <a:r>
+                        <a:rPr lang="ru-RU" sz="1800" u="none" strike="noStrike" dirty="0">
+                          <a:effectLst/>
+                          <a:latin typeface="Helvetica" charset="0"/>
+                          <a:ea typeface="Helvetica" charset="0"/>
+                          <a:cs typeface="Helvetica" charset="0"/>
+                        </a:rPr>
+                        <a:t>1</a:t>
+                      </a:r>
+                      <a:endParaRPr lang="ru-RU" sz="1800" b="0" i="0" u="none" strike="noStrike" dirty="0">
+                        <a:solidFill>
+                          <a:srgbClr val="000000"/>
+                        </a:solidFill>
+                        <a:effectLst/>
+                        <a:latin typeface="Helvetica" charset="0"/>
+                        <a:ea typeface="Helvetica" charset="0"/>
+                        <a:cs typeface="Helvetica" charset="0"/>
+                      </a:endParaRPr>
+                    </a:p>
+                  </a:txBody>
+                  <a:tcPr marL="6350" marR="6350" marT="6350" marB="0" anchor="ctr"/>
+                </a:tc>
+              </a:tr>
+              <a:tr h="432000">
+                <a:tc gridSpan="2">
+                  <a:txBody>
+                    <a:bodyPr/>
+                    <a:lstStyle/>
+                    <a:p>
+                      <a:pPr algn="l" fontAlgn="b"/>
+                      <a:r>
+                        <a:rPr lang="ru-RU" sz="1800" u="none" strike="noStrike" dirty="0">
+                          <a:effectLst/>
+                          <a:latin typeface="Helvetica" charset="0"/>
+                          <a:ea typeface="Helvetica" charset="0"/>
+                          <a:cs typeface="Helvetica" charset="0"/>
+                        </a:rPr>
+                        <a:t>Понтий Пилат</a:t>
+                      </a:r>
+                      <a:endParaRPr lang="ru-RU" sz="1800" b="0" i="0" u="none" strike="noStrike" dirty="0">
+                        <a:solidFill>
+                          <a:srgbClr val="000000"/>
+                        </a:solidFill>
+                        <a:effectLst/>
+                        <a:latin typeface="Helvetica" charset="0"/>
+                        <a:ea typeface="Helvetica" charset="0"/>
+                        <a:cs typeface="Helvetica" charset="0"/>
+                      </a:endParaRPr>
+                    </a:p>
+                  </a:txBody>
+                  <a:tcPr marL="6350" marR="6350" marT="6350" marB="0" anchor="ctr"/>
+                </a:tc>
+                <a:tc hMerge="1">
+                  <a:txBody>
+                    <a:bodyPr/>
+                    <a:lstStyle/>
+                    <a:p>
+                      <a:pPr algn="r" fontAlgn="b"/>
+                      <a:endParaRPr lang="ru-RU" sz="1800" b="0" i="0" u="none" strike="noStrike" dirty="0">
+                        <a:solidFill>
+                          <a:srgbClr val="000000"/>
+                        </a:solidFill>
+                        <a:effectLst/>
+                        <a:latin typeface="Helvetica" charset="0"/>
+                        <a:ea typeface="Helvetica" charset="0"/>
+                        <a:cs typeface="Helvetica" charset="0"/>
+                      </a:endParaRPr>
+                    </a:p>
+                  </a:txBody>
+                  <a:tcPr marL="6350" marR="6350" marT="6350" marB="0" anchor="ctr"/>
+                </a:tc>
+                <a:tc>
+                  <a:txBody>
+                    <a:bodyPr/>
+                    <a:lstStyle/>
+                    <a:p>
+                      <a:pPr algn="r" fontAlgn="b"/>
+                      <a:r>
+                        <a:rPr lang="ru-RU" sz="1800" u="none" strike="noStrike" dirty="0">
+                          <a:effectLst/>
+                          <a:latin typeface="Helvetica" charset="0"/>
+                          <a:ea typeface="Helvetica" charset="0"/>
+                          <a:cs typeface="Helvetica" charset="0"/>
+                        </a:rPr>
+                        <a:t>5</a:t>
+                      </a:r>
+                      <a:endParaRPr lang="ru-RU" sz="1800" b="0" i="0" u="none" strike="noStrike" dirty="0">
+                        <a:solidFill>
+                          <a:srgbClr val="000000"/>
+                        </a:solidFill>
+                        <a:effectLst/>
+                        <a:latin typeface="Helvetica" charset="0"/>
+                        <a:ea typeface="Helvetica" charset="0"/>
+                        <a:cs typeface="Helvetica" charset="0"/>
+                      </a:endParaRPr>
+                    </a:p>
+                  </a:txBody>
+                  <a:tcPr marL="6350" marR="6350" marT="6350" marB="0" anchor="ctr"/>
+                </a:tc>
+                <a:tc>
+                  <a:txBody>
+                    <a:bodyPr/>
+                    <a:lstStyle/>
+                    <a:p>
+                      <a:pPr algn="l" fontAlgn="b"/>
+                      <a:endParaRPr lang="ru-RU" sz="1800" b="0" i="0" u="none" strike="noStrike" dirty="0">
+                        <a:solidFill>
+                          <a:srgbClr val="000000"/>
+                        </a:solidFill>
+                        <a:effectLst/>
+                        <a:latin typeface="Helvetica" charset="0"/>
+                        <a:ea typeface="Helvetica" charset="0"/>
+                        <a:cs typeface="Helvetica" charset="0"/>
+                      </a:endParaRPr>
+                    </a:p>
+                  </a:txBody>
+                  <a:tcPr marL="6350" marR="6350" marT="6350" marB="0" anchor="ctr"/>
+                </a:tc>
+              </a:tr>
+              <a:tr h="432000">
+                <a:tc gridSpan="2">
+                  <a:txBody>
+                    <a:bodyPr/>
+                    <a:lstStyle/>
+                    <a:p>
+                      <a:pPr algn="l" fontAlgn="b"/>
+                      <a:r>
+                        <a:rPr lang="ru-RU" sz="1800" u="none" strike="noStrike" dirty="0">
+                          <a:effectLst/>
+                          <a:latin typeface="Helvetica" charset="0"/>
+                          <a:ea typeface="Helvetica" charset="0"/>
+                          <a:cs typeface="Helvetica" charset="0"/>
+                        </a:rPr>
+                        <a:t>Гость Пилата</a:t>
+                      </a:r>
+                      <a:endParaRPr lang="ru-RU" sz="1800" b="0" i="0" u="none" strike="noStrike" dirty="0">
+                        <a:solidFill>
+                          <a:srgbClr val="000000"/>
+                        </a:solidFill>
+                        <a:effectLst/>
+                        <a:latin typeface="Helvetica" charset="0"/>
+                        <a:ea typeface="Helvetica" charset="0"/>
+                        <a:cs typeface="Helvetica" charset="0"/>
+                      </a:endParaRPr>
+                    </a:p>
+                  </a:txBody>
+                  <a:tcPr marL="6350" marR="6350" marT="6350" marB="0" anchor="ctr"/>
+                </a:tc>
+                <a:tc hMerge="1">
+                  <a:txBody>
+                    <a:bodyPr/>
+                    <a:lstStyle/>
+                    <a:p>
+                      <a:pPr algn="r" fontAlgn="b"/>
+                      <a:endParaRPr lang="ru-RU" sz="1800" b="0" i="0" u="none" strike="noStrike">
+                        <a:solidFill>
+                          <a:srgbClr val="000000"/>
+                        </a:solidFill>
+                        <a:effectLst/>
+                        <a:latin typeface="Helvetica" charset="0"/>
+                        <a:ea typeface="Helvetica" charset="0"/>
+                        <a:cs typeface="Helvetica" charset="0"/>
+                      </a:endParaRPr>
+                    </a:p>
+                  </a:txBody>
+                  <a:tcPr marL="6350" marR="6350" marT="6350" marB="0" anchor="ctr"/>
+                </a:tc>
+                <a:tc>
+                  <a:txBody>
+                    <a:bodyPr/>
+                    <a:lstStyle/>
+                    <a:p>
+                      <a:pPr algn="r" fontAlgn="b"/>
+                      <a:r>
+                        <a:rPr lang="ru-RU" sz="1800" u="none" strike="noStrike">
+                          <a:effectLst/>
+                          <a:latin typeface="Helvetica" charset="0"/>
+                          <a:ea typeface="Helvetica" charset="0"/>
+                          <a:cs typeface="Helvetica" charset="0"/>
+                        </a:rPr>
+                        <a:t>3</a:t>
+                      </a:r>
+                      <a:endParaRPr lang="ru-RU" sz="1800" b="0" i="0" u="none" strike="noStrike">
+                        <a:solidFill>
+                          <a:srgbClr val="000000"/>
+                        </a:solidFill>
+                        <a:effectLst/>
+                        <a:latin typeface="Helvetica" charset="0"/>
+                        <a:ea typeface="Helvetica" charset="0"/>
+                        <a:cs typeface="Helvetica" charset="0"/>
+                      </a:endParaRPr>
+                    </a:p>
+                  </a:txBody>
+                  <a:tcPr marL="6350" marR="6350" marT="6350" marB="0" anchor="ctr"/>
+                </a:tc>
+                <a:tc>
+                  <a:txBody>
+                    <a:bodyPr/>
+                    <a:lstStyle/>
+                    <a:p>
+                      <a:pPr algn="l" fontAlgn="b"/>
+                      <a:r>
+                        <a:rPr lang="sk-SK" sz="1800" u="none" strike="noStrike" dirty="0">
+                          <a:effectLst/>
+                          <a:latin typeface="Helvetica" charset="0"/>
+                          <a:ea typeface="Helvetica" charset="0"/>
+                          <a:cs typeface="Helvetica" charset="0"/>
+                        </a:rPr>
+                        <a:t> </a:t>
+                      </a:r>
+                      <a:endParaRPr lang="sk-SK" sz="1800" b="0" i="0" u="none" strike="noStrike" dirty="0">
+                        <a:solidFill>
+                          <a:srgbClr val="000000"/>
+                        </a:solidFill>
+                        <a:effectLst/>
+                        <a:latin typeface="Helvetica" charset="0"/>
+                        <a:ea typeface="Helvetica" charset="0"/>
+                        <a:cs typeface="Helvetica" charset="0"/>
+                      </a:endParaRPr>
+                    </a:p>
+                  </a:txBody>
+                  <a:tcPr marL="6350" marR="6350" marT="6350" marB="0" anchor="ctr"/>
+                </a:tc>
+              </a:tr>
+              <a:tr h="432000">
+                <a:tc gridSpan="2">
+                  <a:txBody>
+                    <a:bodyPr/>
+                    <a:lstStyle/>
+                    <a:p>
+                      <a:pPr algn="l" fontAlgn="b"/>
+                      <a:r>
+                        <a:rPr lang="ru-RU" sz="1800" u="none" strike="noStrike" dirty="0" err="1">
+                          <a:effectLst/>
+                          <a:latin typeface="Helvetica" charset="0"/>
+                          <a:ea typeface="Helvetica" charset="0"/>
+                          <a:cs typeface="Helvetica" charset="0"/>
+                        </a:rPr>
+                        <a:t>Рюхин</a:t>
+                      </a:r>
+                      <a:endParaRPr lang="ru-RU" sz="1800" b="0" i="0" u="none" strike="noStrike" dirty="0">
+                        <a:solidFill>
+                          <a:srgbClr val="000000"/>
+                        </a:solidFill>
+                        <a:effectLst/>
+                        <a:latin typeface="Helvetica" charset="0"/>
+                        <a:ea typeface="Helvetica" charset="0"/>
+                        <a:cs typeface="Helvetica" charset="0"/>
+                      </a:endParaRPr>
+                    </a:p>
+                  </a:txBody>
+                  <a:tcPr marL="6350" marR="6350" marT="6350" marB="0" anchor="ctr"/>
+                </a:tc>
+                <a:tc hMerge="1">
+                  <a:txBody>
+                    <a:bodyPr/>
+                    <a:lstStyle/>
+                    <a:p>
+                      <a:pPr algn="l" fontAlgn="b"/>
+                      <a:endParaRPr lang="ru-RU" sz="1800" b="0" i="0" u="none" strike="noStrike">
+                        <a:solidFill>
+                          <a:srgbClr val="000000"/>
+                        </a:solidFill>
+                        <a:effectLst/>
+                        <a:latin typeface="Helvetica" charset="0"/>
+                        <a:ea typeface="Helvetica" charset="0"/>
+                        <a:cs typeface="Helvetica" charset="0"/>
+                      </a:endParaRPr>
+                    </a:p>
+                  </a:txBody>
+                  <a:tcPr marL="6350" marR="6350" marT="6350" marB="0" anchor="ctr"/>
+                </a:tc>
+                <a:tc>
+                  <a:txBody>
+                    <a:bodyPr/>
+                    <a:lstStyle/>
+                    <a:p>
+                      <a:endParaRPr lang="ru-RU"/>
+                    </a:p>
+                  </a:txBody>
+                  <a:tcPr marL="6350" marR="6350" marT="6350" marB="0" anchor="ctr"/>
+                </a:tc>
+                <a:tc>
+                  <a:txBody>
+                    <a:bodyPr/>
+                    <a:lstStyle/>
+                    <a:p>
+                      <a:pPr algn="r" fontAlgn="b"/>
+                      <a:r>
+                        <a:rPr lang="ru-RU" sz="1800" u="none" strike="noStrike" dirty="0">
+                          <a:effectLst/>
+                          <a:latin typeface="Helvetica" charset="0"/>
+                          <a:ea typeface="Helvetica" charset="0"/>
+                          <a:cs typeface="Helvetica" charset="0"/>
+                        </a:rPr>
+                        <a:t>1</a:t>
+                      </a:r>
+                      <a:endParaRPr lang="ru-RU" sz="1800" b="0" i="0" u="none" strike="noStrike" dirty="0">
+                        <a:solidFill>
+                          <a:srgbClr val="000000"/>
+                        </a:solidFill>
+                        <a:effectLst/>
+                        <a:latin typeface="Helvetica" charset="0"/>
+                        <a:ea typeface="Helvetica" charset="0"/>
+                        <a:cs typeface="Helvetica" charset="0"/>
+                      </a:endParaRPr>
+                    </a:p>
+                  </a:txBody>
+                  <a:tcPr marL="6350" marR="6350" marT="6350" marB="0" anchor="ctr"/>
+                </a:tc>
+              </a:tr>
+              <a:tr h="432000">
+                <a:tc gridSpan="2">
+                  <a:txBody>
+                    <a:bodyPr/>
+                    <a:lstStyle/>
+                    <a:p>
+                      <a:pPr algn="l" fontAlgn="b"/>
+                      <a:r>
+                        <a:rPr lang="ru-RU" sz="1800" u="none" strike="noStrike" dirty="0">
+                          <a:effectLst/>
+                          <a:latin typeface="Helvetica" charset="0"/>
+                          <a:ea typeface="Helvetica" charset="0"/>
+                          <a:cs typeface="Helvetica" charset="0"/>
+                        </a:rPr>
+                        <a:t>Буфетчик</a:t>
+                      </a:r>
+                      <a:endParaRPr lang="ru-RU" sz="1800" b="0" i="0" u="none" strike="noStrike" dirty="0">
+                        <a:solidFill>
+                          <a:srgbClr val="000000"/>
+                        </a:solidFill>
+                        <a:effectLst/>
+                        <a:latin typeface="Helvetica" charset="0"/>
+                        <a:ea typeface="Helvetica" charset="0"/>
+                        <a:cs typeface="Helvetica" charset="0"/>
+                      </a:endParaRPr>
+                    </a:p>
+                  </a:txBody>
+                  <a:tcPr marL="6350" marR="6350" marT="6350" marB="0" anchor="ctr"/>
+                </a:tc>
+                <a:tc hMerge="1">
+                  <a:txBody>
+                    <a:bodyPr/>
+                    <a:lstStyle/>
+                    <a:p>
+                      <a:pPr algn="r" fontAlgn="b"/>
+                      <a:endParaRPr lang="ru-RU" sz="1800" b="0" i="0" u="none" strike="noStrike">
+                        <a:solidFill>
+                          <a:srgbClr val="000000"/>
+                        </a:solidFill>
+                        <a:effectLst/>
+                        <a:latin typeface="Helvetica" charset="0"/>
+                        <a:ea typeface="Helvetica" charset="0"/>
+                        <a:cs typeface="Helvetica" charset="0"/>
+                      </a:endParaRPr>
+                    </a:p>
+                  </a:txBody>
+                  <a:tcPr marL="6350" marR="6350" marT="6350" marB="0" anchor="ctr"/>
+                </a:tc>
+                <a:tc>
+                  <a:txBody>
+                    <a:bodyPr/>
+                    <a:lstStyle/>
+                    <a:p>
+                      <a:pPr algn="r" fontAlgn="b"/>
+                      <a:r>
+                        <a:rPr lang="ru-RU" sz="1800" u="none" strike="noStrike">
+                          <a:effectLst/>
+                          <a:latin typeface="Helvetica" charset="0"/>
+                          <a:ea typeface="Helvetica" charset="0"/>
+                          <a:cs typeface="Helvetica" charset="0"/>
+                        </a:rPr>
+                        <a:t>1</a:t>
+                      </a:r>
+                      <a:endParaRPr lang="ru-RU" sz="1800" b="0" i="0" u="none" strike="noStrike">
+                        <a:solidFill>
+                          <a:srgbClr val="000000"/>
+                        </a:solidFill>
+                        <a:effectLst/>
+                        <a:latin typeface="Helvetica" charset="0"/>
+                        <a:ea typeface="Helvetica" charset="0"/>
+                        <a:cs typeface="Helvetica" charset="0"/>
+                      </a:endParaRPr>
+                    </a:p>
+                  </a:txBody>
+                  <a:tcPr marL="6350" marR="6350" marT="6350" marB="0" anchor="ctr"/>
+                </a:tc>
+                <a:tc>
+                  <a:txBody>
+                    <a:bodyPr/>
+                    <a:lstStyle/>
+                    <a:p>
+                      <a:pPr algn="l" fontAlgn="b"/>
+                      <a:r>
+                        <a:rPr lang="sk-SK" sz="1800" u="none" strike="noStrike" dirty="0">
+                          <a:effectLst/>
+                          <a:latin typeface="Helvetica" charset="0"/>
+                          <a:ea typeface="Helvetica" charset="0"/>
+                          <a:cs typeface="Helvetica" charset="0"/>
+                        </a:rPr>
+                        <a:t> </a:t>
+                      </a:r>
+                      <a:endParaRPr lang="sk-SK" sz="1800" b="0" i="0" u="none" strike="noStrike" dirty="0">
+                        <a:solidFill>
+                          <a:srgbClr val="000000"/>
+                        </a:solidFill>
+                        <a:effectLst/>
+                        <a:latin typeface="Helvetica" charset="0"/>
+                        <a:ea typeface="Helvetica" charset="0"/>
+                        <a:cs typeface="Helvetica" charset="0"/>
+                      </a:endParaRPr>
+                    </a:p>
+                  </a:txBody>
+                  <a:tcPr marL="6350" marR="6350" marT="6350" marB="0" anchor="ctr"/>
+                </a:tc>
+              </a:tr>
+              <a:tr h="432000">
+                <a:tc gridSpan="2">
+                  <a:txBody>
+                    <a:bodyPr/>
+                    <a:lstStyle/>
+                    <a:p>
+                      <a:pPr algn="l" fontAlgn="b"/>
+                      <a:r>
+                        <a:rPr lang="ru-RU" sz="1800" u="none" strike="noStrike" dirty="0">
+                          <a:effectLst/>
+                          <a:latin typeface="Helvetica" charset="0"/>
+                          <a:ea typeface="Helvetica" charset="0"/>
+                          <a:cs typeface="Helvetica" charset="0"/>
+                        </a:rPr>
+                        <a:t>Азазелло</a:t>
+                      </a:r>
+                      <a:endParaRPr lang="ru-RU" sz="1800" b="0" i="0" u="none" strike="noStrike" dirty="0">
+                        <a:solidFill>
+                          <a:srgbClr val="000000"/>
+                        </a:solidFill>
+                        <a:effectLst/>
+                        <a:latin typeface="Helvetica" charset="0"/>
+                        <a:ea typeface="Helvetica" charset="0"/>
+                        <a:cs typeface="Helvetica" charset="0"/>
+                      </a:endParaRPr>
+                    </a:p>
+                  </a:txBody>
+                  <a:tcPr marL="6350" marR="6350" marT="6350" marB="0" anchor="ctr"/>
+                </a:tc>
+                <a:tc hMerge="1">
+                  <a:txBody>
+                    <a:bodyPr/>
+                    <a:lstStyle/>
+                    <a:p>
+                      <a:pPr algn="r" fontAlgn="b"/>
+                      <a:endParaRPr lang="ru-RU" sz="1800" b="0" i="0" u="none" strike="noStrike" dirty="0">
+                        <a:solidFill>
+                          <a:srgbClr val="000000"/>
+                        </a:solidFill>
+                        <a:effectLst/>
+                        <a:latin typeface="Helvetica" charset="0"/>
+                        <a:ea typeface="Helvetica" charset="0"/>
+                        <a:cs typeface="Helvetica" charset="0"/>
+                      </a:endParaRPr>
+                    </a:p>
+                  </a:txBody>
+                  <a:tcPr marL="6350" marR="6350" marT="6350" marB="0" anchor="ctr"/>
+                </a:tc>
+                <a:tc>
+                  <a:txBody>
+                    <a:bodyPr/>
+                    <a:lstStyle/>
+                    <a:p>
+                      <a:pPr algn="r" fontAlgn="b"/>
+                      <a:r>
+                        <a:rPr lang="ru-RU" sz="1800" u="none" strike="noStrike" dirty="0">
+                          <a:effectLst/>
+                          <a:latin typeface="Helvetica" charset="0"/>
+                          <a:ea typeface="Helvetica" charset="0"/>
+                          <a:cs typeface="Helvetica" charset="0"/>
+                        </a:rPr>
+                        <a:t>1</a:t>
+                      </a:r>
+                      <a:endParaRPr lang="ru-RU" sz="1800" b="0" i="0" u="none" strike="noStrike" dirty="0">
+                        <a:solidFill>
+                          <a:srgbClr val="000000"/>
+                        </a:solidFill>
+                        <a:effectLst/>
+                        <a:latin typeface="Helvetica" charset="0"/>
+                        <a:ea typeface="Helvetica" charset="0"/>
+                        <a:cs typeface="Helvetica" charset="0"/>
+                      </a:endParaRPr>
+                    </a:p>
+                  </a:txBody>
+                  <a:tcPr marL="6350" marR="6350" marT="6350" marB="0" anchor="ctr"/>
+                </a:tc>
+                <a:tc>
+                  <a:txBody>
+                    <a:bodyPr/>
+                    <a:lstStyle/>
+                    <a:p>
+                      <a:pPr algn="l" fontAlgn="b"/>
+                      <a:r>
+                        <a:rPr lang="sk-SK" sz="1800" u="none" strike="noStrike" dirty="0">
+                          <a:effectLst/>
+                          <a:latin typeface="Helvetica" charset="0"/>
+                          <a:ea typeface="Helvetica" charset="0"/>
+                          <a:cs typeface="Helvetica" charset="0"/>
+                        </a:rPr>
+                        <a:t> </a:t>
+                      </a:r>
+                      <a:endParaRPr lang="sk-SK" sz="1800" b="0" i="0" u="none" strike="noStrike" dirty="0">
+                        <a:solidFill>
+                          <a:srgbClr val="000000"/>
+                        </a:solidFill>
+                        <a:effectLst/>
+                        <a:latin typeface="Helvetica" charset="0"/>
+                        <a:ea typeface="Helvetica" charset="0"/>
+                        <a:cs typeface="Helvetica" charset="0"/>
+                      </a:endParaRPr>
+                    </a:p>
+                  </a:txBody>
+                  <a:tcPr marL="6350" marR="6350" marT="6350" marB="0" anchor="ctr"/>
+                </a:tc>
+              </a:tr>
+            </a:tbl>
+          </a:graphicData>
+        </a:graphic>
+      </p:graphicFrame>
+    </p:spTree>
+    <p:extLst>
+      <p:ext uri="{BB962C8B-B14F-4D97-AF65-F5344CB8AC3E}">
+        <p14:creationId xmlns:p14="http://schemas.microsoft.com/office/powerpoint/2010/main" val="481489421"/>
+      </p:ext>
+    </p:extLst>
+  </p:cSld>
+  <p:clrMapOvr>
+    <a:masterClrMapping/>
+  </p:clrMapOvr>
+</p:sld>
+</file>
+
+<file path=ppt/slides/slide15.xml><?xml version="1.0" encoding="utf-8"?>
+<p:sld xmlns:a="http://schemas.openxmlformats.org/drawingml/2006/main" xmlns:r="http://schemas.openxmlformats.org/officeDocument/2006/relationships" xmlns:p="http://schemas.openxmlformats.org/presentationml/2006/main">
+  <p:cSld>
+    <p:spTree>
+      <p:nvGrpSpPr>
+        <p:cNvPr id="1" name=""/>
+        <p:cNvGrpSpPr/>
+        <p:nvPr/>
+      </p:nvGrpSpPr>
+      <p:grpSpPr>
+        <a:xfrm>
+          <a:off x="0" y="0"/>
+          <a:ext cx="0" cy="0"/>
+          <a:chOff x="0" y="0"/>
+          <a:chExt cx="0" cy="0"/>
+        </a:xfrm>
+      </p:grpSpPr>
+      <p:sp>
+        <p:nvSpPr>
+          <p:cNvPr id="2" name="Заголовок 1"/>
+          <p:cNvSpPr>
+            <a:spLocks noGrp="1"/>
+          </p:cNvSpPr>
+          <p:nvPr>
+            <p:ph type="title"/>
+          </p:nvPr>
+        </p:nvSpPr>
+        <p:spPr>
+          <a:xfrm>
+            <a:off x="810493" y="2554143"/>
+            <a:ext cx="10515600" cy="1325563"/>
+          </a:xfrm>
+        </p:spPr>
+        <p:txBody>
+          <a:bodyPr/>
+          <a:lstStyle/>
+          <a:p>
+            <a:pPr algn="ctr"/>
+            <a:r>
+              <a:rPr lang="ru-RU" dirty="0" smtClean="0">
+                <a:latin typeface="Helvetica" charset="0"/>
+                <a:ea typeface="Helvetica" charset="0"/>
+                <a:cs typeface="Helvetica" charset="0"/>
+              </a:rPr>
+              <a:t>В других текстах</a:t>
+            </a:r>
+            <a:endParaRPr lang="ru-RU" dirty="0">
+              <a:latin typeface="Helvetica" charset="0"/>
+              <a:ea typeface="Helvetica" charset="0"/>
+              <a:cs typeface="Helvetica" charset="0"/>
+            </a:endParaRPr>
+          </a:p>
+        </p:txBody>
+      </p:sp>
+    </p:spTree>
+    <p:extLst>
+      <p:ext uri="{BB962C8B-B14F-4D97-AF65-F5344CB8AC3E}">
+        <p14:creationId xmlns:p14="http://schemas.microsoft.com/office/powerpoint/2010/main" val="1752808397"/>
+      </p:ext>
+    </p:extLst>
+  </p:cSld>
+  <p:clrMapOvr>
+    <a:masterClrMapping/>
+  </p:clrMapOvr>
+</p:sld>
+</file>
+
+<file path=ppt/slides/slide16.xml><?xml version="1.0" encoding="utf-8"?>
+<p:sld xmlns:a="http://schemas.openxmlformats.org/drawingml/2006/main" xmlns:r="http://schemas.openxmlformats.org/officeDocument/2006/relationships" xmlns:p="http://schemas.openxmlformats.org/presentationml/2006/main">
+  <p:cSld>
+    <p:spTree>
+      <p:nvGrpSpPr>
+        <p:cNvPr id="1" name=""/>
+        <p:cNvGrpSpPr/>
+        <p:nvPr/>
+      </p:nvGrpSpPr>
+      <p:grpSpPr>
+        <a:xfrm>
+          <a:off x="0" y="0"/>
+          <a:ext cx="0" cy="0"/>
+          <a:chOff x="0" y="0"/>
+          <a:chExt cx="0" cy="0"/>
+        </a:xfrm>
+      </p:grpSpPr>
+      <p:sp>
+        <p:nvSpPr>
+          <p:cNvPr id="2" name="Заголовок 1"/>
+          <p:cNvSpPr>
+            <a:spLocks noGrp="1"/>
+          </p:cNvSpPr>
+          <p:nvPr>
+            <p:ph type="title"/>
+          </p:nvPr>
+        </p:nvSpPr>
+        <p:spPr/>
+        <p:txBody>
+          <a:bodyPr>
+            <a:normAutofit/>
+          </a:bodyPr>
+          <a:lstStyle/>
+          <a:p>
+            <a:pPr algn="ctr"/>
+            <a:r>
+              <a:rPr lang="ru-RU" sz="3600" dirty="0" smtClean="0">
+                <a:latin typeface="Helvetica" charset="0"/>
+                <a:ea typeface="Helvetica" charset="0"/>
+                <a:cs typeface="Helvetica" charset="0"/>
+              </a:rPr>
+              <a:t>Анна Каренина: история угасающего смеха</a:t>
+            </a:r>
+            <a:endParaRPr lang="ru-RU" sz="3600" dirty="0">
+              <a:latin typeface="Helvetica" charset="0"/>
+              <a:ea typeface="Helvetica" charset="0"/>
+              <a:cs typeface="Helvetica" charset="0"/>
+            </a:endParaRPr>
+          </a:p>
+        </p:txBody>
+      </p:sp>
+      <p:pic>
+        <p:nvPicPr>
+          <p:cNvPr id="4" name="Объект 3"/>
+          <p:cNvPicPr>
+            <a:picLocks noGrp="1" noChangeAspect="1"/>
+          </p:cNvPicPr>
+          <p:nvPr>
+            <p:ph idx="1"/>
+          </p:nvPr>
+        </p:nvPicPr>
+        <p:blipFill>
+          <a:blip r:embed="rId2"/>
+          <a:stretch>
+            <a:fillRect/>
+          </a:stretch>
+        </p:blipFill>
+        <p:spPr>
+          <a:xfrm>
+            <a:off x="1466850" y="1886744"/>
+            <a:ext cx="9258300" cy="4229100"/>
+          </a:xfrm>
+        </p:spPr>
+      </p:pic>
+    </p:spTree>
+    <p:extLst>
+      <p:ext uri="{BB962C8B-B14F-4D97-AF65-F5344CB8AC3E}">
+        <p14:creationId xmlns:p14="http://schemas.microsoft.com/office/powerpoint/2010/main" val="1230304359"/>
+      </p:ext>
+    </p:extLst>
+  </p:cSld>
+  <p:clrMapOvr>
+    <a:masterClrMapping/>
+  </p:clrMapOvr>
+</p:sld>
+</file>
+
+<file path=ppt/slides/slide17.xml><?xml version="1.0" encoding="utf-8"?>
+<p:sld xmlns:a="http://schemas.openxmlformats.org/drawingml/2006/main" xmlns:r="http://schemas.openxmlformats.org/officeDocument/2006/relationships" xmlns:p="http://schemas.openxmlformats.org/presentationml/2006/main">
+  <p:cSld>
+    <p:spTree>
+      <p:nvGrpSpPr>
+        <p:cNvPr id="1" name=""/>
+        <p:cNvGrpSpPr/>
+        <p:nvPr/>
+      </p:nvGrpSpPr>
+      <p:grpSpPr>
+        <a:xfrm>
+          <a:off x="0" y="0"/>
+          <a:ext cx="0" cy="0"/>
+          <a:chOff x="0" y="0"/>
+          <a:chExt cx="0" cy="0"/>
+        </a:xfrm>
+      </p:grpSpPr>
+      <p:sp>
+        <p:nvSpPr>
+          <p:cNvPr id="2" name="Заголовок 1"/>
+          <p:cNvSpPr>
+            <a:spLocks noGrp="1"/>
+          </p:cNvSpPr>
+          <p:nvPr>
+            <p:ph type="title"/>
+          </p:nvPr>
+        </p:nvSpPr>
+        <p:spPr/>
+        <p:txBody>
+          <a:bodyPr>
+            <a:normAutofit/>
+          </a:bodyPr>
+          <a:lstStyle/>
+          <a:p>
+            <a:pPr algn="ctr"/>
+            <a:r>
+              <a:rPr lang="ru-RU" sz="4000" dirty="0" smtClean="0">
+                <a:latin typeface="Helvetica" charset="0"/>
+                <a:ea typeface="Helvetica" charset="0"/>
+                <a:cs typeface="Helvetica" charset="0"/>
+              </a:rPr>
+              <a:t>Равновесие преступления и наказания</a:t>
+            </a:r>
+            <a:endParaRPr lang="ru-RU" sz="4000" dirty="0">
+              <a:latin typeface="Helvetica" charset="0"/>
+              <a:ea typeface="Helvetica" charset="0"/>
+              <a:cs typeface="Helvetica" charset="0"/>
+            </a:endParaRPr>
+          </a:p>
+        </p:txBody>
+      </p:sp>
+      <p:pic>
+        <p:nvPicPr>
+          <p:cNvPr id="4" name="Объект 3"/>
+          <p:cNvPicPr>
+            <a:picLocks noGrp="1" noChangeAspect="1"/>
+          </p:cNvPicPr>
+          <p:nvPr>
+            <p:ph idx="1"/>
+          </p:nvPr>
+        </p:nvPicPr>
+        <p:blipFill>
+          <a:blip r:embed="rId2"/>
+          <a:stretch>
+            <a:fillRect/>
+          </a:stretch>
+        </p:blipFill>
+        <p:spPr>
+          <a:xfrm>
+            <a:off x="1504950" y="1886744"/>
+            <a:ext cx="9182100" cy="4229100"/>
+          </a:xfrm>
+        </p:spPr>
+      </p:pic>
+    </p:spTree>
+    <p:extLst>
+      <p:ext uri="{BB962C8B-B14F-4D97-AF65-F5344CB8AC3E}">
+        <p14:creationId xmlns:p14="http://schemas.microsoft.com/office/powerpoint/2010/main" val="1481449625"/>
+      </p:ext>
+    </p:extLst>
+  </p:cSld>
+  <p:clrMapOvr>
+    <a:masterClrMapping/>
+  </p:clrMapOvr>
+</p:sld>
+</file>
+
+<file path=ppt/slides/slide18.xml><?xml version="1.0" encoding="utf-8"?>
+<p:sld xmlns:a="http://schemas.openxmlformats.org/drawingml/2006/main" xmlns:r="http://schemas.openxmlformats.org/officeDocument/2006/relationships" xmlns:p="http://schemas.openxmlformats.org/presentationml/2006/main">
+  <p:cSld>
+    <p:spTree>
+      <p:nvGrpSpPr>
+        <p:cNvPr id="1" name=""/>
+        <p:cNvGrpSpPr/>
+        <p:nvPr/>
+      </p:nvGrpSpPr>
+      <p:grpSpPr>
+        <a:xfrm>
+          <a:off x="0" y="0"/>
+          <a:ext cx="0" cy="0"/>
+          <a:chOff x="0" y="0"/>
+          <a:chExt cx="0" cy="0"/>
+        </a:xfrm>
+      </p:grpSpPr>
+      <p:sp>
+        <p:nvSpPr>
           <p:cNvPr id="2" name="Заголовок 1">
             <a:extLst>
               <a:ext uri="{FF2B5EF4-FFF2-40B4-BE49-F238E27FC236}">
-                <a16:creationId xmlns:a16="http://schemas.microsoft.com/office/drawing/2014/main" id="{CCCA1532-073C-487E-97E8-CD6D18B96191}"/>
+                <a16:creationId xmlns:a16="http://schemas.microsoft.com/office/drawing/2014/main" xmlns="" id="{CCCA1532-073C-487E-97E8-CD6D18B96191}"/>
               </a:ext>
             </a:extLst>
           </p:cNvPr>
@@ -3684,41 +7377,8 @@
         </p:nvSpPr>
         <p:spPr>
           <a:xfrm>
-            <a:off x="831850" y="1883910"/>
+            <a:off x="831850" y="152091"/>
             <a:ext cx="10515600" cy="1309233"/>
-          </a:xfrm>
-        </p:spPr>
-        <p:txBody>
-          <a:bodyPr/>
-          <a:lstStyle/>
-          <a:p>
-            <a:r>
-              <a:rPr lang="ru-RU" dirty="0"/>
-              <a:t>Материалы можно найти здесь:</a:t>
-            </a:r>
-          </a:p>
-        </p:txBody>
-      </p:sp>
-      <p:sp>
-        <p:nvSpPr>
-          <p:cNvPr id="4" name="Текст 3">
-            <a:extLst>
-              <a:ext uri="{FF2B5EF4-FFF2-40B4-BE49-F238E27FC236}">
-                <a16:creationId xmlns:a16="http://schemas.microsoft.com/office/drawing/2014/main" id="{E64C11F9-BD84-4E8A-B086-E6A9426AF879}"/>
-              </a:ext>
-            </a:extLst>
-          </p:cNvPr>
-          <p:cNvSpPr>
-            <a:spLocks noGrp="1"/>
-          </p:cNvSpPr>
-          <p:nvPr>
-            <p:ph type="body" idx="1"/>
-          </p:nvPr>
-        </p:nvSpPr>
-        <p:spPr>
-          <a:xfrm>
-            <a:off x="831850" y="4168548"/>
-            <a:ext cx="10515600" cy="1500187"/>
           </a:xfrm>
         </p:spPr>
         <p:txBody>
@@ -3729,26 +7389,75 @@
           <a:p>
             <a:pPr algn="ctr"/>
             <a:r>
-              <a:rPr lang="ru-RU" sz="6000" dirty="0">
+              <a:rPr lang="ru-RU" sz="4800" dirty="0">
+                <a:latin typeface="Helvetica" charset="0"/>
+                <a:ea typeface="Helvetica" charset="0"/>
+                <a:cs typeface="Helvetica" charset="0"/>
+              </a:rPr>
+              <a:t>Материалы можно найти здесь:</a:t>
+            </a:r>
+          </a:p>
+        </p:txBody>
+      </p:sp>
+      <p:sp>
+        <p:nvSpPr>
+          <p:cNvPr id="4" name="Текст 3">
+            <a:extLst>
+              <a:ext uri="{FF2B5EF4-FFF2-40B4-BE49-F238E27FC236}">
+                <a16:creationId xmlns:a16="http://schemas.microsoft.com/office/drawing/2014/main" xmlns="" id="{E64C11F9-BD84-4E8A-B086-E6A9426AF879}"/>
+              </a:ext>
+            </a:extLst>
+          </p:cNvPr>
+          <p:cNvSpPr>
+            <a:spLocks noGrp="1"/>
+          </p:cNvSpPr>
+          <p:nvPr>
+            <p:ph type="body" idx="1"/>
+          </p:nvPr>
+        </p:nvSpPr>
+        <p:spPr>
+          <a:xfrm>
+            <a:off x="831850" y="2949348"/>
+            <a:ext cx="10515600" cy="1500187"/>
+          </a:xfrm>
+        </p:spPr>
+        <p:txBody>
+          <a:bodyPr>
+            <a:noAutofit/>
+          </a:bodyPr>
+          <a:lstStyle/>
+          <a:p>
+            <a:pPr algn="ctr"/>
+            <a:r>
+              <a:rPr lang="en-US" sz="4000" dirty="0" smtClean="0">
                 <a:solidFill>
                   <a:schemeClr val="tx1"/>
                 </a:solidFill>
-              </a:rPr>
-              <a:t>Репозитарий </a:t>
-            </a:r>
-            <a:r>
-              <a:rPr lang="en-GB" sz="6000" dirty="0">
+                <a:latin typeface="Helvetica" charset="0"/>
+                <a:ea typeface="Helvetica" charset="0"/>
+                <a:cs typeface="Helvetica" charset="0"/>
+                <a:hlinkClick r:id="rId2"/>
+              </a:rPr>
+              <a:t>https://github.com/mtaktash/motive-grammar/</a:t>
+            </a:r>
+            <a:r>
+              <a:rPr lang="en-US" sz="4000" dirty="0" smtClean="0">
                 <a:solidFill>
                   <a:schemeClr val="tx1"/>
                 </a:solidFill>
-                <a:hlinkClick r:id="rId2"/>
-              </a:rPr>
-              <a:t>motive-grammar</a:t>
-            </a:r>
-            <a:endParaRPr lang="ru-RU" sz="6000" dirty="0">
+                <a:latin typeface="Helvetica" charset="0"/>
+                <a:ea typeface="Helvetica" charset="0"/>
+                <a:cs typeface="Helvetica" charset="0"/>
+              </a:rPr>
+              <a:t> </a:t>
+            </a:r>
+            <a:endParaRPr lang="ru-RU" sz="4000" dirty="0">
               <a:solidFill>
                 <a:schemeClr val="tx1"/>
               </a:solidFill>
+              <a:latin typeface="Helvetica" charset="0"/>
+              <a:ea typeface="Helvetica" charset="0"/>
+              <a:cs typeface="Helvetica" charset="0"/>
             </a:endParaRPr>
           </a:p>
         </p:txBody>
@@ -3788,7 +7497,7 @@
           <p:cNvPr id="4" name="TextBox 3">
             <a:extLst>
               <a:ext uri="{FF2B5EF4-FFF2-40B4-BE49-F238E27FC236}">
-                <a16:creationId xmlns:a16="http://schemas.microsoft.com/office/drawing/2014/main" id="{7B9A3133-5277-4B9C-BB8E-57A8A2B317B9}"/>
+                <a16:creationId xmlns:a16="http://schemas.microsoft.com/office/drawing/2014/main" xmlns="" id="{7B9A3133-5277-4B9C-BB8E-57A8A2B317B9}"/>
               </a:ext>
             </a:extLst>
           </p:cNvPr>
@@ -3797,8 +7506,8 @@
         </p:nvSpPr>
         <p:spPr>
           <a:xfrm>
-            <a:off x="578202" y="449943"/>
-            <a:ext cx="7890493" cy="1754326"/>
+            <a:off x="578202" y="255976"/>
+            <a:ext cx="7912744" cy="1569660"/>
           </a:xfrm>
           <a:prstGeom prst="rect">
             <a:avLst/>
@@ -3812,18 +7521,29 @@
           <a:lstStyle/>
           <a:p>
             <a:r>
-              <a:rPr lang="ru-RU" sz="5400" b="1" u="sng" dirty="0"/>
+              <a:rPr lang="ru-RU" sz="4800" b="1" dirty="0">
+                <a:latin typeface="Helvetica" charset="0"/>
+                <a:ea typeface="Helvetica" charset="0"/>
+                <a:cs typeface="Helvetica" charset="0"/>
+              </a:rPr>
               <a:t>Ведущий:</a:t>
             </a:r>
           </a:p>
           <a:p>
             <a:r>
-              <a:rPr lang="ru-RU" sz="5400" dirty="0">
+              <a:rPr lang="ru-RU" sz="4800" dirty="0">
+                <a:latin typeface="Helvetica" charset="0"/>
+                <a:ea typeface="Helvetica" charset="0"/>
+                <a:cs typeface="Helvetica" charset="0"/>
                 <a:hlinkClick r:id="rId2"/>
               </a:rPr>
               <a:t>Борис Валерьевич Орехов</a:t>
             </a:r>
-            <a:endParaRPr lang="ru-RU" sz="5400" dirty="0"/>
+            <a:endParaRPr lang="ru-RU" sz="4800" dirty="0">
+              <a:latin typeface="Helvetica" charset="0"/>
+              <a:ea typeface="Helvetica" charset="0"/>
+              <a:cs typeface="Helvetica" charset="0"/>
+            </a:endParaRPr>
           </a:p>
         </p:txBody>
       </p:sp>
@@ -3832,7 +7552,7 @@
           <p:cNvPr id="5" name="TextBox 4">
             <a:extLst>
               <a:ext uri="{FF2B5EF4-FFF2-40B4-BE49-F238E27FC236}">
-                <a16:creationId xmlns:a16="http://schemas.microsoft.com/office/drawing/2014/main" id="{87E90116-7914-4229-BF63-61092BFF6509}"/>
+                <a16:creationId xmlns:a16="http://schemas.microsoft.com/office/drawing/2014/main" xmlns="" id="{87E90116-7914-4229-BF63-61092BFF6509}"/>
               </a:ext>
             </a:extLst>
           </p:cNvPr>
@@ -3841,7 +7561,7 @@
         </p:nvSpPr>
         <p:spPr>
           <a:xfrm>
-            <a:off x="766888" y="3209104"/>
+            <a:off x="766888" y="2902394"/>
             <a:ext cx="10771969" cy="3477875"/>
           </a:xfrm>
           <a:prstGeom prst="rect">
@@ -3857,137 +7577,232 @@
           <a:p>
             <a:r>
               <a:rPr lang="ru-RU" sz="3600" dirty="0">
+                <a:latin typeface="Helvetica" charset="0"/>
+                <a:ea typeface="Helvetica" charset="0"/>
+                <a:cs typeface="Helvetica" charset="0"/>
                 <a:hlinkClick r:id="rId3"/>
               </a:rPr>
               <a:t>Яна Агафонова</a:t>
             </a:r>
-            <a:endParaRPr lang="ru-RU" sz="3600" dirty="0"/>
+            <a:endParaRPr lang="ru-RU" sz="3600" dirty="0">
+              <a:latin typeface="Helvetica" charset="0"/>
+              <a:ea typeface="Helvetica" charset="0"/>
+              <a:cs typeface="Helvetica" charset="0"/>
+            </a:endParaRPr>
           </a:p>
           <a:p>
             <a:r>
               <a:rPr lang="ru-RU" sz="3600" dirty="0">
+                <a:latin typeface="Helvetica" charset="0"/>
+                <a:ea typeface="Helvetica" charset="0"/>
+                <a:cs typeface="Helvetica" charset="0"/>
                 <a:hlinkClick r:id="rId4"/>
               </a:rPr>
               <a:t>Анна Герасимова</a:t>
             </a:r>
-            <a:endParaRPr lang="ru-RU" sz="3600" dirty="0"/>
+            <a:endParaRPr lang="ru-RU" sz="3600" dirty="0">
+              <a:latin typeface="Helvetica" charset="0"/>
+              <a:ea typeface="Helvetica" charset="0"/>
+              <a:cs typeface="Helvetica" charset="0"/>
+            </a:endParaRPr>
           </a:p>
           <a:p>
             <a:r>
               <a:rPr lang="ru-RU" sz="3600" dirty="0">
+                <a:latin typeface="Helvetica" charset="0"/>
+                <a:ea typeface="Helvetica" charset="0"/>
+                <a:cs typeface="Helvetica" charset="0"/>
                 <a:hlinkClick r:id="rId5"/>
               </a:rPr>
               <a:t>Виталий </a:t>
             </a:r>
             <a:r>
               <a:rPr lang="ru-RU" sz="3600" dirty="0" err="1">
+                <a:latin typeface="Helvetica" charset="0"/>
+                <a:ea typeface="Helvetica" charset="0"/>
+                <a:cs typeface="Helvetica" charset="0"/>
                 <a:hlinkClick r:id="rId5"/>
               </a:rPr>
               <a:t>Гречачин</a:t>
             </a:r>
-            <a:endParaRPr lang="ru-RU" sz="3600" dirty="0"/>
+            <a:endParaRPr lang="ru-RU" sz="3600" dirty="0">
+              <a:latin typeface="Helvetica" charset="0"/>
+              <a:ea typeface="Helvetica" charset="0"/>
+              <a:cs typeface="Helvetica" charset="0"/>
+            </a:endParaRPr>
           </a:p>
           <a:p>
             <a:r>
               <a:rPr lang="ru-RU" sz="3600" dirty="0">
+                <a:latin typeface="Helvetica" charset="0"/>
+                <a:ea typeface="Helvetica" charset="0"/>
+                <a:cs typeface="Helvetica" charset="0"/>
                 <a:hlinkClick r:id="rId6"/>
               </a:rPr>
               <a:t>Ольга </a:t>
             </a:r>
             <a:r>
               <a:rPr lang="ru-RU" sz="3600" dirty="0" err="1">
+                <a:latin typeface="Helvetica" charset="0"/>
+                <a:ea typeface="Helvetica" charset="0"/>
+                <a:cs typeface="Helvetica" charset="0"/>
                 <a:hlinkClick r:id="rId6"/>
               </a:rPr>
               <a:t>Закутняя</a:t>
             </a:r>
-            <a:endParaRPr lang="ru-RU" sz="3600" dirty="0"/>
+            <a:endParaRPr lang="ru-RU" sz="3600" dirty="0">
+              <a:latin typeface="Helvetica" charset="0"/>
+              <a:ea typeface="Helvetica" charset="0"/>
+              <a:cs typeface="Helvetica" charset="0"/>
+            </a:endParaRPr>
           </a:p>
           <a:p>
             <a:r>
               <a:rPr lang="ru-RU" sz="3600" dirty="0">
+                <a:latin typeface="Helvetica" charset="0"/>
+                <a:ea typeface="Helvetica" charset="0"/>
+                <a:cs typeface="Helvetica" charset="0"/>
                 <a:hlinkClick r:id="rId7"/>
               </a:rPr>
               <a:t>Татьяна Кувшинова</a:t>
             </a:r>
-            <a:endParaRPr lang="ru-RU" sz="3600" dirty="0"/>
+            <a:endParaRPr lang="ru-RU" sz="3600" dirty="0">
+              <a:latin typeface="Helvetica" charset="0"/>
+              <a:ea typeface="Helvetica" charset="0"/>
+              <a:cs typeface="Helvetica" charset="0"/>
+            </a:endParaRPr>
           </a:p>
           <a:p>
             <a:r>
               <a:rPr lang="ru-RU" sz="3600" dirty="0">
+                <a:latin typeface="Helvetica" charset="0"/>
+                <a:ea typeface="Helvetica" charset="0"/>
+                <a:cs typeface="Helvetica" charset="0"/>
                 <a:hlinkClick r:id="rId8"/>
               </a:rPr>
               <a:t>Анна Кондратьева</a:t>
             </a:r>
-            <a:endParaRPr lang="ru-RU" sz="3600" dirty="0"/>
+            <a:endParaRPr lang="ru-RU" sz="3600" dirty="0">
+              <a:latin typeface="Helvetica" charset="0"/>
+              <a:ea typeface="Helvetica" charset="0"/>
+              <a:cs typeface="Helvetica" charset="0"/>
+            </a:endParaRPr>
           </a:p>
           <a:p>
             <a:r>
               <a:rPr lang="ru-RU" sz="3600" dirty="0">
+                <a:latin typeface="Helvetica" charset="0"/>
+                <a:ea typeface="Helvetica" charset="0"/>
+                <a:cs typeface="Helvetica" charset="0"/>
                 <a:hlinkClick r:id="rId9"/>
               </a:rPr>
               <a:t>Тимофей </a:t>
             </a:r>
             <a:r>
               <a:rPr lang="ru-RU" sz="3600" dirty="0" err="1">
+                <a:latin typeface="Helvetica" charset="0"/>
+                <a:ea typeface="Helvetica" charset="0"/>
+                <a:cs typeface="Helvetica" charset="0"/>
                 <a:hlinkClick r:id="rId9"/>
               </a:rPr>
               <a:t>Лукашевский</a:t>
             </a:r>
-            <a:endParaRPr lang="ru-RU" sz="3600" dirty="0"/>
+            <a:endParaRPr lang="ru-RU" sz="3600" dirty="0">
+              <a:latin typeface="Helvetica" charset="0"/>
+              <a:ea typeface="Helvetica" charset="0"/>
+              <a:cs typeface="Helvetica" charset="0"/>
+            </a:endParaRPr>
           </a:p>
           <a:p>
             <a:r>
               <a:rPr lang="ru-RU" sz="3600" dirty="0">
+                <a:latin typeface="Helvetica" charset="0"/>
+                <a:ea typeface="Helvetica" charset="0"/>
+                <a:cs typeface="Helvetica" charset="0"/>
                 <a:hlinkClick r:id="rId10"/>
               </a:rPr>
               <a:t>Юлия </a:t>
             </a:r>
             <a:r>
               <a:rPr lang="ru-RU" sz="3600" dirty="0" err="1">
+                <a:latin typeface="Helvetica" charset="0"/>
+                <a:ea typeface="Helvetica" charset="0"/>
+                <a:cs typeface="Helvetica" charset="0"/>
                 <a:hlinkClick r:id="rId10"/>
               </a:rPr>
               <a:t>Минутина</a:t>
             </a:r>
             <a:r>
               <a:rPr lang="ru-RU" sz="3600" dirty="0">
+                <a:latin typeface="Helvetica" charset="0"/>
+                <a:ea typeface="Helvetica" charset="0"/>
+                <a:cs typeface="Helvetica" charset="0"/>
                 <a:hlinkClick r:id="rId10"/>
               </a:rPr>
               <a:t>-Лобанова</a:t>
             </a:r>
-            <a:endParaRPr lang="ru-RU" sz="3600" dirty="0"/>
+            <a:endParaRPr lang="ru-RU" sz="3600" dirty="0">
+              <a:latin typeface="Helvetica" charset="0"/>
+              <a:ea typeface="Helvetica" charset="0"/>
+              <a:cs typeface="Helvetica" charset="0"/>
+            </a:endParaRPr>
           </a:p>
           <a:p>
             <a:r>
               <a:rPr lang="ru-RU" sz="3600" dirty="0">
+                <a:latin typeface="Helvetica" charset="0"/>
+                <a:ea typeface="Helvetica" charset="0"/>
+                <a:cs typeface="Helvetica" charset="0"/>
                 <a:hlinkClick r:id="rId11"/>
               </a:rPr>
               <a:t>Алексей Панков</a:t>
             </a:r>
-            <a:endParaRPr lang="ru-RU" sz="3600" dirty="0"/>
+            <a:endParaRPr lang="ru-RU" sz="3600" dirty="0">
+              <a:latin typeface="Helvetica" charset="0"/>
+              <a:ea typeface="Helvetica" charset="0"/>
+              <a:cs typeface="Helvetica" charset="0"/>
+            </a:endParaRPr>
           </a:p>
           <a:p>
             <a:r>
               <a:rPr lang="ru-RU" sz="3600" dirty="0">
+                <a:latin typeface="Helvetica" charset="0"/>
+                <a:ea typeface="Helvetica" charset="0"/>
+                <a:cs typeface="Helvetica" charset="0"/>
                 <a:hlinkClick r:id="rId12"/>
               </a:rPr>
               <a:t>Александра Шрубок</a:t>
             </a:r>
-            <a:endParaRPr lang="ru-RU" sz="3600" dirty="0"/>
+            <a:endParaRPr lang="ru-RU" sz="3600" dirty="0">
+              <a:latin typeface="Helvetica" charset="0"/>
+              <a:ea typeface="Helvetica" charset="0"/>
+              <a:cs typeface="Helvetica" charset="0"/>
+            </a:endParaRPr>
           </a:p>
           <a:p>
             <a:r>
               <a:rPr lang="ru-RU" sz="3600" dirty="0">
+                <a:latin typeface="Helvetica" charset="0"/>
+                <a:ea typeface="Helvetica" charset="0"/>
+                <a:cs typeface="Helvetica" charset="0"/>
                 <a:hlinkClick r:id="rId13"/>
               </a:rPr>
               <a:t>Мария </a:t>
             </a:r>
             <a:r>
               <a:rPr lang="ru-RU" sz="3600" dirty="0" err="1">
+                <a:latin typeface="Helvetica" charset="0"/>
+                <a:ea typeface="Helvetica" charset="0"/>
+                <a:cs typeface="Helvetica" charset="0"/>
                 <a:hlinkClick r:id="rId13"/>
               </a:rPr>
               <a:t>Такташева</a:t>
             </a:r>
-            <a:endParaRPr lang="ru-RU" sz="3600" dirty="0"/>
+            <a:endParaRPr lang="ru-RU" sz="3600" dirty="0">
+              <a:latin typeface="Helvetica" charset="0"/>
+              <a:ea typeface="Helvetica" charset="0"/>
+              <a:cs typeface="Helvetica" charset="0"/>
+            </a:endParaRPr>
           </a:p>
         </p:txBody>
       </p:sp>
@@ -3996,7 +7811,7 @@
           <p:cNvPr id="2" name="TextBox 1">
             <a:extLst>
               <a:ext uri="{FF2B5EF4-FFF2-40B4-BE49-F238E27FC236}">
-                <a16:creationId xmlns:a16="http://schemas.microsoft.com/office/drawing/2014/main" id="{6571D1C7-D84E-4EE5-ADB3-7D12A6F1C938}"/>
+                <a16:creationId xmlns:a16="http://schemas.microsoft.com/office/drawing/2014/main" xmlns="" id="{6571D1C7-D84E-4EE5-ADB3-7D12A6F1C938}"/>
               </a:ext>
             </a:extLst>
           </p:cNvPr>
@@ -4005,8 +7820,8 @@
         </p:nvSpPr>
         <p:spPr>
           <a:xfrm>
-            <a:off x="766888" y="2204269"/>
-            <a:ext cx="3026919" cy="830997"/>
+            <a:off x="766888" y="2038013"/>
+            <a:ext cx="6397905" cy="830997"/>
           </a:xfrm>
           <a:prstGeom prst="rect">
             <a:avLst/>
@@ -4020,13 +7835,34 @@
           <a:lstStyle/>
           <a:p>
             <a:r>
-              <a:rPr lang="ru-RU" sz="4800" u="sng" dirty="0"/>
+              <a:rPr lang="ru-RU" sz="4800" dirty="0" smtClean="0">
+                <a:latin typeface="Helvetica" charset="0"/>
+                <a:ea typeface="Helvetica" charset="0"/>
+                <a:cs typeface="Helvetica" charset="0"/>
+              </a:rPr>
               <a:t>Участники</a:t>
             </a:r>
             <a:r>
-              <a:rPr lang="ru-RU" sz="4800" dirty="0"/>
+              <a:rPr lang="en-US" sz="4800" dirty="0" smtClean="0">
+                <a:latin typeface="Helvetica" charset="0"/>
+                <a:ea typeface="Helvetica" charset="0"/>
+                <a:cs typeface="Helvetica" charset="0"/>
+              </a:rPr>
+              <a:t> (clickable)</a:t>
+            </a:r>
+            <a:r>
+              <a:rPr lang="ru-RU" sz="4800" dirty="0" smtClean="0">
+                <a:latin typeface="Helvetica" charset="0"/>
+                <a:ea typeface="Helvetica" charset="0"/>
+                <a:cs typeface="Helvetica" charset="0"/>
+              </a:rPr>
               <a:t>:</a:t>
             </a:r>
+            <a:endParaRPr lang="ru-RU" sz="4800" dirty="0">
+              <a:latin typeface="Helvetica" charset="0"/>
+              <a:ea typeface="Helvetica" charset="0"/>
+              <a:cs typeface="Helvetica" charset="0"/>
+            </a:endParaRPr>
           </a:p>
         </p:txBody>
       </p:sp>
@@ -4040,6 +7876,13 @@
   <p:clrMapOvr>
     <a:masterClrMapping/>
   </p:clrMapOvr>
+  <p:timing>
+    <p:tnLst>
+      <p:par>
+        <p:cTn id="1" dur="indefinite" restart="never" nodeType="tmRoot"/>
+      </p:par>
+    </p:tnLst>
+  </p:timing>
 </p:sld>
 </file>
 
@@ -4062,10 +7905,10 @@
       </p:grpSpPr>
       <p:sp>
         <p:nvSpPr>
-          <p:cNvPr id="2" name="Заголовок 1">
+          <p:cNvPr id="4" name="Текст 3">
             <a:extLst>
               <a:ext uri="{FF2B5EF4-FFF2-40B4-BE49-F238E27FC236}">
-                <a16:creationId xmlns:a16="http://schemas.microsoft.com/office/drawing/2014/main" id="{00F127B7-4164-4B51-81A4-F1A0C19C87CC}"/>
+                <a16:creationId xmlns:a16="http://schemas.microsoft.com/office/drawing/2014/main" xmlns="" id="{DDAADB80-3FA1-4491-A081-15B69B29E417}"/>
               </a:ext>
             </a:extLst>
           </p:cNvPr>
@@ -4073,43 +7916,86 @@
             <a:spLocks noGrp="1"/>
           </p:cNvSpPr>
           <p:nvPr>
-            <p:ph type="title"/>
+            <p:ph type="body" idx="1"/>
           </p:nvPr>
         </p:nvSpPr>
         <p:spPr>
           <a:xfrm>
-            <a:off x="1481672" y="503161"/>
-            <a:ext cx="9601196" cy="1282097"/>
+            <a:off x="1295400" y="1787412"/>
+            <a:ext cx="4718304" cy="1159251"/>
           </a:xfrm>
         </p:spPr>
         <p:txBody>
-          <a:bodyPr>
-            <a:normAutofit/>
-          </a:bodyPr>
+          <a:bodyPr/>
           <a:lstStyle/>
           <a:p>
-            <a:pPr algn="ctr"/>
-            <a:r>
-              <a:rPr lang="ru-RU" sz="6000" b="1" dirty="0">
-                <a:effectLst>
-                  <a:outerShdw blurRad="38100" dist="38100" dir="2700000" algn="tl">
-                    <a:srgbClr val="000000">
-                      <a:alpha val="43137"/>
-                    </a:srgbClr>
-                  </a:outerShdw>
-                </a:effectLst>
-              </a:rPr>
-              <a:t>Что такое мотив?</a:t>
+            <a:r>
+              <a:rPr lang="ru-RU" dirty="0" smtClean="0">
+                <a:latin typeface="Helvetica" charset="0"/>
+                <a:ea typeface="Helvetica" charset="0"/>
+                <a:cs typeface="Helvetica" charset="0"/>
+              </a:rPr>
+              <a:t>Мотив</a:t>
+            </a:r>
+            <a:r>
+              <a:rPr lang="en-US" dirty="0" smtClean="0">
+                <a:latin typeface="Helvetica" charset="0"/>
+                <a:ea typeface="Helvetica" charset="0"/>
+                <a:cs typeface="Helvetica" charset="0"/>
+              </a:rPr>
+              <a:t> </a:t>
+            </a:r>
+            <a:r>
+              <a:rPr lang="ru-RU" dirty="0" smtClean="0">
+                <a:latin typeface="Helvetica" charset="0"/>
+                <a:ea typeface="Helvetica" charset="0"/>
+                <a:cs typeface="Helvetica" charset="0"/>
+              </a:rPr>
+              <a:t>=</a:t>
+            </a:r>
+            <a:r>
+              <a:rPr lang="en-US" dirty="0" smtClean="0">
+                <a:latin typeface="Helvetica" charset="0"/>
+                <a:ea typeface="Helvetica" charset="0"/>
+                <a:cs typeface="Helvetica" charset="0"/>
+              </a:rPr>
+              <a:t> </a:t>
+            </a:r>
+            <a:r>
+              <a:rPr lang="ru-RU" dirty="0" smtClean="0">
+                <a:latin typeface="Helvetica" charset="0"/>
+                <a:ea typeface="Helvetica" charset="0"/>
+                <a:cs typeface="Helvetica" charset="0"/>
+              </a:rPr>
+              <a:t>цепочка </a:t>
+            </a:r>
+            <a:r>
+              <a:rPr lang="ru-RU" dirty="0">
+                <a:latin typeface="Helvetica" charset="0"/>
+                <a:ea typeface="Helvetica" charset="0"/>
+                <a:cs typeface="Helvetica" charset="0"/>
+              </a:rPr>
+              <a:t>событий</a:t>
+            </a:r>
+          </a:p>
+          <a:p>
+            <a:r>
+              <a:rPr lang="ru-RU" dirty="0">
+                <a:latin typeface="Helvetica" charset="0"/>
+                <a:ea typeface="Helvetica" charset="0"/>
+                <a:cs typeface="Helvetica" charset="0"/>
+              </a:rPr>
+              <a:t>(Веселовский)</a:t>
             </a:r>
           </a:p>
         </p:txBody>
       </p:sp>
       <p:sp>
         <p:nvSpPr>
-          <p:cNvPr id="4" name="Текст 3">
+          <p:cNvPr id="5" name="Объект 4">
             <a:extLst>
               <a:ext uri="{FF2B5EF4-FFF2-40B4-BE49-F238E27FC236}">
-                <a16:creationId xmlns:a16="http://schemas.microsoft.com/office/drawing/2014/main" id="{DDAADB80-3FA1-4491-A081-15B69B29E417}"/>
+                <a16:creationId xmlns:a16="http://schemas.microsoft.com/office/drawing/2014/main" xmlns="" id="{5740A3D8-8B5B-4E22-99C6-73EFE0AA2E10}"/>
               </a:ext>
             </a:extLst>
           </p:cNvPr>
@@ -4117,38 +8003,86 @@
             <a:spLocks noGrp="1"/>
           </p:cNvSpPr>
           <p:nvPr>
-            <p:ph type="body" idx="1"/>
+            <p:ph sz="half" idx="2"/>
           </p:nvPr>
         </p:nvSpPr>
         <p:spPr>
           <a:xfrm>
-            <a:off x="1295400" y="2367038"/>
-            <a:ext cx="4718304" cy="1159251"/>
+            <a:off x="1295400" y="3270993"/>
+            <a:ext cx="4718304" cy="2189238"/>
           </a:xfrm>
         </p:spPr>
         <p:txBody>
-          <a:bodyPr/>
+          <a:bodyPr>
+            <a:normAutofit lnSpcReduction="10000"/>
+          </a:bodyPr>
           <a:lstStyle/>
           <a:p>
             <a:r>
-              <a:rPr lang="ru-RU" dirty="0"/>
-              <a:t>Мотив=цепочка событий</a:t>
-            </a:r>
-          </a:p>
-          <a:p>
-            <a:r>
-              <a:rPr lang="ru-RU" dirty="0"/>
-              <a:t>(Веселовский)</a:t>
+              <a:rPr lang="ru-RU" dirty="0" smtClean="0">
+                <a:latin typeface="Helvetica" charset="0"/>
+                <a:ea typeface="Helvetica" charset="0"/>
+                <a:cs typeface="Helvetica" charset="0"/>
+              </a:rPr>
+              <a:t>Муж на свадьбе своей жены</a:t>
+            </a:r>
+            <a:endParaRPr lang="ru-RU" dirty="0">
+              <a:latin typeface="Helvetica" charset="0"/>
+              <a:ea typeface="Helvetica" charset="0"/>
+              <a:cs typeface="Helvetica" charset="0"/>
+            </a:endParaRPr>
+          </a:p>
+          <a:p>
+            <a:r>
+              <a:rPr lang="ru-RU" dirty="0">
+                <a:latin typeface="Helvetica" charset="0"/>
+                <a:ea typeface="Helvetica" charset="0"/>
+                <a:cs typeface="Helvetica" charset="0"/>
+              </a:rPr>
+              <a:t>Сделка с дьяволом</a:t>
+            </a:r>
+          </a:p>
+          <a:p>
+            <a:r>
+              <a:rPr lang="ru-RU" dirty="0" smtClean="0">
+                <a:latin typeface="Helvetica" charset="0"/>
+                <a:ea typeface="Helvetica" charset="0"/>
+                <a:cs typeface="Helvetica" charset="0"/>
+              </a:rPr>
+              <a:t>Змееборство</a:t>
+            </a:r>
+            <a:r>
+              <a:rPr lang="en-US" dirty="0" smtClean="0">
+                <a:latin typeface="Helvetica" charset="0"/>
+                <a:ea typeface="Helvetica" charset="0"/>
+                <a:cs typeface="Helvetica" charset="0"/>
+              </a:rPr>
+              <a:t> (AT300A)</a:t>
+            </a:r>
+            <a:endParaRPr lang="ru-RU" dirty="0">
+              <a:latin typeface="Helvetica" charset="0"/>
+              <a:ea typeface="Helvetica" charset="0"/>
+              <a:cs typeface="Helvetica" charset="0"/>
+            </a:endParaRPr>
+          </a:p>
+          <a:p>
+            <a:r>
+              <a:rPr lang="ru-RU" dirty="0">
+                <a:latin typeface="Helvetica" charset="0"/>
+                <a:ea typeface="Helvetica" charset="0"/>
+                <a:cs typeface="Helvetica" charset="0"/>
+              </a:rPr>
+              <a:t>…</a:t>
             </a:r>
           </a:p>
         </p:txBody>
       </p:sp>
       <p:sp>
         <p:nvSpPr>
-          <p:cNvPr id="5" name="Объект 4">
+          <p:cNvPr id="6" name="Текст 5">
             <a:extLst>
               <a:ext uri="{FF2B5EF4-FFF2-40B4-BE49-F238E27FC236}">
-                <a16:creationId xmlns:a16="http://schemas.microsoft.com/office/drawing/2014/main" id="{5740A3D8-8B5B-4E22-99C6-73EFE0AA2E10}"/>
+                <a16:creationId xmlns:a16="http://schemas.microsoft.com/office/drawing/2014/main" xmlns="" id="{3FC3DF72-78EC-47C6-98B6-C7558A986498}"/>
               </a:ext>
             </a:extLst>
           </p:cNvPr>
@@ -4156,50 +8090,78 @@
             <a:spLocks noGrp="1"/>
           </p:cNvSpPr>
           <p:nvPr>
-            <p:ph sz="half" idx="2"/>
+            <p:ph type="body" sz="quarter" idx="3"/>
           </p:nvPr>
         </p:nvSpPr>
         <p:spPr>
           <a:xfrm>
-            <a:off x="1295400" y="3686629"/>
-            <a:ext cx="4718304" cy="2189238"/>
+            <a:off x="6282270" y="1919117"/>
+            <a:ext cx="5909730" cy="895840"/>
           </a:xfrm>
         </p:spPr>
         <p:txBody>
-          <a:bodyPr/>
+          <a:bodyPr>
+            <a:normAutofit fontScale="92500"/>
+          </a:bodyPr>
           <a:lstStyle/>
           <a:p>
             <a:r>
-              <a:rPr lang="ru-RU" dirty="0"/>
-              <a:t>Милосердный победитель</a:t>
-            </a:r>
-          </a:p>
-          <a:p>
-            <a:r>
-              <a:rPr lang="ru-RU" dirty="0"/>
-              <a:t>Сделка с дьяволом</a:t>
-            </a:r>
-          </a:p>
-          <a:p>
-            <a:r>
-              <a:rPr lang="ru-RU" dirty="0"/>
-              <a:t>Змееборство</a:t>
-            </a:r>
-          </a:p>
-          <a:p>
-            <a:r>
-              <a:rPr lang="ru-RU" dirty="0"/>
-              <a:t>…</a:t>
+              <a:rPr lang="ru-RU" dirty="0" smtClean="0">
+                <a:latin typeface="Helvetica" charset="0"/>
+                <a:ea typeface="Helvetica" charset="0"/>
+                <a:cs typeface="Helvetica" charset="0"/>
+              </a:rPr>
+              <a:t>Мотив</a:t>
+            </a:r>
+            <a:r>
+              <a:rPr lang="en-US" dirty="0" smtClean="0">
+                <a:latin typeface="Helvetica" charset="0"/>
+                <a:ea typeface="Helvetica" charset="0"/>
+                <a:cs typeface="Helvetica" charset="0"/>
+              </a:rPr>
+              <a:t> </a:t>
+            </a:r>
+            <a:r>
+              <a:rPr lang="ru-RU" dirty="0" smtClean="0">
+                <a:latin typeface="Helvetica" charset="0"/>
+                <a:ea typeface="Helvetica" charset="0"/>
+                <a:cs typeface="Helvetica" charset="0"/>
+              </a:rPr>
+              <a:t>=</a:t>
+            </a:r>
+            <a:r>
+              <a:rPr lang="en-US" dirty="0" smtClean="0">
+                <a:latin typeface="Helvetica" charset="0"/>
+                <a:ea typeface="Helvetica" charset="0"/>
+                <a:cs typeface="Helvetica" charset="0"/>
+              </a:rPr>
+              <a:t> </a:t>
+            </a:r>
+            <a:r>
+              <a:rPr lang="ru-RU" dirty="0" smtClean="0">
+                <a:latin typeface="Helvetica" charset="0"/>
+                <a:ea typeface="Helvetica" charset="0"/>
+                <a:cs typeface="Helvetica" charset="0"/>
+              </a:rPr>
+              <a:t>единица </a:t>
+            </a:r>
+            <a:r>
+              <a:rPr lang="ru-RU" dirty="0">
+                <a:latin typeface="Helvetica" charset="0"/>
+                <a:ea typeface="Helvetica" charset="0"/>
+                <a:cs typeface="Helvetica" charset="0"/>
+              </a:rPr>
+              <a:t>повествовательного языка (Силантьев)</a:t>
             </a:r>
           </a:p>
         </p:txBody>
       </p:sp>
       <p:sp>
         <p:nvSpPr>
-          <p:cNvPr id="6" name="Текст 5">
+          <p:cNvPr id="7" name="Объект 6">
             <a:extLst>
               <a:ext uri="{FF2B5EF4-FFF2-40B4-BE49-F238E27FC236}">
-                <a16:creationId xmlns:a16="http://schemas.microsoft.com/office/drawing/2014/main" id="{3FC3DF72-78EC-47C6-98B6-C7558A986498}"/>
+                <a16:creationId xmlns:a16="http://schemas.microsoft.com/office/drawing/2014/main" xmlns="" id="{FC0A36E1-9E0A-462B-A1F9-0316C03323A2}"/>
               </a:ext>
             </a:extLst>
           </p:cNvPr>
@@ -4207,45 +8169,12 @@
             <a:spLocks noGrp="1"/>
           </p:cNvSpPr>
           <p:nvPr>
-            <p:ph type="body" sz="quarter" idx="3"/>
+            <p:ph sz="quarter" idx="4"/>
           </p:nvPr>
         </p:nvSpPr>
         <p:spPr>
           <a:xfrm>
-            <a:off x="6282270" y="2367038"/>
-            <a:ext cx="5909730" cy="895840"/>
-          </a:xfrm>
-        </p:spPr>
-        <p:txBody>
-          <a:bodyPr/>
-          <a:lstStyle/>
-          <a:p>
-            <a:r>
-              <a:rPr lang="ru-RU" dirty="0"/>
-              <a:t>Мотив=единица повествовательного языка (Силантьев)</a:t>
-            </a:r>
-          </a:p>
-        </p:txBody>
-      </p:sp>
-      <p:sp>
-        <p:nvSpPr>
-          <p:cNvPr id="7" name="Объект 6">
-            <a:extLst>
-              <a:ext uri="{FF2B5EF4-FFF2-40B4-BE49-F238E27FC236}">
-                <a16:creationId xmlns:a16="http://schemas.microsoft.com/office/drawing/2014/main" id="{FC0A36E1-9E0A-462B-A1F9-0316C03323A2}"/>
-              </a:ext>
-            </a:extLst>
-          </p:cNvPr>
-          <p:cNvSpPr>
-            <a:spLocks noGrp="1"/>
-          </p:cNvSpPr>
-          <p:nvPr>
-            <p:ph sz="quarter" idx="4"/>
-          </p:nvPr>
-        </p:nvSpPr>
-        <p:spPr>
-          <a:xfrm>
-            <a:off x="7022499" y="3526289"/>
+            <a:off x="6282270" y="3270993"/>
             <a:ext cx="4718304" cy="2349578"/>
           </a:xfrm>
         </p:spPr>
@@ -4256,33 +8185,87 @@
           <a:lstStyle/>
           <a:p>
             <a:r>
-              <a:rPr lang="ru-RU" dirty="0"/>
+              <a:rPr lang="ru-RU" dirty="0">
+                <a:latin typeface="Helvetica" charset="0"/>
+                <a:ea typeface="Helvetica" charset="0"/>
+                <a:cs typeface="Helvetica" charset="0"/>
+              </a:rPr>
               <a:t>Дорога</a:t>
             </a:r>
           </a:p>
           <a:p>
             <a:r>
-              <a:rPr lang="ru-RU" dirty="0"/>
+              <a:rPr lang="ru-RU" dirty="0">
+                <a:latin typeface="Helvetica" charset="0"/>
+                <a:ea typeface="Helvetica" charset="0"/>
+                <a:cs typeface="Helvetica" charset="0"/>
+              </a:rPr>
               <a:t>Одиночество</a:t>
             </a:r>
           </a:p>
           <a:p>
             <a:r>
-              <a:rPr lang="ru-RU" dirty="0"/>
+              <a:rPr lang="ru-RU" dirty="0">
+                <a:latin typeface="Helvetica" charset="0"/>
+                <a:ea typeface="Helvetica" charset="0"/>
+                <a:cs typeface="Helvetica" charset="0"/>
+              </a:rPr>
               <a:t>Встреча</a:t>
             </a:r>
           </a:p>
           <a:p>
             <a:r>
-              <a:rPr lang="ru-RU" dirty="0"/>
+              <a:rPr lang="ru-RU" dirty="0">
+                <a:latin typeface="Helvetica" charset="0"/>
+                <a:ea typeface="Helvetica" charset="0"/>
+                <a:cs typeface="Helvetica" charset="0"/>
+              </a:rPr>
               <a:t>Дружба</a:t>
             </a:r>
           </a:p>
           <a:p>
             <a:r>
-              <a:rPr lang="ru-RU" dirty="0"/>
+              <a:rPr lang="ru-RU" dirty="0">
+                <a:latin typeface="Helvetica" charset="0"/>
+                <a:ea typeface="Helvetica" charset="0"/>
+                <a:cs typeface="Helvetica" charset="0"/>
+              </a:rPr>
               <a:t>…</a:t>
             </a:r>
+          </a:p>
+        </p:txBody>
+      </p:sp>
+      <p:sp>
+        <p:nvSpPr>
+          <p:cNvPr id="3" name="Заголовок 2"/>
+          <p:cNvSpPr>
+            <a:spLocks noGrp="1"/>
+          </p:cNvSpPr>
+          <p:nvPr>
+            <p:ph type="title"/>
+          </p:nvPr>
+        </p:nvSpPr>
+        <p:spPr/>
+        <p:txBody>
+          <a:bodyPr>
+            <a:normAutofit/>
+          </a:bodyPr>
+          <a:lstStyle/>
+          <a:p>
+            <a:pPr algn="ctr"/>
+            <a:r>
+              <a:rPr lang="ru-RU" sz="4800" dirty="0" smtClean="0">
+                <a:latin typeface="Helvetica" charset="0"/>
+                <a:ea typeface="Helvetica" charset="0"/>
+                <a:cs typeface="Helvetica" charset="0"/>
+              </a:rPr>
+              <a:t>Что такое мотив?</a:t>
+            </a:r>
+            <a:endParaRPr lang="ru-RU" sz="4800" dirty="0">
+              <a:latin typeface="Helvetica" charset="0"/>
+              <a:ea typeface="Helvetica" charset="0"/>
+              <a:cs typeface="Helvetica" charset="0"/>
+            </a:endParaRPr>
           </a:p>
         </p:txBody>
       </p:sp>
@@ -4296,6 +8279,13 @@
   <p:clrMapOvr>
     <a:masterClrMapping/>
   </p:clrMapOvr>
+  <p:timing>
+    <p:tnLst>
+      <p:par>
+        <p:cTn id="1" dur="indefinite" restart="never" nodeType="tmRoot"/>
+      </p:par>
+    </p:tnLst>
+  </p:timing>
 </p:sld>
 </file>
 
@@ -4321,7 +8311,7 @@
           <p:cNvPr id="7" name="Заголовок 6">
             <a:extLst>
               <a:ext uri="{FF2B5EF4-FFF2-40B4-BE49-F238E27FC236}">
-                <a16:creationId xmlns:a16="http://schemas.microsoft.com/office/drawing/2014/main" id="{A7CF4BD6-182A-4544-8182-101FCAC8548E}"/>
+                <a16:creationId xmlns:a16="http://schemas.microsoft.com/office/drawing/2014/main" xmlns="" id="{A7CF4BD6-182A-4544-8182-101FCAC8548E}"/>
               </a:ext>
             </a:extLst>
           </p:cNvPr>
@@ -4341,7 +8331,11 @@
           <a:p>
             <a:pPr algn="ctr"/>
             <a:r>
-              <a:rPr lang="ru-RU" sz="6000" dirty="0"/>
+              <a:rPr lang="ru-RU" sz="5400" dirty="0">
+                <a:latin typeface="Helvetica" charset="0"/>
+                <a:ea typeface="Helvetica" charset="0"/>
+                <a:cs typeface="Helvetica" charset="0"/>
+              </a:rPr>
               <a:t>Ключевые свойства мотива:</a:t>
             </a:r>
           </a:p>
@@ -4352,7 +8346,7 @@
           <p:cNvPr id="10" name="Объект 9">
             <a:extLst>
               <a:ext uri="{FF2B5EF4-FFF2-40B4-BE49-F238E27FC236}">
-                <a16:creationId xmlns:a16="http://schemas.microsoft.com/office/drawing/2014/main" id="{96061B44-ED9F-4707-8D57-6A39B2CF3957}"/>
+                <a16:creationId xmlns:a16="http://schemas.microsoft.com/office/drawing/2014/main" xmlns="" id="{96061B44-ED9F-4707-8D57-6A39B2CF3957}"/>
               </a:ext>
             </a:extLst>
           </p:cNvPr>
@@ -4371,21 +8365,48 @@
           <a:lstStyle/>
           <a:p>
             <a:r>
-              <a:rPr lang="ru-RU" sz="4000" dirty="0"/>
-              <a:t>Инвариантность</a:t>
-            </a:r>
-          </a:p>
-          <a:p>
-            <a:r>
-              <a:rPr lang="ru-RU" sz="4000" dirty="0"/>
-              <a:t>Повторяемость</a:t>
-            </a:r>
-          </a:p>
-          <a:p>
-            <a:r>
-              <a:rPr lang="ru-RU" sz="4000" dirty="0"/>
-              <a:t>Предикативность</a:t>
-            </a:r>
+              <a:rPr lang="ru-RU" sz="4000" dirty="0" smtClean="0">
+                <a:latin typeface="Helvetica" charset="0"/>
+                <a:ea typeface="Helvetica" charset="0"/>
+                <a:cs typeface="Helvetica" charset="0"/>
+              </a:rPr>
+              <a:t> Вариативность</a:t>
+            </a:r>
+            <a:endParaRPr lang="ru-RU" sz="4000" dirty="0">
+              <a:latin typeface="Helvetica" charset="0"/>
+              <a:ea typeface="Helvetica" charset="0"/>
+              <a:cs typeface="Helvetica" charset="0"/>
+            </a:endParaRPr>
+          </a:p>
+          <a:p>
+            <a:r>
+              <a:rPr lang="ru-RU" sz="4000" dirty="0" smtClean="0">
+                <a:latin typeface="Helvetica" charset="0"/>
+                <a:ea typeface="Helvetica" charset="0"/>
+                <a:cs typeface="Helvetica" charset="0"/>
+              </a:rPr>
+              <a:t> Повторяемость</a:t>
+            </a:r>
+            <a:endParaRPr lang="ru-RU" sz="4000" dirty="0">
+              <a:latin typeface="Helvetica" charset="0"/>
+              <a:ea typeface="Helvetica" charset="0"/>
+              <a:cs typeface="Helvetica" charset="0"/>
+            </a:endParaRPr>
+          </a:p>
+          <a:p>
+            <a:r>
+              <a:rPr lang="ru-RU" sz="4000" dirty="0" smtClean="0">
+                <a:latin typeface="Helvetica" charset="0"/>
+                <a:ea typeface="Helvetica" charset="0"/>
+                <a:cs typeface="Helvetica" charset="0"/>
+              </a:rPr>
+              <a:t> Предикативность</a:t>
+            </a:r>
+            <a:endParaRPr lang="ru-RU" sz="4000" dirty="0">
+              <a:latin typeface="Helvetica" charset="0"/>
+              <a:ea typeface="Helvetica" charset="0"/>
+              <a:cs typeface="Helvetica" charset="0"/>
+            </a:endParaRPr>
           </a:p>
         </p:txBody>
       </p:sp>
@@ -4399,6 +8420,13 @@
   <p:clrMapOvr>
     <a:masterClrMapping/>
   </p:clrMapOvr>
+  <p:timing>
+    <p:tnLst>
+      <p:par>
+        <p:cTn id="1" dur="indefinite" restart="never" nodeType="tmRoot"/>
+      </p:par>
+    </p:tnLst>
+  </p:timing>
 </p:sld>
 </file>
 
@@ -4419,65 +8447,12 @@
           <a:chExt cx="0" cy="0"/>
         </a:xfrm>
       </p:grpSpPr>
-      <p:sp>
-        <p:nvSpPr>
-          <p:cNvPr id="7" name="Заголовок 6">
-            <a:extLst>
-              <a:ext uri="{FF2B5EF4-FFF2-40B4-BE49-F238E27FC236}">
-                <a16:creationId xmlns:a16="http://schemas.microsoft.com/office/drawing/2014/main" id="{34391FF7-324B-4A91-942E-8285969DDD73}"/>
-              </a:ext>
-            </a:extLst>
-          </p:cNvPr>
-          <p:cNvSpPr>
-            <a:spLocks noGrp="1"/>
-          </p:cNvSpPr>
-          <p:nvPr>
-            <p:ph type="title"/>
-          </p:nvPr>
-        </p:nvSpPr>
-        <p:spPr>
-          <a:xfrm>
-            <a:off x="1295401" y="0"/>
-            <a:ext cx="9601196" cy="1915887"/>
-          </a:xfrm>
-        </p:spPr>
-        <p:txBody>
-          <a:bodyPr>
-            <a:normAutofit/>
-          </a:bodyPr>
-          <a:lstStyle/>
-          <a:p>
-            <a:pPr algn="ctr"/>
-            <a:r>
-              <a:rPr lang="ru-RU" b="1" dirty="0">
-                <a:effectLst>
-                  <a:outerShdw blurRad="38100" dist="38100" dir="2700000" algn="tl">
-                    <a:srgbClr val="000000">
-                      <a:alpha val="43137"/>
-                    </a:srgbClr>
-                  </a:outerShdw>
-                </a:effectLst>
-              </a:rPr>
-              <a:t>Инструмент поиска мотива</a:t>
-            </a:r>
-            <a:endParaRPr lang="ru-RU" dirty="0">
-              <a:effectLst>
-                <a:outerShdw blurRad="38100" dist="38100" dir="2700000" algn="tl">
-                  <a:srgbClr val="000000">
-                    <a:alpha val="43137"/>
-                  </a:srgbClr>
-                </a:outerShdw>
-              </a:effectLst>
-            </a:endParaRPr>
-          </a:p>
-        </p:txBody>
-      </p:sp>
       <p:pic>
         <p:nvPicPr>
           <p:cNvPr id="17" name="Объект 16">
             <a:extLst>
               <a:ext uri="{FF2B5EF4-FFF2-40B4-BE49-F238E27FC236}">
-                <a16:creationId xmlns:a16="http://schemas.microsoft.com/office/drawing/2014/main" id="{9FC54163-EE5E-4879-A2BC-5963D8164686}"/>
+                <a16:creationId xmlns:a16="http://schemas.microsoft.com/office/drawing/2014/main" xmlns="" id="{9FC54163-EE5E-4879-A2BC-5963D8164686}"/>
               </a:ext>
             </a:extLst>
           </p:cNvPr>
@@ -4507,6 +8482,78 @@
           </a:xfrm>
         </p:spPr>
       </p:pic>
+      <p:sp>
+        <p:nvSpPr>
+          <p:cNvPr id="5" name="Заголовок 1">
+            <a:extLst>
+              <a:ext uri="{FF2B5EF4-FFF2-40B4-BE49-F238E27FC236}">
+                <a16:creationId xmlns:a16="http://schemas.microsoft.com/office/drawing/2014/main" xmlns="" id="{5AE487BB-93AF-4AD0-A82F-572C1EB32E65}"/>
+              </a:ext>
+            </a:extLst>
+          </p:cNvPr>
+          <p:cNvSpPr txBox="1">
+            <a:spLocks/>
+          </p:cNvSpPr>
+          <p:nvPr/>
+        </p:nvSpPr>
+        <p:spPr>
+          <a:xfrm>
+            <a:off x="852051" y="226576"/>
+            <a:ext cx="10515600" cy="1325563"/>
+          </a:xfrm>
+          <a:prstGeom prst="rect">
+            <a:avLst/>
+          </a:prstGeom>
+        </p:spPr>
+        <p:txBody>
+          <a:bodyPr vert="horz" lIns="91440" tIns="45720" rIns="91440" bIns="45720" rtlCol="0" anchor="ctr">
+            <a:normAutofit/>
+          </a:bodyPr>
+          <a:lstStyle>
+            <a:lvl1pPr algn="l" defTabSz="914400" rtl="0" eaLnBrk="1" latinLnBrk="0" hangingPunct="1">
+              <a:lnSpc>
+                <a:spcPct val="90000"/>
+              </a:lnSpc>
+              <a:spcBef>
+                <a:spcPct val="0"/>
+              </a:spcBef>
+              <a:buNone/>
+              <a:defRPr sz="4400" kern="1200">
+                <a:solidFill>
+                  <a:schemeClr val="tx1"/>
+                </a:solidFill>
+                <a:latin typeface="+mj-lt"/>
+                <a:ea typeface="+mj-ea"/>
+                <a:cs typeface="+mj-cs"/>
+              </a:defRPr>
+            </a:lvl1pPr>
+          </a:lstStyle>
+          <a:p>
+            <a:pPr algn="ctr"/>
+            <a:r>
+              <a:rPr lang="ru-RU" dirty="0" smtClean="0">
+                <a:latin typeface="Helvetica" charset="0"/>
+                <a:ea typeface="Helvetica" charset="0"/>
+                <a:cs typeface="Helvetica" charset="0"/>
+              </a:rPr>
+              <a:t>Инструмент </a:t>
+            </a:r>
+            <a:r>
+              <a:rPr lang="ru-RU" smtClean="0">
+                <a:latin typeface="Helvetica" charset="0"/>
+                <a:ea typeface="Helvetica" charset="0"/>
+                <a:cs typeface="Helvetica" charset="0"/>
+              </a:rPr>
+              <a:t>поиска мотива</a:t>
+            </a:r>
+            <a:endParaRPr lang="ru-RU" dirty="0">
+              <a:latin typeface="Helvetica" charset="0"/>
+              <a:ea typeface="Helvetica" charset="0"/>
+              <a:cs typeface="Helvetica" charset="0"/>
+            </a:endParaRPr>
+          </a:p>
+        </p:txBody>
+      </p:sp>
     </p:spTree>
     <p:extLst>
       <p:ext uri="{BB962C8B-B14F-4D97-AF65-F5344CB8AC3E}">
@@ -4517,6 +8564,13 @@
   <p:clrMapOvr>
     <a:masterClrMapping/>
   </p:clrMapOvr>
+  <p:timing>
+    <p:tnLst>
+      <p:par>
+        <p:cTn id="1" dur="indefinite" restart="never" nodeType="tmRoot"/>
+      </p:par>
+    </p:tnLst>
+  </p:timing>
 </p:sld>
 </file>
 
@@ -4542,7 +8596,7 @@
           <p:cNvPr id="2" name="Заголовок 1">
             <a:extLst>
               <a:ext uri="{FF2B5EF4-FFF2-40B4-BE49-F238E27FC236}">
-                <a16:creationId xmlns:a16="http://schemas.microsoft.com/office/drawing/2014/main" id="{655886CE-9CE8-4640-9B54-335049D5A48E}"/>
+                <a16:creationId xmlns:a16="http://schemas.microsoft.com/office/drawing/2014/main" xmlns="" id="{655886CE-9CE8-4640-9B54-335049D5A48E}"/>
               </a:ext>
             </a:extLst>
           </p:cNvPr>
@@ -4555,16 +8609,22 @@
         </p:nvSpPr>
         <p:spPr>
           <a:xfrm>
-            <a:off x="831850" y="1709739"/>
+            <a:off x="831850" y="-610067"/>
             <a:ext cx="10515600" cy="1454376"/>
           </a:xfrm>
         </p:spPr>
         <p:txBody>
-          <a:bodyPr/>
+          <a:bodyPr>
+            <a:normAutofit/>
+          </a:bodyPr>
           <a:lstStyle/>
           <a:p>
             <a:r>
-              <a:rPr lang="ru-RU" dirty="0"/>
+              <a:rPr lang="ru-RU" sz="4800" dirty="0">
+                <a:latin typeface="Helvetica" charset="0"/>
+                <a:ea typeface="Helvetica" charset="0"/>
+                <a:cs typeface="Helvetica" charset="0"/>
+              </a:rPr>
               <a:t>Как это работает:</a:t>
             </a:r>
           </a:p>
@@ -4575,7 +8635,7 @@
           <p:cNvPr id="4" name="Текст 3">
             <a:extLst>
               <a:ext uri="{FF2B5EF4-FFF2-40B4-BE49-F238E27FC236}">
-                <a16:creationId xmlns:a16="http://schemas.microsoft.com/office/drawing/2014/main" id="{B18AE2EE-E4E3-4440-9CDF-C910405F7B81}"/>
+                <a16:creationId xmlns:a16="http://schemas.microsoft.com/office/drawing/2014/main" xmlns="" id="{B18AE2EE-E4E3-4440-9CDF-C910405F7B81}"/>
               </a:ext>
             </a:extLst>
           </p:cNvPr>
@@ -4595,6 +8655,36 @@
           </a:p>
         </p:txBody>
       </p:sp>
+      <p:pic>
+        <p:nvPicPr>
+          <p:cNvPr id="3" name="Рисунок 2"/>
+          <p:cNvPicPr>
+            <a:picLocks noChangeAspect="1"/>
+          </p:cNvPicPr>
+          <p:nvPr/>
+        </p:nvPicPr>
+        <p:blipFill>
+          <a:blip r:embed="rId2">
+            <a:extLst>
+              <a:ext uri="{28A0092B-C50C-407E-A947-70E740481C1C}">
+                <a14:useLocalDpi xmlns:a14="http://schemas.microsoft.com/office/drawing/2010/main" val="0"/>
+              </a:ext>
+            </a:extLst>
+          </a:blip>
+          <a:stretch>
+            <a:fillRect/>
+          </a:stretch>
+        </p:blipFill>
+        <p:spPr>
+          <a:xfrm>
+            <a:off x="1267714" y="872019"/>
+            <a:ext cx="9644126" cy="5777043"/>
+          </a:xfrm>
+          <a:prstGeom prst="rect">
+            <a:avLst/>
+          </a:prstGeom>
+        </p:spPr>
+      </p:pic>
     </p:spTree>
     <p:extLst>
       <p:ext uri="{BB962C8B-B14F-4D97-AF65-F5344CB8AC3E}">
@@ -4605,6 +8695,13 @@
   <p:clrMapOvr>
     <a:masterClrMapping/>
   </p:clrMapOvr>
+  <p:timing>
+    <p:tnLst>
+      <p:par>
+        <p:cTn id="1" dur="indefinite" restart="never" nodeType="tmRoot"/>
+      </p:par>
+    </p:tnLst>
+  </p:timing>
 </p:sld>
 </file>
 
@@ -4627,53 +8724,10 @@
       </p:grpSpPr>
       <p:sp>
         <p:nvSpPr>
-          <p:cNvPr id="4" name="Заголовок 3">
-            <a:extLst>
-              <a:ext uri="{FF2B5EF4-FFF2-40B4-BE49-F238E27FC236}">
-                <a16:creationId xmlns:a16="http://schemas.microsoft.com/office/drawing/2014/main" id="{91C4D568-F60E-4739-8A55-017AB83773D7}"/>
-              </a:ext>
-            </a:extLst>
-          </p:cNvPr>
-          <p:cNvSpPr>
-            <a:spLocks noGrp="1"/>
-          </p:cNvSpPr>
-          <p:nvPr>
-            <p:ph type="title"/>
-          </p:nvPr>
-        </p:nvSpPr>
-        <p:spPr>
-          <a:xfrm>
-            <a:off x="1204685" y="855549"/>
-            <a:ext cx="10711543" cy="275772"/>
-          </a:xfrm>
-        </p:spPr>
-        <p:txBody>
-          <a:bodyPr>
-            <a:normAutofit fontScale="90000"/>
-          </a:bodyPr>
-          <a:lstStyle/>
-          <a:p>
-            <a:pPr algn="ctr"/>
-            <a:r>
-              <a:rPr lang="ru-RU" dirty="0"/>
-              <a:t>1. Выбрать мотив (= исследовательская гипотеза)</a:t>
-            </a:r>
-            <a:br>
-              <a:rPr lang="ru-RU" dirty="0"/>
-            </a:br>
-            <a:r>
-              <a:rPr lang="ru-RU" sz="3600" dirty="0"/>
-              <a:t>(для романа «Мастер и Маргарита»)</a:t>
-            </a:r>
-          </a:p>
-        </p:txBody>
-      </p:sp>
-      <p:sp>
-        <p:nvSpPr>
           <p:cNvPr id="6" name="Текст 5">
             <a:extLst>
               <a:ext uri="{FF2B5EF4-FFF2-40B4-BE49-F238E27FC236}">
-                <a16:creationId xmlns:a16="http://schemas.microsoft.com/office/drawing/2014/main" id="{8E35DC7A-352D-44AD-B30D-26B9F0380DCE}"/>
+                <a16:creationId xmlns:a16="http://schemas.microsoft.com/office/drawing/2014/main" xmlns="" id="{8E35DC7A-352D-44AD-B30D-26B9F0380DCE}"/>
               </a:ext>
             </a:extLst>
           </p:cNvPr>
@@ -4696,7 +8750,11 @@
           <a:p>
             <a:pPr algn="ctr"/>
             <a:r>
-              <a:rPr lang="ru-RU" sz="4000" dirty="0"/>
+              <a:rPr lang="ru-RU" sz="4000" dirty="0">
+                <a:latin typeface="Helvetica" charset="0"/>
+                <a:ea typeface="Helvetica" charset="0"/>
+                <a:cs typeface="Helvetica" charset="0"/>
+              </a:rPr>
               <a:t>Тема</a:t>
             </a:r>
           </a:p>
@@ -4707,7 +8765,7 @@
           <p:cNvPr id="7" name="Объект 6">
             <a:extLst>
               <a:ext uri="{FF2B5EF4-FFF2-40B4-BE49-F238E27FC236}">
-                <a16:creationId xmlns:a16="http://schemas.microsoft.com/office/drawing/2014/main" id="{D76593F4-83C4-4CC3-B7DA-828A5B75AFBD}"/>
+                <a16:creationId xmlns:a16="http://schemas.microsoft.com/office/drawing/2014/main" xmlns="" id="{D76593F4-83C4-4CC3-B7DA-828A5B75AFBD}"/>
               </a:ext>
             </a:extLst>
           </p:cNvPr>
@@ -4731,7 +8789,11 @@
           <a:lstStyle/>
           <a:p>
             <a:r>
-              <a:rPr lang="ru-RU" sz="3600" dirty="0"/>
+              <a:rPr lang="ru-RU" sz="3600" dirty="0">
+                <a:latin typeface="Helvetica" charset="0"/>
+                <a:ea typeface="Helvetica" charset="0"/>
+                <a:cs typeface="Helvetica" charset="0"/>
+              </a:rPr>
               <a:t>Погода</a:t>
             </a:r>
           </a:p>
@@ -4742,7 +8804,7 @@
           <p:cNvPr id="8" name="Текст 7">
             <a:extLst>
               <a:ext uri="{FF2B5EF4-FFF2-40B4-BE49-F238E27FC236}">
-                <a16:creationId xmlns:a16="http://schemas.microsoft.com/office/drawing/2014/main" id="{1394C65C-B0A3-4189-8FBD-B58C233A862F}"/>
+                <a16:creationId xmlns:a16="http://schemas.microsoft.com/office/drawing/2014/main" xmlns="" id="{1394C65C-B0A3-4189-8FBD-B58C233A862F}"/>
               </a:ext>
             </a:extLst>
           </p:cNvPr>
@@ -4765,7 +8827,11 @@
           <a:p>
             <a:pPr algn="ctr"/>
             <a:r>
-              <a:rPr lang="ru-RU" sz="4000" dirty="0"/>
+              <a:rPr lang="ru-RU" sz="4000" dirty="0">
+                <a:latin typeface="Helvetica" charset="0"/>
+                <a:ea typeface="Helvetica" charset="0"/>
+                <a:cs typeface="Helvetica" charset="0"/>
+              </a:rPr>
               <a:t>Мотив</a:t>
             </a:r>
           </a:p>
@@ -4776,7 +8842,7 @@
           <p:cNvPr id="9" name="Объект 8">
             <a:extLst>
               <a:ext uri="{FF2B5EF4-FFF2-40B4-BE49-F238E27FC236}">
-                <a16:creationId xmlns:a16="http://schemas.microsoft.com/office/drawing/2014/main" id="{F7E3E6E8-4142-42E8-B01E-FAFE5F1AB5DA}"/>
+                <a16:creationId xmlns:a16="http://schemas.microsoft.com/office/drawing/2014/main" xmlns="" id="{F7E3E6E8-4142-42E8-B01E-FAFE5F1AB5DA}"/>
               </a:ext>
             </a:extLst>
           </p:cNvPr>
@@ -4800,21 +8866,78 @@
           <a:lstStyle/>
           <a:p>
             <a:r>
-              <a:rPr lang="ru-RU" sz="3600" dirty="0"/>
+              <a:rPr lang="ru-RU" sz="3600" dirty="0">
+                <a:latin typeface="Helvetica" charset="0"/>
+                <a:ea typeface="Helvetica" charset="0"/>
+                <a:cs typeface="Helvetica" charset="0"/>
+              </a:rPr>
               <a:t>Движение</a:t>
             </a:r>
           </a:p>
           <a:p>
             <a:r>
-              <a:rPr lang="ru-RU" sz="3600" dirty="0"/>
+              <a:rPr lang="ru-RU" sz="3600" dirty="0">
+                <a:latin typeface="Helvetica" charset="0"/>
+                <a:ea typeface="Helvetica" charset="0"/>
+                <a:cs typeface="Helvetica" charset="0"/>
+              </a:rPr>
               <a:t>Пьянство</a:t>
             </a:r>
           </a:p>
           <a:p>
             <a:r>
-              <a:rPr lang="ru-RU" sz="3600" dirty="0"/>
+              <a:rPr lang="ru-RU" sz="3600" dirty="0">
+                <a:latin typeface="Helvetica" charset="0"/>
+                <a:ea typeface="Helvetica" charset="0"/>
+                <a:cs typeface="Helvetica" charset="0"/>
+              </a:rPr>
               <a:t>Смех</a:t>
             </a:r>
+          </a:p>
+        </p:txBody>
+      </p:sp>
+      <p:sp>
+        <p:nvSpPr>
+          <p:cNvPr id="2" name="Заголовок 1"/>
+          <p:cNvSpPr>
+            <a:spLocks noGrp="1"/>
+          </p:cNvSpPr>
+          <p:nvPr>
+            <p:ph type="title"/>
+          </p:nvPr>
+        </p:nvSpPr>
+        <p:spPr>
+          <a:xfrm>
+            <a:off x="562694" y="365125"/>
+            <a:ext cx="10515600" cy="1325563"/>
+          </a:xfrm>
+        </p:spPr>
+        <p:txBody>
+          <a:bodyPr/>
+          <a:lstStyle/>
+          <a:p>
+            <a:pPr algn="ctr"/>
+            <a:r>
+              <a:rPr lang="ru-RU" smtClean="0">
+                <a:latin typeface="Helvetica" charset="0"/>
+                <a:ea typeface="Helvetica" charset="0"/>
+                <a:cs typeface="Helvetica" charset="0"/>
+              </a:rPr>
+              <a:t>1. </a:t>
+            </a:r>
+            <a:r>
+              <a:rPr lang="ru-RU" dirty="0" smtClean="0">
+                <a:latin typeface="Helvetica" charset="0"/>
+                <a:ea typeface="Helvetica" charset="0"/>
+                <a:cs typeface="Helvetica" charset="0"/>
+              </a:rPr>
+              <a:t>Выбор мотивов</a:t>
+            </a:r>
+            <a:endParaRPr lang="ru-RU" dirty="0">
+              <a:latin typeface="Helvetica" charset="0"/>
+              <a:ea typeface="Helvetica" charset="0"/>
+              <a:cs typeface="Helvetica" charset="0"/>
+            </a:endParaRPr>
           </a:p>
         </p:txBody>
       </p:sp>
@@ -4828,6 +8951,13 @@
   <p:clrMapOvr>
     <a:masterClrMapping/>
   </p:clrMapOvr>
+  <p:timing>
+    <p:tnLst>
+      <p:par>
+        <p:cTn id="1" dur="indefinite" restart="never" nodeType="tmRoot"/>
+      </p:par>
+    </p:tnLst>
+  </p:timing>
 </p:sld>
 </file>
 
@@ -4853,7 +8983,7 @@
           <p:cNvPr id="7" name="Заголовок 6">
             <a:extLst>
               <a:ext uri="{FF2B5EF4-FFF2-40B4-BE49-F238E27FC236}">
-                <a16:creationId xmlns:a16="http://schemas.microsoft.com/office/drawing/2014/main" id="{967DE051-A85C-4B8D-AA13-F372BF89866A}"/>
+                <a16:creationId xmlns:a16="http://schemas.microsoft.com/office/drawing/2014/main" xmlns="" id="{967DE051-A85C-4B8D-AA13-F372BF89866A}"/>
               </a:ext>
             </a:extLst>
           </p:cNvPr>
@@ -4866,7 +8996,7 @@
         </p:nvSpPr>
         <p:spPr>
           <a:xfrm>
-            <a:off x="1295401" y="0"/>
+            <a:off x="1295401" y="124692"/>
             <a:ext cx="9601196" cy="657981"/>
           </a:xfrm>
         </p:spPr>
@@ -4878,7 +9008,11 @@
           <a:p>
             <a:pPr algn="ctr"/>
             <a:r>
-              <a:rPr lang="ru-RU" dirty="0"/>
+              <a:rPr lang="ru-RU" dirty="0">
+                <a:latin typeface="Helvetica" charset="0"/>
+                <a:ea typeface="Helvetica" charset="0"/>
+                <a:cs typeface="Helvetica" charset="0"/>
+              </a:rPr>
               <a:t>2. Составление словарей</a:t>
             </a:r>
           </a:p>
@@ -4889,7 +9023,7 @@
           <p:cNvPr id="8" name="Объект 7">
             <a:extLst>
               <a:ext uri="{FF2B5EF4-FFF2-40B4-BE49-F238E27FC236}">
-                <a16:creationId xmlns:a16="http://schemas.microsoft.com/office/drawing/2014/main" id="{D2CECBB9-BD46-40AA-8F54-B6ED05034E9F}"/>
+                <a16:creationId xmlns:a16="http://schemas.microsoft.com/office/drawing/2014/main" xmlns="" id="{D2CECBB9-BD46-40AA-8F54-B6ED05034E9F}"/>
               </a:ext>
             </a:extLst>
           </p:cNvPr>
@@ -4916,7 +9050,11 @@
               <a:buNone/>
             </a:pPr>
             <a:r>
-              <a:rPr lang="ru-RU" sz="2000" b="1" u="sng" dirty="0"/>
+              <a:rPr lang="ru-RU" sz="2000" b="1" u="sng" dirty="0">
+                <a:latin typeface="Helvetica" charset="0"/>
+                <a:ea typeface="Helvetica" charset="0"/>
+                <a:cs typeface="Helvetica" charset="0"/>
+              </a:rPr>
               <a:t>Прилагательные</a:t>
             </a:r>
           </a:p>
@@ -4925,7 +9063,11 @@
               <a:buNone/>
             </a:pPr>
             <a:r>
-              <a:rPr lang="ru-RU" sz="2000" dirty="0"/>
+              <a:rPr lang="ru-RU" sz="2000" dirty="0">
+                <a:latin typeface="Helvetica" charset="0"/>
+                <a:ea typeface="Helvetica" charset="0"/>
+                <a:cs typeface="Helvetica" charset="0"/>
+              </a:rPr>
               <a:t>1. Алкогольный</a:t>
             </a:r>
           </a:p>
@@ -4934,7 +9076,11 @@
               <a:buNone/>
             </a:pPr>
             <a:r>
-              <a:rPr lang="ru-RU" sz="2000" dirty="0"/>
+              <a:rPr lang="ru-RU" sz="2000" dirty="0">
+                <a:latin typeface="Helvetica" charset="0"/>
+                <a:ea typeface="Helvetica" charset="0"/>
+                <a:cs typeface="Helvetica" charset="0"/>
+              </a:rPr>
               <a:t>2. Хмельной</a:t>
             </a:r>
           </a:p>
@@ -4943,7 +9089,11 @@
               <a:buNone/>
             </a:pPr>
             <a:r>
-              <a:rPr lang="ru-RU" sz="1400" dirty="0"/>
+              <a:rPr lang="ru-RU" sz="1400" dirty="0">
+                <a:latin typeface="Helvetica" charset="0"/>
+                <a:ea typeface="Helvetica" charset="0"/>
+                <a:cs typeface="Helvetica" charset="0"/>
+              </a:rPr>
               <a:t>…</a:t>
             </a:r>
           </a:p>
@@ -4952,7 +9102,11 @@
               <a:buNone/>
             </a:pPr>
             <a:r>
-              <a:rPr lang="ru-RU" sz="2000" dirty="0"/>
+              <a:rPr lang="ru-RU" sz="2000" dirty="0">
+                <a:latin typeface="Helvetica" charset="0"/>
+                <a:ea typeface="Helvetica" charset="0"/>
+                <a:cs typeface="Helvetica" charset="0"/>
+              </a:rPr>
               <a:t>6. Горячительный</a:t>
             </a:r>
           </a:p>
@@ -4961,7 +9115,11 @@
               <a:buNone/>
             </a:pPr>
             <a:r>
-              <a:rPr lang="ru-RU" sz="2000" b="1" dirty="0"/>
+              <a:rPr lang="ru-RU" sz="2000" b="1" dirty="0">
+                <a:latin typeface="Helvetica" charset="0"/>
+                <a:ea typeface="Helvetica" charset="0"/>
+                <a:cs typeface="Helvetica" charset="0"/>
+              </a:rPr>
               <a:t>+</a:t>
             </a:r>
           </a:p>
@@ -4970,7 +9128,11 @@
               <a:buNone/>
             </a:pPr>
             <a:r>
-              <a:rPr lang="ru-RU" sz="2000" dirty="0"/>
+              <a:rPr lang="ru-RU" sz="2000" dirty="0">
+                <a:latin typeface="Helvetica" charset="0"/>
+                <a:ea typeface="Helvetica" charset="0"/>
+                <a:cs typeface="Helvetica" charset="0"/>
+              </a:rPr>
               <a:t>1.Запойный</a:t>
             </a:r>
           </a:p>
@@ -4979,7 +9141,11 @@
               <a:buNone/>
             </a:pPr>
             <a:r>
-              <a:rPr lang="ru-RU" sz="2000" dirty="0"/>
+              <a:rPr lang="ru-RU" sz="2000" dirty="0">
+                <a:latin typeface="Helvetica" charset="0"/>
+                <a:ea typeface="Helvetica" charset="0"/>
+                <a:cs typeface="Helvetica" charset="0"/>
+              </a:rPr>
               <a:t>2. Беспробудный</a:t>
             </a:r>
           </a:p>
@@ -4988,7 +9154,11 @@
               <a:buNone/>
             </a:pPr>
             <a:r>
-              <a:rPr lang="ru-RU" sz="1400" dirty="0"/>
+              <a:rPr lang="ru-RU" sz="1400" dirty="0">
+                <a:latin typeface="Helvetica" charset="0"/>
+                <a:ea typeface="Helvetica" charset="0"/>
+                <a:cs typeface="Helvetica" charset="0"/>
+              </a:rPr>
               <a:t>…</a:t>
             </a:r>
           </a:p>
@@ -4997,7 +9167,11 @@
               <a:buNone/>
             </a:pPr>
             <a:r>
-              <a:rPr lang="ru-RU" sz="2000" dirty="0"/>
+              <a:rPr lang="ru-RU" sz="2000" dirty="0">
+                <a:latin typeface="Helvetica" charset="0"/>
+                <a:ea typeface="Helvetica" charset="0"/>
+                <a:cs typeface="Helvetica" charset="0"/>
+              </a:rPr>
               <a:t>10. Навеселе</a:t>
             </a:r>
           </a:p>
@@ -5005,44 +9179,72 @@
             <a:pPr marL="0" indent="0">
               <a:buNone/>
             </a:pPr>
-            <a:endParaRPr lang="ru-RU" sz="2000" dirty="0"/>
+            <a:endParaRPr lang="ru-RU" sz="2000" dirty="0">
+              <a:latin typeface="Helvetica" charset="0"/>
+              <a:ea typeface="Helvetica" charset="0"/>
+              <a:cs typeface="Helvetica" charset="0"/>
+            </a:endParaRPr>
           </a:p>
           <a:p>
             <a:pPr marL="0" indent="0">
               <a:buNone/>
             </a:pPr>
-            <a:endParaRPr lang="ru-RU" sz="2000" dirty="0"/>
+            <a:endParaRPr lang="ru-RU" sz="2000" dirty="0">
+              <a:latin typeface="Helvetica" charset="0"/>
+              <a:ea typeface="Helvetica" charset="0"/>
+              <a:cs typeface="Helvetica" charset="0"/>
+            </a:endParaRPr>
           </a:p>
           <a:p>
             <a:pPr marL="0" indent="0">
               <a:buNone/>
             </a:pPr>
-            <a:endParaRPr lang="ru-RU" sz="2000" dirty="0"/>
+            <a:endParaRPr lang="ru-RU" sz="2000" dirty="0">
+              <a:latin typeface="Helvetica" charset="0"/>
+              <a:ea typeface="Helvetica" charset="0"/>
+              <a:cs typeface="Helvetica" charset="0"/>
+            </a:endParaRPr>
           </a:p>
           <a:p>
             <a:pPr marL="0" indent="0">
               <a:buNone/>
             </a:pPr>
-            <a:endParaRPr lang="ru-RU" sz="2000" dirty="0"/>
+            <a:endParaRPr lang="ru-RU" sz="2000" dirty="0">
+              <a:latin typeface="Helvetica" charset="0"/>
+              <a:ea typeface="Helvetica" charset="0"/>
+              <a:cs typeface="Helvetica" charset="0"/>
+            </a:endParaRPr>
           </a:p>
           <a:p>
             <a:pPr marL="0" indent="0">
               <a:buNone/>
             </a:pPr>
-            <a:endParaRPr lang="ru-RU" sz="2000" dirty="0"/>
+            <a:endParaRPr lang="ru-RU" sz="2000" dirty="0">
+              <a:latin typeface="Helvetica" charset="0"/>
+              <a:ea typeface="Helvetica" charset="0"/>
+              <a:cs typeface="Helvetica" charset="0"/>
+            </a:endParaRPr>
           </a:p>
           <a:p>
             <a:pPr marL="0" indent="0">
               <a:buNone/>
             </a:pPr>
-            <a:endParaRPr lang="ru-RU" sz="2000" dirty="0"/>
+            <a:endParaRPr lang="ru-RU" sz="2000" dirty="0">
+              <a:latin typeface="Helvetica" charset="0"/>
+              <a:ea typeface="Helvetica" charset="0"/>
+              <a:cs typeface="Helvetica" charset="0"/>
+            </a:endParaRPr>
           </a:p>
           <a:p>
             <a:pPr marL="0" indent="0">
               <a:buNone/>
             </a:pPr>
             <a:r>
-              <a:rPr lang="ru-RU" sz="2000" b="1" u="sng" dirty="0"/>
+              <a:rPr lang="ru-RU" sz="2000" b="1" u="sng" dirty="0">
+                <a:latin typeface="Helvetica" charset="0"/>
+                <a:ea typeface="Helvetica" charset="0"/>
+                <a:cs typeface="Helvetica" charset="0"/>
+              </a:rPr>
               <a:t>Существительные</a:t>
             </a:r>
           </a:p>
@@ -5051,7 +9253,11 @@
               <a:buNone/>
             </a:pPr>
             <a:r>
-              <a:rPr lang="ru-RU" sz="2000" dirty="0"/>
+              <a:rPr lang="ru-RU" sz="2000" dirty="0">
+                <a:latin typeface="Helvetica" charset="0"/>
+                <a:ea typeface="Helvetica" charset="0"/>
+                <a:cs typeface="Helvetica" charset="0"/>
+              </a:rPr>
               <a:t>1. Спирт</a:t>
             </a:r>
           </a:p>
@@ -5060,21 +9266,37 @@
               <a:buNone/>
             </a:pPr>
             <a:r>
-              <a:rPr lang="ru-RU" sz="2000" dirty="0"/>
+              <a:rPr lang="ru-RU" sz="2000" dirty="0">
+                <a:latin typeface="Helvetica" charset="0"/>
+                <a:ea typeface="Helvetica" charset="0"/>
+                <a:cs typeface="Helvetica" charset="0"/>
+              </a:rPr>
               <a:t>2. </a:t>
             </a:r>
             <a:r>
-              <a:rPr lang="ru-RU" sz="2000" dirty="0" err="1"/>
+              <a:rPr lang="ru-RU" sz="2000" dirty="0" err="1">
+                <a:latin typeface="Helvetica" charset="0"/>
+                <a:ea typeface="Helvetica" charset="0"/>
+                <a:cs typeface="Helvetica" charset="0"/>
+              </a:rPr>
               <a:t>Абботс</a:t>
             </a:r>
-            <a:endParaRPr lang="ru-RU" sz="2000" dirty="0"/>
+            <a:endParaRPr lang="ru-RU" sz="2000" dirty="0">
+              <a:latin typeface="Helvetica" charset="0"/>
+              <a:ea typeface="Helvetica" charset="0"/>
+              <a:cs typeface="Helvetica" charset="0"/>
+            </a:endParaRPr>
           </a:p>
           <a:p>
             <a:pPr marL="0" indent="0">
               <a:buNone/>
             </a:pPr>
             <a:r>
-              <a:rPr lang="ru-RU" sz="1500" dirty="0"/>
+              <a:rPr lang="ru-RU" sz="1500" dirty="0">
+                <a:latin typeface="Helvetica" charset="0"/>
+                <a:ea typeface="Helvetica" charset="0"/>
+                <a:cs typeface="Helvetica" charset="0"/>
+              </a:rPr>
               <a:t>…</a:t>
             </a:r>
           </a:p>
@@ -5083,21 +9305,37 @@
               <a:buNone/>
             </a:pPr>
             <a:r>
-              <a:rPr lang="ru-RU" sz="2000" dirty="0"/>
+              <a:rPr lang="ru-RU" sz="2000" dirty="0">
+                <a:latin typeface="Helvetica" charset="0"/>
+                <a:ea typeface="Helvetica" charset="0"/>
+                <a:cs typeface="Helvetica" charset="0"/>
+              </a:rPr>
               <a:t>382. </a:t>
             </a:r>
             <a:r>
-              <a:rPr lang="ru-RU" sz="2000" dirty="0" err="1"/>
+              <a:rPr lang="ru-RU" sz="2000" dirty="0" err="1">
+                <a:latin typeface="Helvetica" charset="0"/>
+                <a:ea typeface="Helvetica" charset="0"/>
+                <a:cs typeface="Helvetica" charset="0"/>
+              </a:rPr>
               <a:t>Ягермайстер</a:t>
             </a:r>
-            <a:endParaRPr lang="ru-RU" sz="2000" dirty="0"/>
+            <a:endParaRPr lang="ru-RU" sz="2000" dirty="0">
+              <a:latin typeface="Helvetica" charset="0"/>
+              <a:ea typeface="Helvetica" charset="0"/>
+              <a:cs typeface="Helvetica" charset="0"/>
+            </a:endParaRPr>
           </a:p>
           <a:p>
             <a:pPr marL="0" indent="0">
               <a:buNone/>
             </a:pPr>
             <a:r>
-              <a:rPr lang="ru-RU" sz="2000" b="1" dirty="0"/>
+              <a:rPr lang="ru-RU" sz="2000" b="1" dirty="0">
+                <a:latin typeface="Helvetica" charset="0"/>
+                <a:ea typeface="Helvetica" charset="0"/>
+                <a:cs typeface="Helvetica" charset="0"/>
+              </a:rPr>
               <a:t>+</a:t>
             </a:r>
           </a:p>
@@ -5106,7 +9344,11 @@
               <a:buNone/>
             </a:pPr>
             <a:r>
-              <a:rPr lang="ru-RU" sz="2000" dirty="0"/>
+              <a:rPr lang="ru-RU" sz="2000" dirty="0">
+                <a:latin typeface="Helvetica" charset="0"/>
+                <a:ea typeface="Helvetica" charset="0"/>
+                <a:cs typeface="Helvetica" charset="0"/>
+              </a:rPr>
               <a:t>1.Рюмка</a:t>
             </a:r>
           </a:p>
@@ -5115,7 +9357,11 @@
               <a:buNone/>
             </a:pPr>
             <a:r>
-              <a:rPr lang="ru-RU" sz="2000" dirty="0"/>
+              <a:rPr lang="ru-RU" sz="2000" dirty="0">
+                <a:latin typeface="Helvetica" charset="0"/>
+                <a:ea typeface="Helvetica" charset="0"/>
+                <a:cs typeface="Helvetica" charset="0"/>
+              </a:rPr>
               <a:t>2. Чаша</a:t>
             </a:r>
           </a:p>
@@ -5124,7 +9370,11 @@
               <a:buNone/>
             </a:pPr>
             <a:r>
-              <a:rPr lang="ru-RU" sz="1500" dirty="0"/>
+              <a:rPr lang="ru-RU" sz="1500" dirty="0">
+                <a:latin typeface="Helvetica" charset="0"/>
+                <a:ea typeface="Helvetica" charset="0"/>
+                <a:cs typeface="Helvetica" charset="0"/>
+              </a:rPr>
               <a:t>…</a:t>
             </a:r>
           </a:p>
@@ -5133,7 +9383,11 @@
               <a:buNone/>
             </a:pPr>
             <a:r>
-              <a:rPr lang="ru-RU" sz="2000" dirty="0"/>
+              <a:rPr lang="ru-RU" sz="2000" dirty="0">
+                <a:latin typeface="Helvetica" charset="0"/>
+                <a:ea typeface="Helvetica" charset="0"/>
+                <a:cs typeface="Helvetica" charset="0"/>
+              </a:rPr>
               <a:t>11. Графинчик</a:t>
             </a:r>
           </a:p>
@@ -5142,7 +9396,11 @@
               <a:buNone/>
             </a:pPr>
             <a:r>
-              <a:rPr lang="ru-RU" sz="2000" dirty="0"/>
+              <a:rPr lang="ru-RU" sz="2000" dirty="0">
+                <a:latin typeface="Helvetica" charset="0"/>
+                <a:ea typeface="Helvetica" charset="0"/>
+                <a:cs typeface="Helvetica" charset="0"/>
+              </a:rPr>
               <a:t>+</a:t>
             </a:r>
           </a:p>
@@ -5151,7 +9409,11 @@
               <a:buNone/>
             </a:pPr>
             <a:r>
-              <a:rPr lang="ru-RU" sz="2000" dirty="0"/>
+              <a:rPr lang="ru-RU" sz="2000" dirty="0">
+                <a:latin typeface="Helvetica" charset="0"/>
+                <a:ea typeface="Helvetica" charset="0"/>
+                <a:cs typeface="Helvetica" charset="0"/>
+              </a:rPr>
               <a:t>1. Загул</a:t>
             </a:r>
           </a:p>
@@ -5160,7 +9422,11 @@
               <a:buNone/>
             </a:pPr>
             <a:r>
-              <a:rPr lang="ru-RU" sz="2000" dirty="0"/>
+              <a:rPr lang="ru-RU" sz="2000" dirty="0">
+                <a:latin typeface="Helvetica" charset="0"/>
+                <a:ea typeface="Helvetica" charset="0"/>
+                <a:cs typeface="Helvetica" charset="0"/>
+              </a:rPr>
               <a:t>2. Выпивка</a:t>
             </a:r>
           </a:p>
@@ -5169,7 +9435,11 @@
               <a:buNone/>
             </a:pPr>
             <a:r>
-              <a:rPr lang="ru-RU" sz="1500" dirty="0"/>
+              <a:rPr lang="ru-RU" sz="1500" dirty="0">
+                <a:latin typeface="Helvetica" charset="0"/>
+                <a:ea typeface="Helvetica" charset="0"/>
+                <a:cs typeface="Helvetica" charset="0"/>
+              </a:rPr>
               <a:t>…</a:t>
             </a:r>
           </a:p>
@@ -5178,7 +9448,11 @@
               <a:buNone/>
             </a:pPr>
             <a:r>
-              <a:rPr lang="ru-RU" sz="2000" dirty="0"/>
+              <a:rPr lang="ru-RU" sz="2000" dirty="0">
+                <a:latin typeface="Helvetica" charset="0"/>
+                <a:ea typeface="Helvetica" charset="0"/>
+                <a:cs typeface="Helvetica" charset="0"/>
+              </a:rPr>
               <a:t>19. Алкоголик</a:t>
             </a:r>
           </a:p>
@@ -5186,14 +9460,22 @@
             <a:pPr marL="0" indent="0">
               <a:buNone/>
             </a:pPr>
-            <a:endParaRPr lang="ru-RU" sz="2000" dirty="0"/>
+            <a:endParaRPr lang="ru-RU" sz="2000" dirty="0">
+              <a:latin typeface="Helvetica" charset="0"/>
+              <a:ea typeface="Helvetica" charset="0"/>
+              <a:cs typeface="Helvetica" charset="0"/>
+            </a:endParaRPr>
           </a:p>
           <a:p>
             <a:pPr marL="0" indent="0">
               <a:buNone/>
             </a:pPr>
             <a:r>
-              <a:rPr lang="ru-RU" sz="2000" b="1" u="sng" dirty="0"/>
+              <a:rPr lang="ru-RU" sz="2000" b="1" u="sng" dirty="0">
+                <a:latin typeface="Helvetica" charset="0"/>
+                <a:ea typeface="Helvetica" charset="0"/>
+                <a:cs typeface="Helvetica" charset="0"/>
+              </a:rPr>
               <a:t>Глаголы</a:t>
             </a:r>
           </a:p>
@@ -5202,7 +9484,11 @@
               <a:buNone/>
             </a:pPr>
             <a:r>
-              <a:rPr lang="ru-RU" sz="2000" dirty="0"/>
+              <a:rPr lang="ru-RU" sz="2000" dirty="0">
+                <a:latin typeface="Helvetica" charset="0"/>
+                <a:ea typeface="Helvetica" charset="0"/>
+                <a:cs typeface="Helvetica" charset="0"/>
+              </a:rPr>
               <a:t>1. Пить</a:t>
             </a:r>
           </a:p>
@@ -5211,7 +9497,11 @@
               <a:buNone/>
             </a:pPr>
             <a:r>
-              <a:rPr lang="ru-RU" sz="2000" dirty="0"/>
+              <a:rPr lang="ru-RU" sz="2000" dirty="0">
+                <a:latin typeface="Helvetica" charset="0"/>
+                <a:ea typeface="Helvetica" charset="0"/>
+                <a:cs typeface="Helvetica" charset="0"/>
+              </a:rPr>
               <a:t>2. Выпивать</a:t>
             </a:r>
           </a:p>
@@ -5220,7 +9510,11 @@
               <a:buNone/>
             </a:pPr>
             <a:r>
-              <a:rPr lang="ru-RU" sz="2000" dirty="0"/>
+              <a:rPr lang="ru-RU" sz="2000" dirty="0">
+                <a:latin typeface="Helvetica" charset="0"/>
+                <a:ea typeface="Helvetica" charset="0"/>
+                <a:cs typeface="Helvetica" charset="0"/>
+              </a:rPr>
               <a:t>3. Закладывать</a:t>
             </a:r>
           </a:p>
@@ -5229,7 +9523,11 @@
               <a:buNone/>
             </a:pPr>
             <a:r>
-              <a:rPr lang="ru-RU" sz="2000" dirty="0"/>
+              <a:rPr lang="ru-RU" sz="2000" dirty="0">
+                <a:latin typeface="Helvetica" charset="0"/>
+                <a:ea typeface="Helvetica" charset="0"/>
+                <a:cs typeface="Helvetica" charset="0"/>
+              </a:rPr>
               <a:t>…</a:t>
             </a:r>
           </a:p>
@@ -5238,7 +9536,11 @@
               <a:buNone/>
             </a:pPr>
             <a:r>
-              <a:rPr lang="ru-RU" sz="2000" dirty="0"/>
+              <a:rPr lang="ru-RU" sz="2000" dirty="0">
+                <a:latin typeface="Helvetica" charset="0"/>
+                <a:ea typeface="Helvetica" charset="0"/>
+                <a:cs typeface="Helvetica" charset="0"/>
+              </a:rPr>
               <a:t>44. Плеснуть</a:t>
             </a:r>
           </a:p>
@@ -5247,7 +9549,11 @@
               <a:buNone/>
             </a:pPr>
             <a:r>
-              <a:rPr lang="ru-RU" sz="2000" dirty="0"/>
+              <a:rPr lang="ru-RU" sz="2000" dirty="0">
+                <a:latin typeface="Helvetica" charset="0"/>
+                <a:ea typeface="Helvetica" charset="0"/>
+                <a:cs typeface="Helvetica" charset="0"/>
+              </a:rPr>
               <a:t>45. Злоупотреблять</a:t>
             </a:r>
           </a:p>
@@ -5256,7 +9562,11 @@
               <a:buNone/>
             </a:pPr>
             <a:r>
-              <a:rPr lang="ru-RU" sz="2000" dirty="0"/>
+              <a:rPr lang="ru-RU" sz="2000" dirty="0">
+                <a:latin typeface="Helvetica" charset="0"/>
+                <a:ea typeface="Helvetica" charset="0"/>
+                <a:cs typeface="Helvetica" charset="0"/>
+              </a:rPr>
               <a:t>46. Наполнить</a:t>
             </a:r>
           </a:p>
@@ -5272,6 +9582,13 @@
   <p:clrMapOvr>
     <a:masterClrMapping/>
   </p:clrMapOvr>
+  <p:timing>
+    <p:tnLst>
+      <p:par>
+        <p:cTn id="1" dur="indefinite" restart="never" nodeType="tmRoot"/>
+      </p:par>
+    </p:tnLst>
+  </p:timing>
 </p:sld>
 </file>
 
@@ -5297,7 +9614,7 @@
           <p:cNvPr id="2" name="Заголовок 1">
             <a:extLst>
               <a:ext uri="{FF2B5EF4-FFF2-40B4-BE49-F238E27FC236}">
-                <a16:creationId xmlns:a16="http://schemas.microsoft.com/office/drawing/2014/main" id="{5AE487BB-93AF-4AD0-A82F-572C1EB32E65}"/>
+                <a16:creationId xmlns:a16="http://schemas.microsoft.com/office/drawing/2014/main" xmlns="" id="{5AE487BB-93AF-4AD0-A82F-572C1EB32E65}"/>
               </a:ext>
             </a:extLst>
           </p:cNvPr>
@@ -5315,7 +9632,11 @@
           <a:p>
             <a:pPr algn="ctr"/>
             <a:r>
-              <a:rPr lang="ru-RU" dirty="0"/>
+              <a:rPr lang="ru-RU" dirty="0">
+                <a:latin typeface="Helvetica" charset="0"/>
+                <a:ea typeface="Helvetica" charset="0"/>
+                <a:cs typeface="Helvetica" charset="0"/>
+              </a:rPr>
               <a:t>3. Написание грамматик</a:t>
             </a:r>
           </a:p>
@@ -5326,7 +9647,7 @@
           <p:cNvPr id="3" name="Объект 2">
             <a:extLst>
               <a:ext uri="{FF2B5EF4-FFF2-40B4-BE49-F238E27FC236}">
-                <a16:creationId xmlns:a16="http://schemas.microsoft.com/office/drawing/2014/main" id="{C689FDE1-3B42-426D-BEB5-DE1F3F0F3173}"/>
+                <a16:creationId xmlns:a16="http://schemas.microsoft.com/office/drawing/2014/main" xmlns="" id="{C689FDE1-3B42-426D-BEB5-DE1F3F0F3173}"/>
               </a:ext>
             </a:extLst>
           </p:cNvPr>
@@ -5343,27 +9664,64 @@
           <a:lstStyle/>
           <a:p>
             <a:r>
-              <a:rPr lang="ru-RU" dirty="0"/>
+              <a:rPr lang="ru-RU" dirty="0">
+                <a:latin typeface="Helvetica" charset="0"/>
+                <a:ea typeface="Helvetica" charset="0"/>
+                <a:cs typeface="Helvetica" charset="0"/>
+              </a:rPr>
               <a:t>Погода (простая)</a:t>
             </a:r>
           </a:p>
           <a:p>
             <a:r>
-              <a:rPr lang="ru-RU" dirty="0"/>
+              <a:rPr lang="ru-RU" dirty="0">
+                <a:latin typeface="Helvetica" charset="0"/>
+                <a:ea typeface="Helvetica" charset="0"/>
+                <a:cs typeface="Helvetica" charset="0"/>
+              </a:rPr>
               <a:t>Смех (более ветвистая)</a:t>
             </a:r>
           </a:p>
           <a:p>
             <a:r>
-              <a:rPr lang="ru-RU" dirty="0"/>
-              <a:t>Движение (с управлениями глаголов и т.д.)</a:t>
-            </a:r>
-          </a:p>
-          <a:p>
-            <a:r>
-              <a:rPr lang="ru-RU" dirty="0"/>
-              <a:t>Пьянство</a:t>
-            </a:r>
+              <a:rPr lang="ru-RU" dirty="0">
+                <a:latin typeface="Helvetica" charset="0"/>
+                <a:ea typeface="Helvetica" charset="0"/>
+                <a:cs typeface="Helvetica" charset="0"/>
+              </a:rPr>
+              <a:t>Движение (с управлениями глаголов и т</a:t>
+            </a:r>
+            <a:r>
+              <a:rPr lang="ru-RU" dirty="0" smtClean="0">
+                <a:latin typeface="Helvetica" charset="0"/>
+                <a:ea typeface="Helvetica" charset="0"/>
+                <a:cs typeface="Helvetica" charset="0"/>
+              </a:rPr>
+              <a:t>. д</a:t>
+            </a:r>
+            <a:r>
+              <a:rPr lang="ru-RU" dirty="0">
+                <a:latin typeface="Helvetica" charset="0"/>
+                <a:ea typeface="Helvetica" charset="0"/>
+                <a:cs typeface="Helvetica" charset="0"/>
+              </a:rPr>
+              <a:t>.)</a:t>
+            </a:r>
+          </a:p>
+          <a:p>
+            <a:r>
+              <a:rPr lang="ru-RU" dirty="0" smtClean="0">
+                <a:latin typeface="Helvetica" charset="0"/>
+                <a:ea typeface="Helvetica" charset="0"/>
+                <a:cs typeface="Helvetica" charset="0"/>
+              </a:rPr>
+              <a:t>Пьянство (много вложенных правил)</a:t>
+            </a:r>
+            <a:endParaRPr lang="ru-RU" dirty="0">
+              <a:latin typeface="Helvetica" charset="0"/>
+              <a:ea typeface="Helvetica" charset="0"/>
+              <a:cs typeface="Helvetica" charset="0"/>
+            </a:endParaRPr>
           </a:p>
         </p:txBody>
       </p:sp>
@@ -5377,6 +9735,13 @@
   <p:clrMapOvr>
     <a:masterClrMapping/>
   </p:clrMapOvr>
+  <p:timing>
+    <p:tnLst>
+      <p:par>
+        <p:cTn id="1" dur="indefinite" restart="never" nodeType="tmRoot"/>
+      </p:par>
+    </p:tnLst>
+  </p:timing>
 </p:sld>
 </file>
 
@@ -5673,4 +10038,265 @@
     </a:ext>
   </a:extLst>
 </a:theme>
+</file>
+
+<file path=ppt/theme/theme2.xml><?xml version="1.0" encoding="utf-8"?>
+<a:theme xmlns:a="http://schemas.openxmlformats.org/drawingml/2006/main" name="Тема Office">
+  <a:themeElements>
+    <a:clrScheme name="Office">
+      <a:dk1>
+        <a:sysClr val="windowText" lastClr="000000"/>
+      </a:dk1>
+      <a:lt1>
+        <a:sysClr val="window" lastClr="FFFFFF"/>
+      </a:lt1>
+      <a:dk2>
+        <a:srgbClr val="44546A"/>
+      </a:dk2>
+      <a:lt2>
+        <a:srgbClr val="E7E6E6"/>
+      </a:lt2>
+      <a:accent1>
+        <a:srgbClr val="4472C4"/>
+      </a:accent1>
+      <a:accent2>
+        <a:srgbClr val="ED7D31"/>
+      </a:accent2>
+      <a:accent3>
+        <a:srgbClr val="A5A5A5"/>
+      </a:accent3>
+      <a:accent4>
+        <a:srgbClr val="FFC000"/>
+      </a:accent4>
+      <a:accent5>
+        <a:srgbClr val="5B9BD5"/>
+      </a:accent5>
+      <a:accent6>
+        <a:srgbClr val="70AD47"/>
+      </a:accent6>
+      <a:hlink>
+        <a:srgbClr val="0563C1"/>
+      </a:hlink>
+      <a:folHlink>
+        <a:srgbClr val="954F72"/>
+      </a:folHlink>
+    </a:clrScheme>
+    <a:fontScheme name="Office">
+      <a:majorFont>
+        <a:latin typeface="Calibri Light" panose="020F0302020204030204"/>
+        <a:ea typeface=""/>
+        <a:cs typeface=""/>
+        <a:font script="Jpan" typeface="Yu Gothic Light"/>
+        <a:font script="Hang" typeface="맑은 고딕"/>
+        <a:font script="Hans" typeface="DengXian Light"/>
+        <a:font script="Hant" typeface="新細明體"/>
+        <a:font script="Arab" typeface="Times New Roman"/>
+        <a:font script="Hebr" typeface="Times New Roman"/>
+        <a:font script="Thai" typeface="Angsana New"/>
+        <a:font script="Ethi" typeface="Nyala"/>
+        <a:font script="Beng" typeface="Vrinda"/>
+        <a:font script="Gujr" typeface="Shruti"/>
+        <a:font script="Khmr" typeface="MoolBoran"/>
+        <a:font script="Knda" typeface="Tunga"/>
+        <a:font script="Guru" typeface="Raavi"/>
+        <a:font script="Cans" typeface="Euphemia"/>
+        <a:font script="Cher" typeface="Plantagenet Cherokee"/>
+        <a:font script="Yiii" typeface="Microsoft Yi Baiti"/>
+        <a:font script="Tibt" typeface="Microsoft Himalaya"/>
+        <a:font script="Thaa" typeface="MV Boli"/>
+        <a:font script="Deva" typeface="Mangal"/>
+        <a:font script="Telu" typeface="Gautami"/>
+        <a:font script="Taml" typeface="Latha"/>
+        <a:font script="Syrc" typeface="Estrangelo Edessa"/>
+        <a:font script="Orya" typeface="Kalinga"/>
+        <a:font script="Mlym" typeface="Kartika"/>
+        <a:font script="Laoo" typeface="DokChampa"/>
+        <a:font script="Sinh" typeface="Iskoola Pota"/>
+        <a:font script="Mong" typeface="Mongolian Baiti"/>
+        <a:font script="Viet" typeface="Times New Roman"/>
+        <a:font script="Uigh" typeface="Microsoft Uighur"/>
+        <a:font script="Geor" typeface="Sylfaen"/>
+      </a:majorFont>
+      <a:minorFont>
+        <a:latin typeface="Calibri" panose="020F0502020204030204"/>
+        <a:ea typeface=""/>
+        <a:cs typeface=""/>
+        <a:font script="Jpan" typeface="Yu Gothic"/>
+        <a:font script="Hang" typeface="맑은 고딕"/>
+        <a:font script="Hans" typeface="DengXian"/>
+        <a:font script="Hant" typeface="新細明體"/>
+        <a:font script="Arab" typeface="Arial"/>
+        <a:font script="Hebr" typeface="Arial"/>
+        <a:font script="Thai" typeface="Cordia New"/>
+        <a:font script="Ethi" typeface="Nyala"/>
+        <a:font script="Beng" typeface="Vrinda"/>
+        <a:font script="Gujr" typeface="Shruti"/>
+        <a:font script="Khmr" typeface="DaunPenh"/>
+        <a:font script="Knda" typeface="Tunga"/>
+        <a:font script="Guru" typeface="Raavi"/>
+        <a:font script="Cans" typeface="Euphemia"/>
+        <a:font script="Cher" typeface="Plantagenet Cherokee"/>
+        <a:font script="Yiii" typeface="Microsoft Yi Baiti"/>
+        <a:font script="Tibt" typeface="Microsoft Himalaya"/>
+        <a:font script="Thaa" typeface="MV Boli"/>
+        <a:font script="Deva" typeface="Mangal"/>
+        <a:font script="Telu" typeface="Gautami"/>
+        <a:font script="Taml" typeface="Latha"/>
+        <a:font script="Syrc" typeface="Estrangelo Edessa"/>
+        <a:font script="Orya" typeface="Kalinga"/>
+        <a:font script="Mlym" typeface="Kartika"/>
+        <a:font script="Laoo" typeface="DokChampa"/>
+        <a:font script="Sinh" typeface="Iskoola Pota"/>
+        <a:font script="Mong" typeface="Mongolian Baiti"/>
+        <a:font script="Viet" typeface="Arial"/>
+        <a:font script="Uigh" typeface="Microsoft Uighur"/>
+        <a:font script="Geor" typeface="Sylfaen"/>
+      </a:minorFont>
+    </a:fontScheme>
+    <a:fmtScheme name="Office">
+      <a:fillStyleLst>
+        <a:solidFill>
+          <a:schemeClr val="phClr"/>
+        </a:solidFill>
+        <a:gradFill rotWithShape="1">
+          <a:gsLst>
+            <a:gs pos="0">
+              <a:schemeClr val="phClr">
+                <a:lumMod val="110000"/>
+                <a:satMod val="105000"/>
+                <a:tint val="67000"/>
+              </a:schemeClr>
+            </a:gs>
+            <a:gs pos="50000">
+              <a:schemeClr val="phClr">
+                <a:lumMod val="105000"/>
+                <a:satMod val="103000"/>
+                <a:tint val="73000"/>
+              </a:schemeClr>
+            </a:gs>
+            <a:gs pos="100000">
+              <a:schemeClr val="phClr">
+                <a:lumMod val="105000"/>
+                <a:satMod val="109000"/>
+                <a:tint val="81000"/>
+              </a:schemeClr>
+            </a:gs>
+          </a:gsLst>
+          <a:lin ang="5400000" scaled="0"/>
+        </a:gradFill>
+        <a:gradFill rotWithShape="1">
+          <a:gsLst>
+            <a:gs pos="0">
+              <a:schemeClr val="phClr">
+                <a:satMod val="103000"/>
+                <a:lumMod val="102000"/>
+                <a:tint val="94000"/>
+              </a:schemeClr>
+            </a:gs>
+            <a:gs pos="50000">
+              <a:schemeClr val="phClr">
+                <a:satMod val="110000"/>
+                <a:lumMod val="100000"/>
+                <a:shade val="100000"/>
+              </a:schemeClr>
+            </a:gs>
+            <a:gs pos="100000">
+              <a:schemeClr val="phClr">
+                <a:lumMod val="99000"/>
+                <a:satMod val="120000"/>
+                <a:shade val="78000"/>
+              </a:schemeClr>
+            </a:gs>
+          </a:gsLst>
+          <a:lin ang="5400000" scaled="0"/>
+        </a:gradFill>
+      </a:fillStyleLst>
+      <a:lnStyleLst>
+        <a:ln w="6350" cap="flat" cmpd="sng" algn="ctr">
+          <a:solidFill>
+            <a:schemeClr val="phClr"/>
+          </a:solidFill>
+          <a:prstDash val="solid"/>
+          <a:miter lim="800000"/>
+        </a:ln>
+        <a:ln w="12700" cap="flat" cmpd="sng" algn="ctr">
+          <a:solidFill>
+            <a:schemeClr val="phClr"/>
+          </a:solidFill>
+          <a:prstDash val="solid"/>
+          <a:miter lim="800000"/>
+        </a:ln>
+        <a:ln w="19050" cap="flat" cmpd="sng" algn="ctr">
+          <a:solidFill>
+            <a:schemeClr val="phClr"/>
+          </a:solidFill>
+          <a:prstDash val="solid"/>
+          <a:miter lim="800000"/>
+        </a:ln>
+      </a:lnStyleLst>
+      <a:effectStyleLst>
+        <a:effectStyle>
+          <a:effectLst/>
+        </a:effectStyle>
+        <a:effectStyle>
+          <a:effectLst/>
+        </a:effectStyle>
+        <a:effectStyle>
+          <a:effectLst>
+            <a:outerShdw blurRad="57150" dist="19050" dir="5400000" algn="ctr" rotWithShape="0">
+              <a:srgbClr val="000000">
+                <a:alpha val="63000"/>
+              </a:srgbClr>
+            </a:outerShdw>
+          </a:effectLst>
+        </a:effectStyle>
+      </a:effectStyleLst>
+      <a:bgFillStyleLst>
+        <a:solidFill>
+          <a:schemeClr val="phClr"/>
+        </a:solidFill>
+        <a:solidFill>
+          <a:schemeClr val="phClr">
+            <a:tint val="95000"/>
+            <a:satMod val="170000"/>
+          </a:schemeClr>
+        </a:solidFill>
+        <a:gradFill rotWithShape="1">
+          <a:gsLst>
+            <a:gs pos="0">
+              <a:schemeClr val="phClr">
+                <a:tint val="93000"/>
+                <a:satMod val="150000"/>
+                <a:shade val="98000"/>
+                <a:lumMod val="102000"/>
+              </a:schemeClr>
+            </a:gs>
+            <a:gs pos="50000">
+              <a:schemeClr val="phClr">
+                <a:tint val="98000"/>
+                <a:satMod val="130000"/>
+                <a:shade val="90000"/>
+                <a:lumMod val="103000"/>
+              </a:schemeClr>
+            </a:gs>
+            <a:gs pos="100000">
+              <a:schemeClr val="phClr">
+                <a:shade val="63000"/>
+                <a:satMod val="120000"/>
+              </a:schemeClr>
+            </a:gs>
+          </a:gsLst>
+          <a:lin ang="5400000" scaled="0"/>
+        </a:gradFill>
+      </a:bgFillStyleLst>
+    </a:fmtScheme>
+  </a:themeElements>
+  <a:objectDefaults/>
+  <a:extraClrSchemeLst/>
+  <a:extLst>
+    <a:ext uri="{05A4C25C-085E-4340-85A3-A5531E510DB2}">
+      <thm15:themeFamily xmlns:thm15="http://schemas.microsoft.com/office/thememl/2012/main" name="Office Theme" id="{62F939B6-93AF-4DB8-9C6B-D6C7DFDC589F}" vid="{4A3C46E8-61CC-4603-A589-7422A47A8E4A}"/>
+    </a:ext>
+  </a:extLst>
+</a:theme>
 </file>
--- a/slides/итоги грамматика мотива.pptx
+++ b/slides/итоги грамматика мотива.pptx
@@ -718,11 +718,11 @@
         </c:dLbls>
         <c:gapWidth val="46"/>
         <c:overlap val="-27"/>
-        <c:axId val="-1978651360"/>
-        <c:axId val="-1978649584"/>
+        <c:axId val="491048000"/>
+        <c:axId val="491049776"/>
       </c:barChart>
       <c:catAx>
-        <c:axId val="-1978651360"/>
+        <c:axId val="491048000"/>
         <c:scaling>
           <c:orientation val="minMax"/>
         </c:scaling>
@@ -765,7 +765,7 @@
             <a:endParaRPr lang="ru-RU"/>
           </a:p>
         </c:txPr>
-        <c:crossAx val="-1978649584"/>
+        <c:crossAx val="491049776"/>
         <c:crosses val="autoZero"/>
         <c:auto val="1"/>
         <c:lblAlgn val="ctr"/>
@@ -773,7 +773,7 @@
         <c:noMultiLvlLbl val="0"/>
       </c:catAx>
       <c:valAx>
-        <c:axId val="-1978649584"/>
+        <c:axId val="491049776"/>
         <c:scaling>
           <c:orientation val="minMax"/>
         </c:scaling>
@@ -830,7 +830,7 @@
             <a:endParaRPr lang="ru-RU"/>
           </a:p>
         </c:txPr>
-        <c:crossAx val="-1978651360"/>
+        <c:crossAx val="491048000"/>
         <c:crosses val="autoZero"/>
         <c:crossBetween val="between"/>
       </c:valAx>
@@ -1914,7 +1914,7 @@
           <p:cNvPr id="2" name="Заголовок 1">
             <a:extLst>
               <a:ext uri="{FF2B5EF4-FFF2-40B4-BE49-F238E27FC236}">
-                <a16:creationId xmlns:a16="http://schemas.microsoft.com/office/drawing/2014/main" xmlns="" id="{39B1E86E-3EFA-4319-B12F-676E64AFA1BC}"/>
+                <a16:creationId xmlns="" xmlns:a16="http://schemas.microsoft.com/office/drawing/2014/main" id="{39B1E86E-3EFA-4319-B12F-676E64AFA1BC}"/>
               </a:ext>
             </a:extLst>
           </p:cNvPr>
@@ -1951,7 +1951,7 @@
           <p:cNvPr id="3" name="Подзаголовок 2">
             <a:extLst>
               <a:ext uri="{FF2B5EF4-FFF2-40B4-BE49-F238E27FC236}">
-                <a16:creationId xmlns:a16="http://schemas.microsoft.com/office/drawing/2014/main" xmlns="" id="{EF1285B7-1B28-468C-AF86-310788BD4448}"/>
+                <a16:creationId xmlns="" xmlns:a16="http://schemas.microsoft.com/office/drawing/2014/main" id="{EF1285B7-1B28-468C-AF86-310788BD4448}"/>
               </a:ext>
             </a:extLst>
           </p:cNvPr>
@@ -2021,7 +2021,7 @@
           <p:cNvPr id="4" name="Дата 3">
             <a:extLst>
               <a:ext uri="{FF2B5EF4-FFF2-40B4-BE49-F238E27FC236}">
-                <a16:creationId xmlns:a16="http://schemas.microsoft.com/office/drawing/2014/main" xmlns="" id="{7BFD86B0-1919-4C62-8ADE-615444F48D5D}"/>
+                <a16:creationId xmlns="" xmlns:a16="http://schemas.microsoft.com/office/drawing/2014/main" id="{7BFD86B0-1919-4C62-8ADE-615444F48D5D}"/>
               </a:ext>
             </a:extLst>
           </p:cNvPr>
@@ -2050,7 +2050,7 @@
           <p:cNvPr id="5" name="Нижний колонтитул 4">
             <a:extLst>
               <a:ext uri="{FF2B5EF4-FFF2-40B4-BE49-F238E27FC236}">
-                <a16:creationId xmlns:a16="http://schemas.microsoft.com/office/drawing/2014/main" xmlns="" id="{9A055089-4621-4417-8966-783F8D0E5B2A}"/>
+                <a16:creationId xmlns="" xmlns:a16="http://schemas.microsoft.com/office/drawing/2014/main" id="{9A055089-4621-4417-8966-783F8D0E5B2A}"/>
               </a:ext>
             </a:extLst>
           </p:cNvPr>
@@ -2075,7 +2075,7 @@
           <p:cNvPr id="6" name="Номер слайда 5">
             <a:extLst>
               <a:ext uri="{FF2B5EF4-FFF2-40B4-BE49-F238E27FC236}">
-                <a16:creationId xmlns:a16="http://schemas.microsoft.com/office/drawing/2014/main" xmlns="" id="{88B192E3-D192-4A43-A129-E30F714DB248}"/>
+                <a16:creationId xmlns="" xmlns:a16="http://schemas.microsoft.com/office/drawing/2014/main" id="{88B192E3-D192-4A43-A129-E30F714DB248}"/>
               </a:ext>
             </a:extLst>
           </p:cNvPr>
@@ -2134,7 +2134,7 @@
           <p:cNvPr id="2" name="Заголовок 1">
             <a:extLst>
               <a:ext uri="{FF2B5EF4-FFF2-40B4-BE49-F238E27FC236}">
-                <a16:creationId xmlns:a16="http://schemas.microsoft.com/office/drawing/2014/main" xmlns="" id="{0DCCD554-E06C-490A-9972-F26BE37C41A7}"/>
+                <a16:creationId xmlns="" xmlns:a16="http://schemas.microsoft.com/office/drawing/2014/main" id="{0DCCD554-E06C-490A-9972-F26BE37C41A7}"/>
               </a:ext>
             </a:extLst>
           </p:cNvPr>
@@ -2162,7 +2162,7 @@
           <p:cNvPr id="3" name="Вертикальный текст 2">
             <a:extLst>
               <a:ext uri="{FF2B5EF4-FFF2-40B4-BE49-F238E27FC236}">
-                <a16:creationId xmlns:a16="http://schemas.microsoft.com/office/drawing/2014/main" xmlns="" id="{BFF46614-0064-4926-8070-F75D0CC698F1}"/>
+                <a16:creationId xmlns="" xmlns:a16="http://schemas.microsoft.com/office/drawing/2014/main" id="{BFF46614-0064-4926-8070-F75D0CC698F1}"/>
               </a:ext>
             </a:extLst>
           </p:cNvPr>
@@ -2219,7 +2219,7 @@
           <p:cNvPr id="4" name="Дата 3">
             <a:extLst>
               <a:ext uri="{FF2B5EF4-FFF2-40B4-BE49-F238E27FC236}">
-                <a16:creationId xmlns:a16="http://schemas.microsoft.com/office/drawing/2014/main" xmlns="" id="{14D9B84A-7F1F-4D72-AA10-BF277DF1D87E}"/>
+                <a16:creationId xmlns="" xmlns:a16="http://schemas.microsoft.com/office/drawing/2014/main" id="{14D9B84A-7F1F-4D72-AA10-BF277DF1D87E}"/>
               </a:ext>
             </a:extLst>
           </p:cNvPr>
@@ -2248,7 +2248,7 @@
           <p:cNvPr id="5" name="Нижний колонтитул 4">
             <a:extLst>
               <a:ext uri="{FF2B5EF4-FFF2-40B4-BE49-F238E27FC236}">
-                <a16:creationId xmlns:a16="http://schemas.microsoft.com/office/drawing/2014/main" xmlns="" id="{EB07F89B-13FD-41E6-AC57-8313594EFAD3}"/>
+                <a16:creationId xmlns="" xmlns:a16="http://schemas.microsoft.com/office/drawing/2014/main" id="{EB07F89B-13FD-41E6-AC57-8313594EFAD3}"/>
               </a:ext>
             </a:extLst>
           </p:cNvPr>
@@ -2273,7 +2273,7 @@
           <p:cNvPr id="6" name="Номер слайда 5">
             <a:extLst>
               <a:ext uri="{FF2B5EF4-FFF2-40B4-BE49-F238E27FC236}">
-                <a16:creationId xmlns:a16="http://schemas.microsoft.com/office/drawing/2014/main" xmlns="" id="{4F80F7A0-FECA-4122-92B4-5F2BC42DA095}"/>
+                <a16:creationId xmlns="" xmlns:a16="http://schemas.microsoft.com/office/drawing/2014/main" id="{4F80F7A0-FECA-4122-92B4-5F2BC42DA095}"/>
               </a:ext>
             </a:extLst>
           </p:cNvPr>
@@ -2332,7 +2332,7 @@
           <p:cNvPr id="2" name="Вертикальный заголовок 1">
             <a:extLst>
               <a:ext uri="{FF2B5EF4-FFF2-40B4-BE49-F238E27FC236}">
-                <a16:creationId xmlns:a16="http://schemas.microsoft.com/office/drawing/2014/main" xmlns="" id="{9028EB5B-F1E7-40DF-B812-4EF9FF154A4F}"/>
+                <a16:creationId xmlns="" xmlns:a16="http://schemas.microsoft.com/office/drawing/2014/main" id="{9028EB5B-F1E7-40DF-B812-4EF9FF154A4F}"/>
               </a:ext>
             </a:extLst>
           </p:cNvPr>
@@ -2365,7 +2365,7 @@
           <p:cNvPr id="3" name="Вертикальный текст 2">
             <a:extLst>
               <a:ext uri="{FF2B5EF4-FFF2-40B4-BE49-F238E27FC236}">
-                <a16:creationId xmlns:a16="http://schemas.microsoft.com/office/drawing/2014/main" xmlns="" id="{B573C278-F290-4FE3-9E8B-DA64845FB64C}"/>
+                <a16:creationId xmlns="" xmlns:a16="http://schemas.microsoft.com/office/drawing/2014/main" id="{B573C278-F290-4FE3-9E8B-DA64845FB64C}"/>
               </a:ext>
             </a:extLst>
           </p:cNvPr>
@@ -2427,7 +2427,7 @@
           <p:cNvPr id="4" name="Дата 3">
             <a:extLst>
               <a:ext uri="{FF2B5EF4-FFF2-40B4-BE49-F238E27FC236}">
-                <a16:creationId xmlns:a16="http://schemas.microsoft.com/office/drawing/2014/main" xmlns="" id="{A367508C-B13B-4948-8A08-E5265820859D}"/>
+                <a16:creationId xmlns="" xmlns:a16="http://schemas.microsoft.com/office/drawing/2014/main" id="{A367508C-B13B-4948-8A08-E5265820859D}"/>
               </a:ext>
             </a:extLst>
           </p:cNvPr>
@@ -2456,7 +2456,7 @@
           <p:cNvPr id="5" name="Нижний колонтитул 4">
             <a:extLst>
               <a:ext uri="{FF2B5EF4-FFF2-40B4-BE49-F238E27FC236}">
-                <a16:creationId xmlns:a16="http://schemas.microsoft.com/office/drawing/2014/main" xmlns="" id="{0A7226C2-3487-4C91-8CA4-539A1A06E5F4}"/>
+                <a16:creationId xmlns="" xmlns:a16="http://schemas.microsoft.com/office/drawing/2014/main" id="{0A7226C2-3487-4C91-8CA4-539A1A06E5F4}"/>
               </a:ext>
             </a:extLst>
           </p:cNvPr>
@@ -2481,7 +2481,7 @@
           <p:cNvPr id="6" name="Номер слайда 5">
             <a:extLst>
               <a:ext uri="{FF2B5EF4-FFF2-40B4-BE49-F238E27FC236}">
-                <a16:creationId xmlns:a16="http://schemas.microsoft.com/office/drawing/2014/main" xmlns="" id="{0A616899-FE0B-461A-856E-77C00B4FFDB4}"/>
+                <a16:creationId xmlns="" xmlns:a16="http://schemas.microsoft.com/office/drawing/2014/main" id="{0A616899-FE0B-461A-856E-77C00B4FFDB4}"/>
               </a:ext>
             </a:extLst>
           </p:cNvPr>
@@ -2540,7 +2540,7 @@
           <p:cNvPr id="2" name="Заголовок 1">
             <a:extLst>
               <a:ext uri="{FF2B5EF4-FFF2-40B4-BE49-F238E27FC236}">
-                <a16:creationId xmlns:a16="http://schemas.microsoft.com/office/drawing/2014/main" xmlns="" id="{973D9CCC-D296-4608-B8B8-8A8C8E72DEDE}"/>
+                <a16:creationId xmlns="" xmlns:a16="http://schemas.microsoft.com/office/drawing/2014/main" id="{973D9CCC-D296-4608-B8B8-8A8C8E72DEDE}"/>
               </a:ext>
             </a:extLst>
           </p:cNvPr>
@@ -2568,7 +2568,7 @@
           <p:cNvPr id="3" name="Объект 2">
             <a:extLst>
               <a:ext uri="{FF2B5EF4-FFF2-40B4-BE49-F238E27FC236}">
-                <a16:creationId xmlns:a16="http://schemas.microsoft.com/office/drawing/2014/main" xmlns="" id="{5055A155-2D2C-4115-B69F-FA7DE1FAF6D6}"/>
+                <a16:creationId xmlns="" xmlns:a16="http://schemas.microsoft.com/office/drawing/2014/main" id="{5055A155-2D2C-4115-B69F-FA7DE1FAF6D6}"/>
               </a:ext>
             </a:extLst>
           </p:cNvPr>
@@ -2625,7 +2625,7 @@
           <p:cNvPr id="4" name="Дата 3">
             <a:extLst>
               <a:ext uri="{FF2B5EF4-FFF2-40B4-BE49-F238E27FC236}">
-                <a16:creationId xmlns:a16="http://schemas.microsoft.com/office/drawing/2014/main" xmlns="" id="{BB051582-EEBD-42E8-8975-F5B36B13DAC0}"/>
+                <a16:creationId xmlns="" xmlns:a16="http://schemas.microsoft.com/office/drawing/2014/main" id="{BB051582-EEBD-42E8-8975-F5B36B13DAC0}"/>
               </a:ext>
             </a:extLst>
           </p:cNvPr>
@@ -2654,7 +2654,7 @@
           <p:cNvPr id="5" name="Нижний колонтитул 4">
             <a:extLst>
               <a:ext uri="{FF2B5EF4-FFF2-40B4-BE49-F238E27FC236}">
-                <a16:creationId xmlns:a16="http://schemas.microsoft.com/office/drawing/2014/main" xmlns="" id="{3402C84A-602D-489B-BAB3-9DBB1F7C11E3}"/>
+                <a16:creationId xmlns="" xmlns:a16="http://schemas.microsoft.com/office/drawing/2014/main" id="{3402C84A-602D-489B-BAB3-9DBB1F7C11E3}"/>
               </a:ext>
             </a:extLst>
           </p:cNvPr>
@@ -2679,7 +2679,7 @@
           <p:cNvPr id="6" name="Номер слайда 5">
             <a:extLst>
               <a:ext uri="{FF2B5EF4-FFF2-40B4-BE49-F238E27FC236}">
-                <a16:creationId xmlns:a16="http://schemas.microsoft.com/office/drawing/2014/main" xmlns="" id="{D826ED1F-4ED1-4D2A-9060-4F05DC062F43}"/>
+                <a16:creationId xmlns="" xmlns:a16="http://schemas.microsoft.com/office/drawing/2014/main" id="{D826ED1F-4ED1-4D2A-9060-4F05DC062F43}"/>
               </a:ext>
             </a:extLst>
           </p:cNvPr>
@@ -2738,7 +2738,7 @@
           <p:cNvPr id="2" name="Заголовок 1">
             <a:extLst>
               <a:ext uri="{FF2B5EF4-FFF2-40B4-BE49-F238E27FC236}">
-                <a16:creationId xmlns:a16="http://schemas.microsoft.com/office/drawing/2014/main" xmlns="" id="{2A852532-EC37-47BE-9FEE-CD7A5967874D}"/>
+                <a16:creationId xmlns="" xmlns:a16="http://schemas.microsoft.com/office/drawing/2014/main" id="{2A852532-EC37-47BE-9FEE-CD7A5967874D}"/>
               </a:ext>
             </a:extLst>
           </p:cNvPr>
@@ -2775,7 +2775,7 @@
           <p:cNvPr id="3" name="Текст 2">
             <a:extLst>
               <a:ext uri="{FF2B5EF4-FFF2-40B4-BE49-F238E27FC236}">
-                <a16:creationId xmlns:a16="http://schemas.microsoft.com/office/drawing/2014/main" xmlns="" id="{05592528-F21C-410D-86B5-D96451C2C98F}"/>
+                <a16:creationId xmlns="" xmlns:a16="http://schemas.microsoft.com/office/drawing/2014/main" id="{05592528-F21C-410D-86B5-D96451C2C98F}"/>
               </a:ext>
             </a:extLst>
           </p:cNvPr>
@@ -2900,7 +2900,7 @@
           <p:cNvPr id="4" name="Дата 3">
             <a:extLst>
               <a:ext uri="{FF2B5EF4-FFF2-40B4-BE49-F238E27FC236}">
-                <a16:creationId xmlns:a16="http://schemas.microsoft.com/office/drawing/2014/main" xmlns="" id="{52C3B689-6404-495E-AA3F-7329E2B9835F}"/>
+                <a16:creationId xmlns="" xmlns:a16="http://schemas.microsoft.com/office/drawing/2014/main" id="{52C3B689-6404-495E-AA3F-7329E2B9835F}"/>
               </a:ext>
             </a:extLst>
           </p:cNvPr>
@@ -2929,7 +2929,7 @@
           <p:cNvPr id="5" name="Нижний колонтитул 4">
             <a:extLst>
               <a:ext uri="{FF2B5EF4-FFF2-40B4-BE49-F238E27FC236}">
-                <a16:creationId xmlns:a16="http://schemas.microsoft.com/office/drawing/2014/main" xmlns="" id="{1653DF90-3E51-45F7-AAEC-E08E66C73E13}"/>
+                <a16:creationId xmlns="" xmlns:a16="http://schemas.microsoft.com/office/drawing/2014/main" id="{1653DF90-3E51-45F7-AAEC-E08E66C73E13}"/>
               </a:ext>
             </a:extLst>
           </p:cNvPr>
@@ -2954,7 +2954,7 @@
           <p:cNvPr id="6" name="Номер слайда 5">
             <a:extLst>
               <a:ext uri="{FF2B5EF4-FFF2-40B4-BE49-F238E27FC236}">
-                <a16:creationId xmlns:a16="http://schemas.microsoft.com/office/drawing/2014/main" xmlns="" id="{2AFD0262-BBF3-4381-9E99-DBDA637A229A}"/>
+                <a16:creationId xmlns="" xmlns:a16="http://schemas.microsoft.com/office/drawing/2014/main" id="{2AFD0262-BBF3-4381-9E99-DBDA637A229A}"/>
               </a:ext>
             </a:extLst>
           </p:cNvPr>
@@ -3013,7 +3013,7 @@
           <p:cNvPr id="2" name="Заголовок 1">
             <a:extLst>
               <a:ext uri="{FF2B5EF4-FFF2-40B4-BE49-F238E27FC236}">
-                <a16:creationId xmlns:a16="http://schemas.microsoft.com/office/drawing/2014/main" xmlns="" id="{B1EC5F0C-25A3-4DD4-8AE9-DB8A620EF079}"/>
+                <a16:creationId xmlns="" xmlns:a16="http://schemas.microsoft.com/office/drawing/2014/main" id="{B1EC5F0C-25A3-4DD4-8AE9-DB8A620EF079}"/>
               </a:ext>
             </a:extLst>
           </p:cNvPr>
@@ -3041,7 +3041,7 @@
           <p:cNvPr id="3" name="Объект 2">
             <a:extLst>
               <a:ext uri="{FF2B5EF4-FFF2-40B4-BE49-F238E27FC236}">
-                <a16:creationId xmlns:a16="http://schemas.microsoft.com/office/drawing/2014/main" xmlns="" id="{E90A60C7-2CF6-492A-A6B6-9926BB95D3ED}"/>
+                <a16:creationId xmlns="" xmlns:a16="http://schemas.microsoft.com/office/drawing/2014/main" id="{E90A60C7-2CF6-492A-A6B6-9926BB95D3ED}"/>
               </a:ext>
             </a:extLst>
           </p:cNvPr>
@@ -3103,7 +3103,7 @@
           <p:cNvPr id="4" name="Объект 3">
             <a:extLst>
               <a:ext uri="{FF2B5EF4-FFF2-40B4-BE49-F238E27FC236}">
-                <a16:creationId xmlns:a16="http://schemas.microsoft.com/office/drawing/2014/main" xmlns="" id="{E7D49D22-E81C-4AA6-8DFF-2318D3978F77}"/>
+                <a16:creationId xmlns="" xmlns:a16="http://schemas.microsoft.com/office/drawing/2014/main" id="{E7D49D22-E81C-4AA6-8DFF-2318D3978F77}"/>
               </a:ext>
             </a:extLst>
           </p:cNvPr>
@@ -3165,7 +3165,7 @@
           <p:cNvPr id="5" name="Дата 4">
             <a:extLst>
               <a:ext uri="{FF2B5EF4-FFF2-40B4-BE49-F238E27FC236}">
-                <a16:creationId xmlns:a16="http://schemas.microsoft.com/office/drawing/2014/main" xmlns="" id="{9ECF81E0-6E4F-430B-BCC7-32637ABF1078}"/>
+                <a16:creationId xmlns="" xmlns:a16="http://schemas.microsoft.com/office/drawing/2014/main" id="{9ECF81E0-6E4F-430B-BCC7-32637ABF1078}"/>
               </a:ext>
             </a:extLst>
           </p:cNvPr>
@@ -3194,7 +3194,7 @@
           <p:cNvPr id="6" name="Нижний колонтитул 5">
             <a:extLst>
               <a:ext uri="{FF2B5EF4-FFF2-40B4-BE49-F238E27FC236}">
-                <a16:creationId xmlns:a16="http://schemas.microsoft.com/office/drawing/2014/main" xmlns="" id="{F880E6D3-1011-4FFF-9E47-8DC74D91AB99}"/>
+                <a16:creationId xmlns="" xmlns:a16="http://schemas.microsoft.com/office/drawing/2014/main" id="{F880E6D3-1011-4FFF-9E47-8DC74D91AB99}"/>
               </a:ext>
             </a:extLst>
           </p:cNvPr>
@@ -3219,7 +3219,7 @@
           <p:cNvPr id="7" name="Номер слайда 6">
             <a:extLst>
               <a:ext uri="{FF2B5EF4-FFF2-40B4-BE49-F238E27FC236}">
-                <a16:creationId xmlns:a16="http://schemas.microsoft.com/office/drawing/2014/main" xmlns="" id="{195337BE-8BB7-4B72-BB5B-589526DCC6A2}"/>
+                <a16:creationId xmlns="" xmlns:a16="http://schemas.microsoft.com/office/drawing/2014/main" id="{195337BE-8BB7-4B72-BB5B-589526DCC6A2}"/>
               </a:ext>
             </a:extLst>
           </p:cNvPr>
@@ -3278,7 +3278,7 @@
           <p:cNvPr id="2" name="Заголовок 1">
             <a:extLst>
               <a:ext uri="{FF2B5EF4-FFF2-40B4-BE49-F238E27FC236}">
-                <a16:creationId xmlns:a16="http://schemas.microsoft.com/office/drawing/2014/main" xmlns="" id="{5B706855-4721-4771-82CB-4771375D63D1}"/>
+                <a16:creationId xmlns="" xmlns:a16="http://schemas.microsoft.com/office/drawing/2014/main" id="{5B706855-4721-4771-82CB-4771375D63D1}"/>
               </a:ext>
             </a:extLst>
           </p:cNvPr>
@@ -3311,7 +3311,7 @@
           <p:cNvPr id="3" name="Текст 2">
             <a:extLst>
               <a:ext uri="{FF2B5EF4-FFF2-40B4-BE49-F238E27FC236}">
-                <a16:creationId xmlns:a16="http://schemas.microsoft.com/office/drawing/2014/main" xmlns="" id="{D47D1AB1-0D5F-464A-9291-060AAFA889BC}"/>
+                <a16:creationId xmlns="" xmlns:a16="http://schemas.microsoft.com/office/drawing/2014/main" id="{D47D1AB1-0D5F-464A-9291-060AAFA889BC}"/>
               </a:ext>
             </a:extLst>
           </p:cNvPr>
@@ -3382,7 +3382,7 @@
           <p:cNvPr id="4" name="Объект 3">
             <a:extLst>
               <a:ext uri="{FF2B5EF4-FFF2-40B4-BE49-F238E27FC236}">
-                <a16:creationId xmlns:a16="http://schemas.microsoft.com/office/drawing/2014/main" xmlns="" id="{5E27FA2F-D9B9-4928-B10C-81A693AFCA78}"/>
+                <a16:creationId xmlns="" xmlns:a16="http://schemas.microsoft.com/office/drawing/2014/main" id="{5E27FA2F-D9B9-4928-B10C-81A693AFCA78}"/>
               </a:ext>
             </a:extLst>
           </p:cNvPr>
@@ -3444,7 +3444,7 @@
           <p:cNvPr id="5" name="Текст 4">
             <a:extLst>
               <a:ext uri="{FF2B5EF4-FFF2-40B4-BE49-F238E27FC236}">
-                <a16:creationId xmlns:a16="http://schemas.microsoft.com/office/drawing/2014/main" xmlns="" id="{6A0916C0-69A9-410A-9C75-E2C84F590E50}"/>
+                <a16:creationId xmlns="" xmlns:a16="http://schemas.microsoft.com/office/drawing/2014/main" id="{6A0916C0-69A9-410A-9C75-E2C84F590E50}"/>
               </a:ext>
             </a:extLst>
           </p:cNvPr>
@@ -3515,7 +3515,7 @@
           <p:cNvPr id="6" name="Объект 5">
             <a:extLst>
               <a:ext uri="{FF2B5EF4-FFF2-40B4-BE49-F238E27FC236}">
-                <a16:creationId xmlns:a16="http://schemas.microsoft.com/office/drawing/2014/main" xmlns="" id="{0D3E262A-AF9C-4394-B604-A81A5E9AB3D7}"/>
+                <a16:creationId xmlns="" xmlns:a16="http://schemas.microsoft.com/office/drawing/2014/main" id="{0D3E262A-AF9C-4394-B604-A81A5E9AB3D7}"/>
               </a:ext>
             </a:extLst>
           </p:cNvPr>
@@ -3577,7 +3577,7 @@
           <p:cNvPr id="7" name="Дата 6">
             <a:extLst>
               <a:ext uri="{FF2B5EF4-FFF2-40B4-BE49-F238E27FC236}">
-                <a16:creationId xmlns:a16="http://schemas.microsoft.com/office/drawing/2014/main" xmlns="" id="{8A83B39A-A7B0-403A-92D3-5A79FC242B82}"/>
+                <a16:creationId xmlns="" xmlns:a16="http://schemas.microsoft.com/office/drawing/2014/main" id="{8A83B39A-A7B0-403A-92D3-5A79FC242B82}"/>
               </a:ext>
             </a:extLst>
           </p:cNvPr>
@@ -3606,7 +3606,7 @@
           <p:cNvPr id="8" name="Нижний колонтитул 7">
             <a:extLst>
               <a:ext uri="{FF2B5EF4-FFF2-40B4-BE49-F238E27FC236}">
-                <a16:creationId xmlns:a16="http://schemas.microsoft.com/office/drawing/2014/main" xmlns="" id="{DAD80004-5F39-4B5F-B59D-B0EEF5350767}"/>
+                <a16:creationId xmlns="" xmlns:a16="http://schemas.microsoft.com/office/drawing/2014/main" id="{DAD80004-5F39-4B5F-B59D-B0EEF5350767}"/>
               </a:ext>
             </a:extLst>
           </p:cNvPr>
@@ -3631,7 +3631,7 @@
           <p:cNvPr id="9" name="Номер слайда 8">
             <a:extLst>
               <a:ext uri="{FF2B5EF4-FFF2-40B4-BE49-F238E27FC236}">
-                <a16:creationId xmlns:a16="http://schemas.microsoft.com/office/drawing/2014/main" xmlns="" id="{E7885D92-53E2-4D39-AA80-F09E1DBFC674}"/>
+                <a16:creationId xmlns="" xmlns:a16="http://schemas.microsoft.com/office/drawing/2014/main" id="{E7885D92-53E2-4D39-AA80-F09E1DBFC674}"/>
               </a:ext>
             </a:extLst>
           </p:cNvPr>
@@ -3690,7 +3690,7 @@
           <p:cNvPr id="2" name="Заголовок 1">
             <a:extLst>
               <a:ext uri="{FF2B5EF4-FFF2-40B4-BE49-F238E27FC236}">
-                <a16:creationId xmlns:a16="http://schemas.microsoft.com/office/drawing/2014/main" xmlns="" id="{7074581F-EF87-489A-B58D-1B988CC3C1E7}"/>
+                <a16:creationId xmlns="" xmlns:a16="http://schemas.microsoft.com/office/drawing/2014/main" id="{7074581F-EF87-489A-B58D-1B988CC3C1E7}"/>
               </a:ext>
             </a:extLst>
           </p:cNvPr>
@@ -3718,7 +3718,7 @@
           <p:cNvPr id="3" name="Дата 2">
             <a:extLst>
               <a:ext uri="{FF2B5EF4-FFF2-40B4-BE49-F238E27FC236}">
-                <a16:creationId xmlns:a16="http://schemas.microsoft.com/office/drawing/2014/main" xmlns="" id="{7B3DE8FB-DFDB-4490-94D7-D9C25638BB3E}"/>
+                <a16:creationId xmlns="" xmlns:a16="http://schemas.microsoft.com/office/drawing/2014/main" id="{7B3DE8FB-DFDB-4490-94D7-D9C25638BB3E}"/>
               </a:ext>
             </a:extLst>
           </p:cNvPr>
@@ -3747,7 +3747,7 @@
           <p:cNvPr id="4" name="Нижний колонтитул 3">
             <a:extLst>
               <a:ext uri="{FF2B5EF4-FFF2-40B4-BE49-F238E27FC236}">
-                <a16:creationId xmlns:a16="http://schemas.microsoft.com/office/drawing/2014/main" xmlns="" id="{A34EB3A9-F085-472D-BFD1-5C5B6292C1E1}"/>
+                <a16:creationId xmlns="" xmlns:a16="http://schemas.microsoft.com/office/drawing/2014/main" id="{A34EB3A9-F085-472D-BFD1-5C5B6292C1E1}"/>
               </a:ext>
             </a:extLst>
           </p:cNvPr>
@@ -3772,7 +3772,7 @@
           <p:cNvPr id="5" name="Номер слайда 4">
             <a:extLst>
               <a:ext uri="{FF2B5EF4-FFF2-40B4-BE49-F238E27FC236}">
-                <a16:creationId xmlns:a16="http://schemas.microsoft.com/office/drawing/2014/main" xmlns="" id="{8F3E70F5-2CAD-4E0D-A017-3F49D17938A6}"/>
+                <a16:creationId xmlns="" xmlns:a16="http://schemas.microsoft.com/office/drawing/2014/main" id="{8F3E70F5-2CAD-4E0D-A017-3F49D17938A6}"/>
               </a:ext>
             </a:extLst>
           </p:cNvPr>
@@ -3831,7 +3831,7 @@
           <p:cNvPr id="2" name="Дата 1">
             <a:extLst>
               <a:ext uri="{FF2B5EF4-FFF2-40B4-BE49-F238E27FC236}">
-                <a16:creationId xmlns:a16="http://schemas.microsoft.com/office/drawing/2014/main" xmlns="" id="{F5FF0D3A-99BF-4B6F-AF9F-23827DF357AC}"/>
+                <a16:creationId xmlns="" xmlns:a16="http://schemas.microsoft.com/office/drawing/2014/main" id="{F5FF0D3A-99BF-4B6F-AF9F-23827DF357AC}"/>
               </a:ext>
             </a:extLst>
           </p:cNvPr>
@@ -3860,7 +3860,7 @@
           <p:cNvPr id="3" name="Нижний колонтитул 2">
             <a:extLst>
               <a:ext uri="{FF2B5EF4-FFF2-40B4-BE49-F238E27FC236}">
-                <a16:creationId xmlns:a16="http://schemas.microsoft.com/office/drawing/2014/main" xmlns="" id="{4FDD1EC1-64DB-4910-A147-042C2B305BBB}"/>
+                <a16:creationId xmlns="" xmlns:a16="http://schemas.microsoft.com/office/drawing/2014/main" id="{4FDD1EC1-64DB-4910-A147-042C2B305BBB}"/>
               </a:ext>
             </a:extLst>
           </p:cNvPr>
@@ -3885,7 +3885,7 @@
           <p:cNvPr id="4" name="Номер слайда 3">
             <a:extLst>
               <a:ext uri="{FF2B5EF4-FFF2-40B4-BE49-F238E27FC236}">
-                <a16:creationId xmlns:a16="http://schemas.microsoft.com/office/drawing/2014/main" xmlns="" id="{2E47387D-3BAF-431D-951A-7C294AA3053B}"/>
+                <a16:creationId xmlns="" xmlns:a16="http://schemas.microsoft.com/office/drawing/2014/main" id="{2E47387D-3BAF-431D-951A-7C294AA3053B}"/>
               </a:ext>
             </a:extLst>
           </p:cNvPr>
@@ -3944,7 +3944,7 @@
           <p:cNvPr id="2" name="Заголовок 1">
             <a:extLst>
               <a:ext uri="{FF2B5EF4-FFF2-40B4-BE49-F238E27FC236}">
-                <a16:creationId xmlns:a16="http://schemas.microsoft.com/office/drawing/2014/main" xmlns="" id="{9083593B-4106-4F1B-AE32-475176E2C661}"/>
+                <a16:creationId xmlns="" xmlns:a16="http://schemas.microsoft.com/office/drawing/2014/main" id="{9083593B-4106-4F1B-AE32-475176E2C661}"/>
               </a:ext>
             </a:extLst>
           </p:cNvPr>
@@ -3981,7 +3981,7 @@
           <p:cNvPr id="3" name="Объект 2">
             <a:extLst>
               <a:ext uri="{FF2B5EF4-FFF2-40B4-BE49-F238E27FC236}">
-                <a16:creationId xmlns:a16="http://schemas.microsoft.com/office/drawing/2014/main" xmlns="" id="{E4DC0413-EFFF-4626-88E3-3EFE9304FA4D}"/>
+                <a16:creationId xmlns="" xmlns:a16="http://schemas.microsoft.com/office/drawing/2014/main" id="{E4DC0413-EFFF-4626-88E3-3EFE9304FA4D}"/>
               </a:ext>
             </a:extLst>
           </p:cNvPr>
@@ -4071,7 +4071,7 @@
           <p:cNvPr id="4" name="Текст 3">
             <a:extLst>
               <a:ext uri="{FF2B5EF4-FFF2-40B4-BE49-F238E27FC236}">
-                <a16:creationId xmlns:a16="http://schemas.microsoft.com/office/drawing/2014/main" xmlns="" id="{A02187E3-F84A-46B5-8050-210442747E0F}"/>
+                <a16:creationId xmlns="" xmlns:a16="http://schemas.microsoft.com/office/drawing/2014/main" id="{A02187E3-F84A-46B5-8050-210442747E0F}"/>
               </a:ext>
             </a:extLst>
           </p:cNvPr>
@@ -4142,7 +4142,7 @@
           <p:cNvPr id="5" name="Дата 4">
             <a:extLst>
               <a:ext uri="{FF2B5EF4-FFF2-40B4-BE49-F238E27FC236}">
-                <a16:creationId xmlns:a16="http://schemas.microsoft.com/office/drawing/2014/main" xmlns="" id="{730B3A67-E230-4AF8-BFD9-DA2D53BC95E1}"/>
+                <a16:creationId xmlns="" xmlns:a16="http://schemas.microsoft.com/office/drawing/2014/main" id="{730B3A67-E230-4AF8-BFD9-DA2D53BC95E1}"/>
               </a:ext>
             </a:extLst>
           </p:cNvPr>
@@ -4171,7 +4171,7 @@
           <p:cNvPr id="6" name="Нижний колонтитул 5">
             <a:extLst>
               <a:ext uri="{FF2B5EF4-FFF2-40B4-BE49-F238E27FC236}">
-                <a16:creationId xmlns:a16="http://schemas.microsoft.com/office/drawing/2014/main" xmlns="" id="{83D73375-EA66-448E-B044-225944D95EFB}"/>
+                <a16:creationId xmlns="" xmlns:a16="http://schemas.microsoft.com/office/drawing/2014/main" id="{83D73375-EA66-448E-B044-225944D95EFB}"/>
               </a:ext>
             </a:extLst>
           </p:cNvPr>
@@ -4196,7 +4196,7 @@
           <p:cNvPr id="7" name="Номер слайда 6">
             <a:extLst>
               <a:ext uri="{FF2B5EF4-FFF2-40B4-BE49-F238E27FC236}">
-                <a16:creationId xmlns:a16="http://schemas.microsoft.com/office/drawing/2014/main" xmlns="" id="{B103997E-95DA-4893-ACAC-113DBFE6E598}"/>
+                <a16:creationId xmlns="" xmlns:a16="http://schemas.microsoft.com/office/drawing/2014/main" id="{B103997E-95DA-4893-ACAC-113DBFE6E598}"/>
               </a:ext>
             </a:extLst>
           </p:cNvPr>
@@ -4255,7 +4255,7 @@
           <p:cNvPr id="2" name="Заголовок 1">
             <a:extLst>
               <a:ext uri="{FF2B5EF4-FFF2-40B4-BE49-F238E27FC236}">
-                <a16:creationId xmlns:a16="http://schemas.microsoft.com/office/drawing/2014/main" xmlns="" id="{288E070C-CD9D-4A01-9EAB-7C47A72EE604}"/>
+                <a16:creationId xmlns="" xmlns:a16="http://schemas.microsoft.com/office/drawing/2014/main" id="{288E070C-CD9D-4A01-9EAB-7C47A72EE604}"/>
               </a:ext>
             </a:extLst>
           </p:cNvPr>
@@ -4292,7 +4292,7 @@
           <p:cNvPr id="3" name="Рисунок 2">
             <a:extLst>
               <a:ext uri="{FF2B5EF4-FFF2-40B4-BE49-F238E27FC236}">
-                <a16:creationId xmlns:a16="http://schemas.microsoft.com/office/drawing/2014/main" xmlns="" id="{D7C2E05B-A5DA-466D-BAE6-56F09C0BA937}"/>
+                <a16:creationId xmlns="" xmlns:a16="http://schemas.microsoft.com/office/drawing/2014/main" id="{D7C2E05B-A5DA-466D-BAE6-56F09C0BA937}"/>
               </a:ext>
             </a:extLst>
           </p:cNvPr>
@@ -4359,7 +4359,7 @@
           <p:cNvPr id="4" name="Текст 3">
             <a:extLst>
               <a:ext uri="{FF2B5EF4-FFF2-40B4-BE49-F238E27FC236}">
-                <a16:creationId xmlns:a16="http://schemas.microsoft.com/office/drawing/2014/main" xmlns="" id="{C8ADC2AA-C5DE-4F15-9C18-C9F69563AC72}"/>
+                <a16:creationId xmlns="" xmlns:a16="http://schemas.microsoft.com/office/drawing/2014/main" id="{C8ADC2AA-C5DE-4F15-9C18-C9F69563AC72}"/>
               </a:ext>
             </a:extLst>
           </p:cNvPr>
@@ -4430,7 +4430,7 @@
           <p:cNvPr id="5" name="Дата 4">
             <a:extLst>
               <a:ext uri="{FF2B5EF4-FFF2-40B4-BE49-F238E27FC236}">
-                <a16:creationId xmlns:a16="http://schemas.microsoft.com/office/drawing/2014/main" xmlns="" id="{CFE2E688-97CE-4CBC-90B3-5E3DA7F2948A}"/>
+                <a16:creationId xmlns="" xmlns:a16="http://schemas.microsoft.com/office/drawing/2014/main" id="{CFE2E688-97CE-4CBC-90B3-5E3DA7F2948A}"/>
               </a:ext>
             </a:extLst>
           </p:cNvPr>
@@ -4459,7 +4459,7 @@
           <p:cNvPr id="6" name="Нижний колонтитул 5">
             <a:extLst>
               <a:ext uri="{FF2B5EF4-FFF2-40B4-BE49-F238E27FC236}">
-                <a16:creationId xmlns:a16="http://schemas.microsoft.com/office/drawing/2014/main" xmlns="" id="{ACF5F5C3-79C7-4337-9283-F10EF1924F1B}"/>
+                <a16:creationId xmlns="" xmlns:a16="http://schemas.microsoft.com/office/drawing/2014/main" id="{ACF5F5C3-79C7-4337-9283-F10EF1924F1B}"/>
               </a:ext>
             </a:extLst>
           </p:cNvPr>
@@ -4484,7 +4484,7 @@
           <p:cNvPr id="7" name="Номер слайда 6">
             <a:extLst>
               <a:ext uri="{FF2B5EF4-FFF2-40B4-BE49-F238E27FC236}">
-                <a16:creationId xmlns:a16="http://schemas.microsoft.com/office/drawing/2014/main" xmlns="" id="{9C94D0B7-B3F6-414E-BBEA-A6AD6F03027D}"/>
+                <a16:creationId xmlns="" xmlns:a16="http://schemas.microsoft.com/office/drawing/2014/main" id="{9C94D0B7-B3F6-414E-BBEA-A6AD6F03027D}"/>
               </a:ext>
             </a:extLst>
           </p:cNvPr>
@@ -4551,7 +4551,7 @@
           <p:cNvPr id="2" name="Заголовок 1">
             <a:extLst>
               <a:ext uri="{FF2B5EF4-FFF2-40B4-BE49-F238E27FC236}">
-                <a16:creationId xmlns:a16="http://schemas.microsoft.com/office/drawing/2014/main" xmlns="" id="{53D9738B-783C-401C-B2AE-43C8310602D8}"/>
+                <a16:creationId xmlns="" xmlns:a16="http://schemas.microsoft.com/office/drawing/2014/main" id="{53D9738B-783C-401C-B2AE-43C8310602D8}"/>
               </a:ext>
             </a:extLst>
           </p:cNvPr>
@@ -4589,7 +4589,7 @@
           <p:cNvPr id="3" name="Текст 2">
             <a:extLst>
               <a:ext uri="{FF2B5EF4-FFF2-40B4-BE49-F238E27FC236}">
-                <a16:creationId xmlns:a16="http://schemas.microsoft.com/office/drawing/2014/main" xmlns="" id="{960DD51F-6688-45C0-BE25-46DC3741DF20}"/>
+                <a16:creationId xmlns="" xmlns:a16="http://schemas.microsoft.com/office/drawing/2014/main" id="{960DD51F-6688-45C0-BE25-46DC3741DF20}"/>
               </a:ext>
             </a:extLst>
           </p:cNvPr>
@@ -4656,7 +4656,7 @@
           <p:cNvPr id="4" name="Дата 3">
             <a:extLst>
               <a:ext uri="{FF2B5EF4-FFF2-40B4-BE49-F238E27FC236}">
-                <a16:creationId xmlns:a16="http://schemas.microsoft.com/office/drawing/2014/main" xmlns="" id="{291801BB-9555-44F2-B2B8-929D33E9496C}"/>
+                <a16:creationId xmlns="" xmlns:a16="http://schemas.microsoft.com/office/drawing/2014/main" id="{291801BB-9555-44F2-B2B8-929D33E9496C}"/>
               </a:ext>
             </a:extLst>
           </p:cNvPr>
@@ -4703,7 +4703,7 @@
           <p:cNvPr id="5" name="Нижний колонтитул 4">
             <a:extLst>
               <a:ext uri="{FF2B5EF4-FFF2-40B4-BE49-F238E27FC236}">
-                <a16:creationId xmlns:a16="http://schemas.microsoft.com/office/drawing/2014/main" xmlns="" id="{1A35D81B-5CAF-488E-879F-3CA4B2A31E5B}"/>
+                <a16:creationId xmlns="" xmlns:a16="http://schemas.microsoft.com/office/drawing/2014/main" id="{1A35D81B-5CAF-488E-879F-3CA4B2A31E5B}"/>
               </a:ext>
             </a:extLst>
           </p:cNvPr>
@@ -4746,7 +4746,7 @@
           <p:cNvPr id="6" name="Номер слайда 5">
             <a:extLst>
               <a:ext uri="{FF2B5EF4-FFF2-40B4-BE49-F238E27FC236}">
-                <a16:creationId xmlns:a16="http://schemas.microsoft.com/office/drawing/2014/main" xmlns="" id="{93D6702C-BB87-4F87-81E7-3FD524360721}"/>
+                <a16:creationId xmlns="" xmlns:a16="http://schemas.microsoft.com/office/drawing/2014/main" id="{93D6702C-BB87-4F87-81E7-3FD524360721}"/>
               </a:ext>
             </a:extLst>
           </p:cNvPr>
@@ -5114,7 +5114,7 @@
           <p:cNvPr id="3" name="Подзаголовок 2">
             <a:extLst>
               <a:ext uri="{FF2B5EF4-FFF2-40B4-BE49-F238E27FC236}">
-                <a16:creationId xmlns:a16="http://schemas.microsoft.com/office/drawing/2014/main" xmlns="" id="{BCA01FE3-5996-447B-8785-D69CB5FB4FAB}"/>
+                <a16:creationId xmlns="" xmlns:a16="http://schemas.microsoft.com/office/drawing/2014/main" id="{BCA01FE3-5996-447B-8785-D69CB5FB4FAB}"/>
               </a:ext>
             </a:extLst>
           </p:cNvPr>
@@ -5260,7 +5260,7 @@
           <p:cNvPr id="2" name="Заголовок 1">
             <a:extLst>
               <a:ext uri="{FF2B5EF4-FFF2-40B4-BE49-F238E27FC236}">
-                <a16:creationId xmlns:a16="http://schemas.microsoft.com/office/drawing/2014/main" xmlns="" id="{6B39BEEA-C541-48CC-BEF6-3E70E7933948}"/>
+                <a16:creationId xmlns="" xmlns:a16="http://schemas.microsoft.com/office/drawing/2014/main" id="{6B39BEEA-C541-48CC-BEF6-3E70E7933948}"/>
               </a:ext>
             </a:extLst>
           </p:cNvPr>
@@ -5306,7 +5306,7 @@
           <p:cNvPr id="3" name="Объект 2">
             <a:extLst>
               <a:ext uri="{FF2B5EF4-FFF2-40B4-BE49-F238E27FC236}">
-                <a16:creationId xmlns:a16="http://schemas.microsoft.com/office/drawing/2014/main" xmlns="" id="{00158481-D098-4A9D-86B7-E67841394BCD}"/>
+                <a16:creationId xmlns="" xmlns:a16="http://schemas.microsoft.com/office/drawing/2014/main" id="{00158481-D098-4A9D-86B7-E67841394BCD}"/>
               </a:ext>
             </a:extLst>
           </p:cNvPr>
@@ -5513,7 +5513,7 @@
           <p:cNvPr id="2" name="Заголовок 1">
             <a:extLst>
               <a:ext uri="{FF2B5EF4-FFF2-40B4-BE49-F238E27FC236}">
-                <a16:creationId xmlns:a16="http://schemas.microsoft.com/office/drawing/2014/main" xmlns="" id="{125A25BB-4BB1-40FD-B48C-440BA8052EFC}"/>
+                <a16:creationId xmlns="" xmlns:a16="http://schemas.microsoft.com/office/drawing/2014/main" id="{125A25BB-4BB1-40FD-B48C-440BA8052EFC}"/>
               </a:ext>
             </a:extLst>
           </p:cNvPr>
@@ -5624,6 +5624,115 @@
           </a:xfrm>
         </p:spPr>
       </p:pic>
+      <p:sp>
+        <p:nvSpPr>
+          <p:cNvPr id="3" name="TextBox 2"/>
+          <p:cNvSpPr txBox="1"/>
+          <p:nvPr/>
+        </p:nvSpPr>
+        <p:spPr>
+          <a:xfrm>
+            <a:off x="3524597" y="2499360"/>
+            <a:ext cx="1306768" cy="1200329"/>
+          </a:xfrm>
+          <a:prstGeom prst="rect">
+            <a:avLst/>
+          </a:prstGeom>
+          <a:noFill/>
+        </p:spPr>
+        <p:txBody>
+          <a:bodyPr wrap="none" rtlCol="0">
+            <a:spAutoFit/>
+          </a:bodyPr>
+          <a:lstStyle/>
+          <a:p>
+            <a:r>
+              <a:rPr lang="ru-RU" dirty="0" smtClean="0">
+                <a:solidFill>
+                  <a:srgbClr val="2B2EFF"/>
+                </a:solidFill>
+                <a:latin typeface="Helvetica" charset="0"/>
+                <a:ea typeface="Helvetica" charset="0"/>
+                <a:cs typeface="Helvetica" charset="0"/>
+              </a:rPr>
+              <a:t>Смех</a:t>
+            </a:r>
+            <a:r>
+              <a:rPr lang="ru-RU" dirty="0" smtClean="0">
+                <a:latin typeface="Helvetica" charset="0"/>
+                <a:ea typeface="Helvetica" charset="0"/>
+                <a:cs typeface="Helvetica" charset="0"/>
+              </a:rPr>
+              <a:t/>
+            </a:r>
+            <a:br>
+              <a:rPr lang="ru-RU" dirty="0" smtClean="0">
+                <a:latin typeface="Helvetica" charset="0"/>
+                <a:ea typeface="Helvetica" charset="0"/>
+                <a:cs typeface="Helvetica" charset="0"/>
+              </a:rPr>
+            </a:br>
+            <a:r>
+              <a:rPr lang="ru-RU" dirty="0" smtClean="0">
+                <a:solidFill>
+                  <a:srgbClr val="FF0E0D"/>
+                </a:solidFill>
+                <a:latin typeface="Helvetica" charset="0"/>
+                <a:ea typeface="Helvetica" charset="0"/>
+                <a:cs typeface="Helvetica" charset="0"/>
+              </a:rPr>
+              <a:t>Движение</a:t>
+            </a:r>
+            <a:endParaRPr lang="en-US" dirty="0" smtClean="0">
+              <a:solidFill>
+                <a:srgbClr val="FF0E0D"/>
+              </a:solidFill>
+              <a:latin typeface="Helvetica" charset="0"/>
+              <a:ea typeface="Helvetica" charset="0"/>
+              <a:cs typeface="Helvetica" charset="0"/>
+            </a:endParaRPr>
+          </a:p>
+          <a:p>
+            <a:r>
+              <a:rPr lang="ru-RU" dirty="0" smtClean="0">
+                <a:solidFill>
+                  <a:schemeClr val="accent4"/>
+                </a:solidFill>
+                <a:latin typeface="Helvetica" charset="0"/>
+                <a:ea typeface="Helvetica" charset="0"/>
+                <a:cs typeface="Helvetica" charset="0"/>
+              </a:rPr>
+              <a:t>Солнце</a:t>
+            </a:r>
+            <a:r>
+              <a:rPr lang="ru-RU" dirty="0" smtClean="0">
+                <a:latin typeface="Helvetica" charset="0"/>
+                <a:ea typeface="Helvetica" charset="0"/>
+                <a:cs typeface="Helvetica" charset="0"/>
+              </a:rPr>
+              <a:t/>
+            </a:r>
+            <a:br>
+              <a:rPr lang="ru-RU" dirty="0" smtClean="0">
+                <a:latin typeface="Helvetica" charset="0"/>
+                <a:ea typeface="Helvetica" charset="0"/>
+                <a:cs typeface="Helvetica" charset="0"/>
+              </a:rPr>
+            </a:br>
+            <a:r>
+              <a:rPr lang="ru-RU" dirty="0" smtClean="0">
+                <a:solidFill>
+                  <a:srgbClr val="048206"/>
+                </a:solidFill>
+                <a:latin typeface="Helvetica" charset="0"/>
+                <a:ea typeface="Helvetica" charset="0"/>
+                <a:cs typeface="Helvetica" charset="0"/>
+              </a:rPr>
+              <a:t>Пьянство</a:t>
+            </a:r>
+          </a:p>
+        </p:txBody>
+      </p:sp>
     </p:spTree>
     <p:extLst>
       <p:ext uri="{BB962C8B-B14F-4D97-AF65-F5344CB8AC3E}">
@@ -5750,7 +5859,7 @@
           <p:cNvPr id="4" name="Chart 2">
             <a:extLst>
               <a:ext uri="{FF2B5EF4-FFF2-40B4-BE49-F238E27FC236}">
-                <a16:creationId xmlns="" xmlns:xdr="http://schemas.openxmlformats.org/drawingml/2006/spreadsheetDrawing" xmlns:a16="http://schemas.microsoft.com/office/drawing/2014/main" xmlns:lc="http://schemas.openxmlformats.org/drawingml/2006/lockedCanvas" id="{BF60D29B-DAA0-4F69-A445-44E94912E54D}"/>
+                <a16:creationId xmlns:lc="http://schemas.openxmlformats.org/drawingml/2006/lockedCanvas" xmlns:a16="http://schemas.microsoft.com/office/drawing/2014/main" xmlns:xdr="http://schemas.openxmlformats.org/drawingml/2006/spreadsheetDrawing" xmlns="" id="{BF60D29B-DAA0-4F69-A445-44E94912E54D}"/>
               </a:ext>
             </a:extLst>
           </p:cNvPr>
@@ -7364,7 +7473,7 @@
           <p:cNvPr id="2" name="Заголовок 1">
             <a:extLst>
               <a:ext uri="{FF2B5EF4-FFF2-40B4-BE49-F238E27FC236}">
-                <a16:creationId xmlns:a16="http://schemas.microsoft.com/office/drawing/2014/main" xmlns="" id="{CCCA1532-073C-487E-97E8-CD6D18B96191}"/>
+                <a16:creationId xmlns="" xmlns:a16="http://schemas.microsoft.com/office/drawing/2014/main" id="{CCCA1532-073C-487E-97E8-CD6D18B96191}"/>
               </a:ext>
             </a:extLst>
           </p:cNvPr>
@@ -7404,7 +7513,7 @@
           <p:cNvPr id="4" name="Текст 3">
             <a:extLst>
               <a:ext uri="{FF2B5EF4-FFF2-40B4-BE49-F238E27FC236}">
-                <a16:creationId xmlns:a16="http://schemas.microsoft.com/office/drawing/2014/main" xmlns="" id="{E64C11F9-BD84-4E8A-B086-E6A9426AF879}"/>
+                <a16:creationId xmlns="" xmlns:a16="http://schemas.microsoft.com/office/drawing/2014/main" id="{E64C11F9-BD84-4E8A-B086-E6A9426AF879}"/>
               </a:ext>
             </a:extLst>
           </p:cNvPr>
@@ -7497,7 +7606,7 @@
           <p:cNvPr id="4" name="TextBox 3">
             <a:extLst>
               <a:ext uri="{FF2B5EF4-FFF2-40B4-BE49-F238E27FC236}">
-                <a16:creationId xmlns:a16="http://schemas.microsoft.com/office/drawing/2014/main" xmlns="" id="{7B9A3133-5277-4B9C-BB8E-57A8A2B317B9}"/>
+                <a16:creationId xmlns="" xmlns:a16="http://schemas.microsoft.com/office/drawing/2014/main" id="{7B9A3133-5277-4B9C-BB8E-57A8A2B317B9}"/>
               </a:ext>
             </a:extLst>
           </p:cNvPr>
@@ -7552,7 +7661,7 @@
           <p:cNvPr id="5" name="TextBox 4">
             <a:extLst>
               <a:ext uri="{FF2B5EF4-FFF2-40B4-BE49-F238E27FC236}">
-                <a16:creationId xmlns:a16="http://schemas.microsoft.com/office/drawing/2014/main" xmlns="" id="{87E90116-7914-4229-BF63-61092BFF6509}"/>
+                <a16:creationId xmlns="" xmlns:a16="http://schemas.microsoft.com/office/drawing/2014/main" id="{87E90116-7914-4229-BF63-61092BFF6509}"/>
               </a:ext>
             </a:extLst>
           </p:cNvPr>
@@ -7811,7 +7920,7 @@
           <p:cNvPr id="2" name="TextBox 1">
             <a:extLst>
               <a:ext uri="{FF2B5EF4-FFF2-40B4-BE49-F238E27FC236}">
-                <a16:creationId xmlns:a16="http://schemas.microsoft.com/office/drawing/2014/main" xmlns="" id="{6571D1C7-D84E-4EE5-ADB3-7D12A6F1C938}"/>
+                <a16:creationId xmlns="" xmlns:a16="http://schemas.microsoft.com/office/drawing/2014/main" id="{6571D1C7-D84E-4EE5-ADB3-7D12A6F1C938}"/>
               </a:ext>
             </a:extLst>
           </p:cNvPr>
@@ -7908,7 +8017,7 @@
           <p:cNvPr id="4" name="Текст 3">
             <a:extLst>
               <a:ext uri="{FF2B5EF4-FFF2-40B4-BE49-F238E27FC236}">
-                <a16:creationId xmlns:a16="http://schemas.microsoft.com/office/drawing/2014/main" xmlns="" id="{DDAADB80-3FA1-4491-A081-15B69B29E417}"/>
+                <a16:creationId xmlns="" xmlns:a16="http://schemas.microsoft.com/office/drawing/2014/main" id="{DDAADB80-3FA1-4491-A081-15B69B29E417}"/>
               </a:ext>
             </a:extLst>
           </p:cNvPr>
@@ -7995,7 +8104,7 @@
           <p:cNvPr id="5" name="Объект 4">
             <a:extLst>
               <a:ext uri="{FF2B5EF4-FFF2-40B4-BE49-F238E27FC236}">
-                <a16:creationId xmlns:a16="http://schemas.microsoft.com/office/drawing/2014/main" xmlns="" id="{5740A3D8-8B5B-4E22-99C6-73EFE0AA2E10}"/>
+                <a16:creationId xmlns="" xmlns:a16="http://schemas.microsoft.com/office/drawing/2014/main" id="{5740A3D8-8B5B-4E22-99C6-73EFE0AA2E10}"/>
               </a:ext>
             </a:extLst>
           </p:cNvPr>
@@ -8082,7 +8191,7 @@
           <p:cNvPr id="6" name="Текст 5">
             <a:extLst>
               <a:ext uri="{FF2B5EF4-FFF2-40B4-BE49-F238E27FC236}">
-                <a16:creationId xmlns:a16="http://schemas.microsoft.com/office/drawing/2014/main" xmlns="" id="{3FC3DF72-78EC-47C6-98B6-C7558A986498}"/>
+                <a16:creationId xmlns="" xmlns:a16="http://schemas.microsoft.com/office/drawing/2014/main" id="{3FC3DF72-78EC-47C6-98B6-C7558A986498}"/>
               </a:ext>
             </a:extLst>
           </p:cNvPr>
@@ -8161,7 +8270,7 @@
           <p:cNvPr id="7" name="Объект 6">
             <a:extLst>
               <a:ext uri="{FF2B5EF4-FFF2-40B4-BE49-F238E27FC236}">
-                <a16:creationId xmlns:a16="http://schemas.microsoft.com/office/drawing/2014/main" xmlns="" id="{FC0A36E1-9E0A-462B-A1F9-0316C03323A2}"/>
+                <a16:creationId xmlns="" xmlns:a16="http://schemas.microsoft.com/office/drawing/2014/main" id="{FC0A36E1-9E0A-462B-A1F9-0316C03323A2}"/>
               </a:ext>
             </a:extLst>
           </p:cNvPr>
@@ -8311,7 +8420,7 @@
           <p:cNvPr id="7" name="Заголовок 6">
             <a:extLst>
               <a:ext uri="{FF2B5EF4-FFF2-40B4-BE49-F238E27FC236}">
-                <a16:creationId xmlns:a16="http://schemas.microsoft.com/office/drawing/2014/main" xmlns="" id="{A7CF4BD6-182A-4544-8182-101FCAC8548E}"/>
+                <a16:creationId xmlns="" xmlns:a16="http://schemas.microsoft.com/office/drawing/2014/main" id="{A7CF4BD6-182A-4544-8182-101FCAC8548E}"/>
               </a:ext>
             </a:extLst>
           </p:cNvPr>
@@ -8346,7 +8455,7 @@
           <p:cNvPr id="10" name="Объект 9">
             <a:extLst>
               <a:ext uri="{FF2B5EF4-FFF2-40B4-BE49-F238E27FC236}">
-                <a16:creationId xmlns:a16="http://schemas.microsoft.com/office/drawing/2014/main" xmlns="" id="{96061B44-ED9F-4707-8D57-6A39B2CF3957}"/>
+                <a16:creationId xmlns="" xmlns:a16="http://schemas.microsoft.com/office/drawing/2014/main" id="{96061B44-ED9F-4707-8D57-6A39B2CF3957}"/>
               </a:ext>
             </a:extLst>
           </p:cNvPr>
@@ -8452,7 +8561,7 @@
           <p:cNvPr id="17" name="Объект 16">
             <a:extLst>
               <a:ext uri="{FF2B5EF4-FFF2-40B4-BE49-F238E27FC236}">
-                <a16:creationId xmlns:a16="http://schemas.microsoft.com/office/drawing/2014/main" xmlns="" id="{9FC54163-EE5E-4879-A2BC-5963D8164686}"/>
+                <a16:creationId xmlns="" xmlns:a16="http://schemas.microsoft.com/office/drawing/2014/main" id="{9FC54163-EE5E-4879-A2BC-5963D8164686}"/>
               </a:ext>
             </a:extLst>
           </p:cNvPr>
@@ -8487,7 +8596,7 @@
           <p:cNvPr id="5" name="Заголовок 1">
             <a:extLst>
               <a:ext uri="{FF2B5EF4-FFF2-40B4-BE49-F238E27FC236}">
-                <a16:creationId xmlns:a16="http://schemas.microsoft.com/office/drawing/2014/main" xmlns="" id="{5AE487BB-93AF-4AD0-A82F-572C1EB32E65}"/>
+                <a16:creationId xmlns="" xmlns:a16="http://schemas.microsoft.com/office/drawing/2014/main" id="{5AE487BB-93AF-4AD0-A82F-572C1EB32E65}"/>
               </a:ext>
             </a:extLst>
           </p:cNvPr>
@@ -8596,7 +8705,7 @@
           <p:cNvPr id="2" name="Заголовок 1">
             <a:extLst>
               <a:ext uri="{FF2B5EF4-FFF2-40B4-BE49-F238E27FC236}">
-                <a16:creationId xmlns:a16="http://schemas.microsoft.com/office/drawing/2014/main" xmlns="" id="{655886CE-9CE8-4640-9B54-335049D5A48E}"/>
+                <a16:creationId xmlns="" xmlns:a16="http://schemas.microsoft.com/office/drawing/2014/main" id="{655886CE-9CE8-4640-9B54-335049D5A48E}"/>
               </a:ext>
             </a:extLst>
           </p:cNvPr>
@@ -8635,7 +8744,7 @@
           <p:cNvPr id="4" name="Текст 3">
             <a:extLst>
               <a:ext uri="{FF2B5EF4-FFF2-40B4-BE49-F238E27FC236}">
-                <a16:creationId xmlns:a16="http://schemas.microsoft.com/office/drawing/2014/main" xmlns="" id="{B18AE2EE-E4E3-4440-9CDF-C910405F7B81}"/>
+                <a16:creationId xmlns="" xmlns:a16="http://schemas.microsoft.com/office/drawing/2014/main" id="{B18AE2EE-E4E3-4440-9CDF-C910405F7B81}"/>
               </a:ext>
             </a:extLst>
           </p:cNvPr>
@@ -8727,7 +8836,7 @@
           <p:cNvPr id="6" name="Текст 5">
             <a:extLst>
               <a:ext uri="{FF2B5EF4-FFF2-40B4-BE49-F238E27FC236}">
-                <a16:creationId xmlns:a16="http://schemas.microsoft.com/office/drawing/2014/main" xmlns="" id="{8E35DC7A-352D-44AD-B30D-26B9F0380DCE}"/>
+                <a16:creationId xmlns="" xmlns:a16="http://schemas.microsoft.com/office/drawing/2014/main" id="{8E35DC7A-352D-44AD-B30D-26B9F0380DCE}"/>
               </a:ext>
             </a:extLst>
           </p:cNvPr>
@@ -8765,7 +8874,7 @@
           <p:cNvPr id="7" name="Объект 6">
             <a:extLst>
               <a:ext uri="{FF2B5EF4-FFF2-40B4-BE49-F238E27FC236}">
-                <a16:creationId xmlns:a16="http://schemas.microsoft.com/office/drawing/2014/main" xmlns="" id="{D76593F4-83C4-4CC3-B7DA-828A5B75AFBD}"/>
+                <a16:creationId xmlns="" xmlns:a16="http://schemas.microsoft.com/office/drawing/2014/main" id="{D76593F4-83C4-4CC3-B7DA-828A5B75AFBD}"/>
               </a:ext>
             </a:extLst>
           </p:cNvPr>
@@ -8804,7 +8913,7 @@
           <p:cNvPr id="8" name="Текст 7">
             <a:extLst>
               <a:ext uri="{FF2B5EF4-FFF2-40B4-BE49-F238E27FC236}">
-                <a16:creationId xmlns:a16="http://schemas.microsoft.com/office/drawing/2014/main" xmlns="" id="{1394C65C-B0A3-4189-8FBD-B58C233A862F}"/>
+                <a16:creationId xmlns="" xmlns:a16="http://schemas.microsoft.com/office/drawing/2014/main" id="{1394C65C-B0A3-4189-8FBD-B58C233A862F}"/>
               </a:ext>
             </a:extLst>
           </p:cNvPr>
@@ -8842,7 +8951,7 @@
           <p:cNvPr id="9" name="Объект 8">
             <a:extLst>
               <a:ext uri="{FF2B5EF4-FFF2-40B4-BE49-F238E27FC236}">
-                <a16:creationId xmlns:a16="http://schemas.microsoft.com/office/drawing/2014/main" xmlns="" id="{F7E3E6E8-4142-42E8-B01E-FAFE5F1AB5DA}"/>
+                <a16:creationId xmlns="" xmlns:a16="http://schemas.microsoft.com/office/drawing/2014/main" id="{F7E3E6E8-4142-42E8-B01E-FAFE5F1AB5DA}"/>
               </a:ext>
             </a:extLst>
           </p:cNvPr>
@@ -8983,7 +9092,7 @@
           <p:cNvPr id="7" name="Заголовок 6">
             <a:extLst>
               <a:ext uri="{FF2B5EF4-FFF2-40B4-BE49-F238E27FC236}">
-                <a16:creationId xmlns:a16="http://schemas.microsoft.com/office/drawing/2014/main" xmlns="" id="{967DE051-A85C-4B8D-AA13-F372BF89866A}"/>
+                <a16:creationId xmlns="" xmlns:a16="http://schemas.microsoft.com/office/drawing/2014/main" id="{967DE051-A85C-4B8D-AA13-F372BF89866A}"/>
               </a:ext>
             </a:extLst>
           </p:cNvPr>
@@ -9023,7 +9132,7 @@
           <p:cNvPr id="8" name="Объект 7">
             <a:extLst>
               <a:ext uri="{FF2B5EF4-FFF2-40B4-BE49-F238E27FC236}">
-                <a16:creationId xmlns:a16="http://schemas.microsoft.com/office/drawing/2014/main" xmlns="" id="{D2CECBB9-BD46-40AA-8F54-B6ED05034E9F}"/>
+                <a16:creationId xmlns="" xmlns:a16="http://schemas.microsoft.com/office/drawing/2014/main" id="{D2CECBB9-BD46-40AA-8F54-B6ED05034E9F}"/>
               </a:ext>
             </a:extLst>
           </p:cNvPr>
@@ -9614,7 +9723,7 @@
           <p:cNvPr id="2" name="Заголовок 1">
             <a:extLst>
               <a:ext uri="{FF2B5EF4-FFF2-40B4-BE49-F238E27FC236}">
-                <a16:creationId xmlns:a16="http://schemas.microsoft.com/office/drawing/2014/main" xmlns="" id="{5AE487BB-93AF-4AD0-A82F-572C1EB32E65}"/>
+                <a16:creationId xmlns="" xmlns:a16="http://schemas.microsoft.com/office/drawing/2014/main" id="{5AE487BB-93AF-4AD0-A82F-572C1EB32E65}"/>
               </a:ext>
             </a:extLst>
           </p:cNvPr>
@@ -9647,7 +9756,7 @@
           <p:cNvPr id="3" name="Объект 2">
             <a:extLst>
               <a:ext uri="{FF2B5EF4-FFF2-40B4-BE49-F238E27FC236}">
-                <a16:creationId xmlns:a16="http://schemas.microsoft.com/office/drawing/2014/main" xmlns="" id="{C689FDE1-3B42-426D-BEB5-DE1F3F0F3173}"/>
+                <a16:creationId xmlns="" xmlns:a16="http://schemas.microsoft.com/office/drawing/2014/main" id="{C689FDE1-3B42-426D-BEB5-DE1F3F0F3173}"/>
               </a:ext>
             </a:extLst>
           </p:cNvPr>
